--- a/presentation/SSM.pptx
+++ b/presentation/SSM.pptx
@@ -19,6 +19,7 @@
     <p:sldId id="264" r:id="rId16"/>
     <p:sldId id="265" r:id="rId17"/>
     <p:sldId id="266" r:id="rId18"/>
+    <p:sldId id="267" r:id="rId19"/>
   </p:sldIdLst>
   <p:sldSz cx="13004800" cy="9753600"/>
   <p:notesSz cx="6858000" cy="9144000"/>
@@ -3114,7 +3115,7 @@
       </p:grpSpPr>
       <p:sp>
         <p:nvSpPr>
-          <p:cNvPr id="171" name="Slide Number"/>
+          <p:cNvPr id="170" name="Slide Number"/>
           <p:cNvSpPr txBox="1"/>
           <p:nvPr>
             <p:ph type="sldNum" sz="quarter" idx="2"/>
@@ -3141,7 +3142,7 @@
       </p:sp>
       <p:grpSp>
         <p:nvGrpSpPr>
-          <p:cNvPr id="174" name="Image Gallery"/>
+          <p:cNvPr id="173" name="Image Gallery"/>
           <p:cNvGrpSpPr/>
           <p:nvPr/>
         </p:nvGrpSpPr>
@@ -3155,7 +3156,7 @@
         </p:grpSpPr>
         <p:pic>
           <p:nvPicPr>
-            <p:cNvPr id="172" name="Delete Contact Diagram.png" descr="Delete Contact Diagram.png"/>
+            <p:cNvPr id="171" name="Delete Contact Diagram.png" descr="Delete Contact Diagram.png"/>
             <p:cNvPicPr>
               <a:picLocks noChangeAspect="1"/>
             </p:cNvPicPr>
@@ -3187,7 +3188,7 @@
         </p:pic>
         <p:sp>
           <p:nvSpPr>
-            <p:cNvPr id="173" name="Delete Contact"/>
+            <p:cNvPr id="172" name="Delete Contact"/>
             <p:cNvSpPr/>
             <p:nvPr/>
           </p:nvSpPr>
@@ -3231,7 +3232,7 @@
       </p:grpSp>
       <p:pic>
         <p:nvPicPr>
-          <p:cNvPr id="175" name="Image" descr="Image"/>
+          <p:cNvPr id="174" name="Image" descr="Image"/>
           <p:cNvPicPr>
             <a:picLocks noChangeAspect="1"/>
           </p:cNvPicPr>
@@ -3286,7 +3287,7 @@
       </p:grpSpPr>
       <p:sp>
         <p:nvSpPr>
-          <p:cNvPr id="177" name="Slide Number"/>
+          <p:cNvPr id="176" name="Slide Number"/>
           <p:cNvSpPr txBox="1"/>
           <p:nvPr>
             <p:ph type="sldNum" sz="quarter" idx="2"/>
@@ -3313,7 +3314,7 @@
       </p:sp>
       <p:sp>
         <p:nvSpPr>
-          <p:cNvPr id="178" name="Benchmark Results"/>
+          <p:cNvPr id="177" name="Benchmark Results"/>
           <p:cNvSpPr txBox="1"/>
           <p:nvPr/>
         </p:nvSpPr>
@@ -3349,7 +3350,7 @@
       </p:sp>
       <p:pic>
         <p:nvPicPr>
-          <p:cNvPr id="179" name="Image" descr="Image"/>
+          <p:cNvPr id="178" name="Image" descr="Image"/>
           <p:cNvPicPr>
             <a:picLocks noChangeAspect="1"/>
           </p:cNvPicPr>
@@ -3378,7 +3379,7 @@
       </p:pic>
       <p:pic>
         <p:nvPicPr>
-          <p:cNvPr id="180" name="Image" descr="Image"/>
+          <p:cNvPr id="179" name="Image" descr="Image"/>
           <p:cNvPicPr>
             <a:picLocks noChangeAspect="1"/>
           </p:cNvPicPr>
@@ -3407,7 +3408,7 @@
       </p:pic>
       <p:pic>
         <p:nvPicPr>
-          <p:cNvPr id="181" name="Image" descr="Image"/>
+          <p:cNvPr id="180" name="Image" descr="Image"/>
           <p:cNvPicPr>
             <a:picLocks noChangeAspect="1"/>
           </p:cNvPicPr>
@@ -3436,7 +3437,7 @@
       </p:pic>
       <p:pic>
         <p:nvPicPr>
-          <p:cNvPr id="182" name="Image" descr="Image"/>
+          <p:cNvPr id="181" name="Image" descr="Image"/>
           <p:cNvPicPr>
             <a:picLocks noChangeAspect="1"/>
           </p:cNvPicPr>
@@ -3465,7 +3466,7 @@
       </p:pic>
       <p:pic>
         <p:nvPicPr>
-          <p:cNvPr id="183" name="Image" descr="Image"/>
+          <p:cNvPr id="182" name="Image" descr="Image"/>
           <p:cNvPicPr>
             <a:picLocks noChangeAspect="1"/>
           </p:cNvPicPr>
@@ -3494,7 +3495,7 @@
       </p:pic>
       <p:pic>
         <p:nvPicPr>
-          <p:cNvPr id="184" name="Image" descr="Image"/>
+          <p:cNvPr id="183" name="Image" descr="Image"/>
           <p:cNvPicPr>
             <a:picLocks noChangeAspect="1"/>
           </p:cNvPicPr>
@@ -3521,6 +3522,95 @@
           </a:ln>
         </p:spPr>
       </p:pic>
+    </p:spTree>
+  </p:cSld>
+  <p:clrMapOvr>
+    <a:masterClrMapping/>
+  </p:clrMapOvr>
+  <p:transition xmlns:p14="http://schemas.microsoft.com/office/powerpoint/2010/main" spd="med" advClick="1"/>
+</p:sld>
+</file>
+
+<file path=ppt/slides/slide12.xml><?xml version="1.0" encoding="utf-8"?>
+<p:sld xmlns:a="http://schemas.openxmlformats.org/drawingml/2006/main" xmlns:r="http://schemas.openxmlformats.org/officeDocument/2006/relationships" xmlns:p="http://schemas.openxmlformats.org/presentationml/2006/main" xmlns:m="http://schemas.openxmlformats.org/officeDocument/2006/math" xmlns:a14="http://schemas.microsoft.com/office/drawing/2010/main" showMasterSp="1" showMasterPhAnim="1">
+  <p:cSld>
+    <p:spTree>
+      <p:nvGrpSpPr>
+        <p:cNvPr id="1" name=""/>
+        <p:cNvGrpSpPr/>
+        <p:nvPr/>
+      </p:nvGrpSpPr>
+      <p:grpSpPr>
+        <a:xfrm>
+          <a:off x="0" y="0"/>
+          <a:ext cx="0" cy="0"/>
+          <a:chOff x="0" y="0"/>
+          <a:chExt cx="0" cy="0"/>
+        </a:xfrm>
+      </p:grpSpPr>
+      <p:sp>
+        <p:nvSpPr>
+          <p:cNvPr id="185" name="Slide Number"/>
+          <p:cNvSpPr txBox="1"/>
+          <p:nvPr>
+            <p:ph type="sldNum" sz="quarter" idx="2"/>
+          </p:nvPr>
+        </p:nvSpPr>
+        <p:spPr>
+          <a:prstGeom prst="rect">
+            <a:avLst/>
+          </a:prstGeom>
+          <a:extLst>
+            <a:ext uri="{C572A759-6A51-4108-AA02-DFA0A04FC94B}">
+              <ma14:wrappingTextBoxFlag xmlns:ma14="http://schemas.microsoft.com/office/mac/drawingml/2011/main" val="1"/>
+            </a:ext>
+          </a:extLst>
+        </p:spPr>
+        <p:txBody>
+          <a:bodyPr/>
+          <a:lstStyle/>
+          <a:p>
+            <a:pPr/>
+            <a:fld id="{86CB4B4D-7CA3-9044-876B-883B54F8677D}" type="slidenum"/>
+          </a:p>
+        </p:txBody>
+      </p:sp>
+      <p:sp>
+        <p:nvSpPr>
+          <p:cNvPr id="186" name="Q&amp;A"/>
+          <p:cNvSpPr txBox="1"/>
+          <p:nvPr/>
+        </p:nvSpPr>
+        <p:spPr>
+          <a:xfrm>
+            <a:off x="6003817" y="4354740"/>
+            <a:ext cx="769011" cy="461059"/>
+          </a:xfrm>
+          <a:prstGeom prst="rect">
+            <a:avLst/>
+          </a:prstGeom>
+          <a:ln w="12700">
+            <a:miter lim="400000"/>
+          </a:ln>
+          <a:extLst>
+            <a:ext uri="{C572A759-6A51-4108-AA02-DFA0A04FC94B}">
+              <ma14:wrappingTextBoxFlag xmlns:ma14="http://schemas.microsoft.com/office/mac/drawingml/2011/main" val="1"/>
+            </a:ext>
+          </a:extLst>
+        </p:spPr>
+        <p:txBody>
+          <a:bodyPr wrap="none" lIns="50800" tIns="50800" rIns="50800" bIns="50800" anchor="ctr">
+            <a:spAutoFit/>
+          </a:bodyPr>
+          <a:lstStyle/>
+          <a:p>
+            <a:pPr/>
+            <a:r>
+              <a:t>Q&amp;A</a:t>
+            </a:r>
+          </a:p>
+        </p:txBody>
+      </p:sp>
     </p:spTree>
   </p:cSld>
   <p:clrMapOvr>
@@ -3622,8 +3712,8 @@
         </p:nvSpPr>
         <p:spPr>
           <a:xfrm>
-            <a:off x="815158" y="1210895"/>
-            <a:ext cx="9549716" cy="5617260"/>
+            <a:off x="853184" y="1699870"/>
+            <a:ext cx="9380247" cy="6353860"/>
           </a:xfrm>
           <a:prstGeom prst="rect">
             <a:avLst/>
@@ -3710,8 +3800,14 @@
               </a:rPr>
               <a:t>https://github.com/popovici-gabriel/contact-service</a:t>
             </a:r>
-            <a:r>
-              <a:t>  </a:t>
+          </a:p>
+          <a:p>
+            <a:pPr lvl="1" marL="777875" indent="-333375" algn="l">
+              <a:buSzPct val="145000"/>
+              <a:buChar char="‣"/>
+            </a:pPr>
+            <a:r>
+              <a:t>IDE plugins: lombok, java micro harness(jmh)  </a:t>
             </a:r>
           </a:p>
           <a:p>
@@ -3783,7 +3879,16 @@
               <a:buChar char="‣"/>
             </a:pPr>
             <a:r>
-              <a:t>Hands-on</a:t>
+              <a:t>Hands-on: Modeling RESTfull APIs using SSM</a:t>
+            </a:r>
+          </a:p>
+          <a:p>
+            <a:pPr lvl="1" marL="777875" indent="-333375" algn="l">
+              <a:buSzPct val="145000"/>
+              <a:buChar char="‣"/>
+            </a:pPr>
+            <a:r>
+              <a:t>Benchmark</a:t>
             </a:r>
           </a:p>
         </p:txBody>
@@ -7141,42 +7246,6 @@
           </a:ln>
         </p:spPr>
       </p:pic>
-      <p:sp>
-        <p:nvSpPr>
-          <p:cNvPr id="151" name="KafkaTemplate"/>
-          <p:cNvSpPr txBox="1"/>
-          <p:nvPr/>
-        </p:nvSpPr>
-        <p:spPr>
-          <a:xfrm>
-            <a:off x="5359247" y="4646270"/>
-            <a:ext cx="2286306" cy="461060"/>
-          </a:xfrm>
-          <a:prstGeom prst="rect">
-            <a:avLst/>
-          </a:prstGeom>
-          <a:ln w="12700">
-            <a:miter lim="400000"/>
-          </a:ln>
-          <a:extLst>
-            <a:ext uri="{C572A759-6A51-4108-AA02-DFA0A04FC94B}">
-              <ma14:wrappingTextBoxFlag xmlns:ma14="http://schemas.microsoft.com/office/mac/drawingml/2011/main" val="1"/>
-            </a:ext>
-          </a:extLst>
-        </p:spPr>
-        <p:txBody>
-          <a:bodyPr wrap="none" lIns="50800" tIns="50800" rIns="50800" bIns="50800" anchor="ctr">
-            <a:spAutoFit/>
-          </a:bodyPr>
-          <a:lstStyle/>
-          <a:p>
-            <a:pPr/>
-            <a:r>
-              <a:t>KafkaTemplate</a:t>
-            </a:r>
-          </a:p>
-        </p:txBody>
-      </p:sp>
     </p:spTree>
   </p:cSld>
   <p:clrMapOvr>
@@ -7205,7 +7274,7 @@
       </p:grpSpPr>
       <p:sp>
         <p:nvSpPr>
-          <p:cNvPr id="153" name="Slide Number"/>
+          <p:cNvPr id="152" name="Slide Number"/>
           <p:cNvSpPr txBox="1"/>
           <p:nvPr>
             <p:ph type="sldNum" sz="quarter" idx="2"/>
@@ -7236,7 +7305,7 @@
       </p:sp>
       <p:sp>
         <p:nvSpPr>
-          <p:cNvPr id="154" name="Why?"/>
+          <p:cNvPr id="153" name="Why?"/>
           <p:cNvSpPr txBox="1"/>
           <p:nvPr/>
         </p:nvSpPr>
@@ -7272,7 +7341,7 @@
       </p:sp>
       <p:sp>
         <p:nvSpPr>
-          <p:cNvPr id="155" name="Traditionally, state machines are added to an existing project when developers realize that the code base is starting to look like a plate full of spaghetti. Spaghetti code looks like a never ending, hierarchical structure of IF, ELSE, and BREAK clauses, and compilers should probably ask developers to go home when things are starting to look too complex."/>
+          <p:cNvPr id="154" name="Traditionally, state machines are added to an existing project when developers realize that the code base is starting to look like a plate full of spaghetti. Spaghetti code looks like a never ending, hierarchical structure of IF, ELSE, and BREAK clauses, and compilers should probably ask developers to go home when things are starting to look too complex."/>
           <p:cNvSpPr txBox="1"/>
           <p:nvPr/>
         </p:nvSpPr>
@@ -7320,7 +7389,7 @@
       </p:sp>
       <p:sp>
         <p:nvSpPr>
-          <p:cNvPr id="156" name="You are already trying to implement a state machine when you:…"/>
+          <p:cNvPr id="155" name="You are already trying to implement a state machine when you:…"/>
           <p:cNvSpPr txBox="1"/>
           <p:nvPr/>
         </p:nvSpPr>
@@ -7473,7 +7542,7 @@
       </p:grpSpPr>
       <p:sp>
         <p:nvSpPr>
-          <p:cNvPr id="158" name="Slide Number"/>
+          <p:cNvPr id="157" name="Slide Number"/>
           <p:cNvSpPr txBox="1"/>
           <p:nvPr>
             <p:ph type="sldNum" sz="quarter" idx="2"/>
@@ -7504,7 +7573,7 @@
       </p:sp>
       <p:sp>
         <p:nvSpPr>
-          <p:cNvPr id="159" name="Hands-on: Modeling RESTfull APIs using SSM"/>
+          <p:cNvPr id="158" name="Hands-on: Modeling RESTfull APIs using SSM"/>
           <p:cNvSpPr txBox="1"/>
           <p:nvPr/>
         </p:nvSpPr>
@@ -7540,7 +7609,7 @@
       </p:sp>
       <p:grpSp>
         <p:nvGrpSpPr>
-          <p:cNvPr id="162" name="Image Gallery"/>
+          <p:cNvPr id="161" name="Image Gallery"/>
           <p:cNvGrpSpPr/>
           <p:nvPr/>
         </p:nvGrpSpPr>
@@ -7554,7 +7623,7 @@
         </p:grpSpPr>
         <p:pic>
           <p:nvPicPr>
-            <p:cNvPr id="160" name="Create Contact Diagram.png" descr="Create Contact Diagram.png"/>
+            <p:cNvPr id="159" name="Create Contact Diagram.png" descr="Create Contact Diagram.png"/>
             <p:cNvPicPr>
               <a:picLocks noChangeAspect="1"/>
             </p:cNvPicPr>
@@ -7586,7 +7655,7 @@
         </p:pic>
         <p:sp>
           <p:nvSpPr>
-            <p:cNvPr id="161" name="Create Contact"/>
+            <p:cNvPr id="160" name="Create Contact"/>
             <p:cNvSpPr/>
             <p:nvPr/>
           </p:nvSpPr>
@@ -7630,7 +7699,7 @@
       </p:grpSp>
       <p:pic>
         <p:nvPicPr>
-          <p:cNvPr id="163" name="Image" descr="Image"/>
+          <p:cNvPr id="162" name="Image" descr="Image"/>
           <p:cNvPicPr>
             <a:picLocks noChangeAspect="1"/>
           </p:cNvPicPr>
@@ -7685,7 +7754,7 @@
       </p:grpSpPr>
       <p:sp>
         <p:nvSpPr>
-          <p:cNvPr id="165" name="Slide Number"/>
+          <p:cNvPr id="164" name="Slide Number"/>
           <p:cNvSpPr txBox="1"/>
           <p:nvPr>
             <p:ph type="sldNum" sz="quarter" idx="2"/>
@@ -7716,7 +7785,7 @@
       </p:sp>
       <p:grpSp>
         <p:nvGrpSpPr>
-          <p:cNvPr id="168" name="Image Gallery"/>
+          <p:cNvPr id="167" name="Image Gallery"/>
           <p:cNvGrpSpPr/>
           <p:nvPr/>
         </p:nvGrpSpPr>
@@ -7730,7 +7799,7 @@
         </p:grpSpPr>
         <p:pic>
           <p:nvPicPr>
-            <p:cNvPr id="166" name="Update Contact Diagram.png" descr="Update Contact Diagram.png"/>
+            <p:cNvPr id="165" name="Update Contact Diagram.png" descr="Update Contact Diagram.png"/>
             <p:cNvPicPr>
               <a:picLocks noChangeAspect="1"/>
             </p:cNvPicPr>
@@ -7762,7 +7831,7 @@
         </p:pic>
         <p:sp>
           <p:nvSpPr>
-            <p:cNvPr id="167" name="Update Contact"/>
+            <p:cNvPr id="166" name="Update Contact"/>
             <p:cNvSpPr/>
             <p:nvPr/>
           </p:nvSpPr>
@@ -7806,7 +7875,7 @@
       </p:grpSp>
       <p:pic>
         <p:nvPicPr>
-          <p:cNvPr id="169" name="Image" descr="Image"/>
+          <p:cNvPr id="168" name="Image" descr="Image"/>
           <p:cNvPicPr>
             <a:picLocks noChangeAspect="1"/>
           </p:cNvPicPr>

--- a/presentation/SSM.pptx
+++ b/presentation/SSM.pptx
@@ -3712,8 +3712,8 @@
         </p:nvSpPr>
         <p:spPr>
           <a:xfrm>
-            <a:off x="853184" y="1699870"/>
-            <a:ext cx="9380247" cy="6353860"/>
+            <a:off x="853184" y="1884020"/>
+            <a:ext cx="9380247" cy="5985560"/>
           </a:xfrm>
           <a:prstGeom prst="rect">
             <a:avLst/>
@@ -3765,16 +3765,7 @@
               <a:buChar char="‣"/>
             </a:pPr>
             <a:r>
-              <a:t>Spring Framework 5.2.0.RC1</a:t>
-            </a:r>
-          </a:p>
-          <a:p>
-            <a:pPr lvl="1" marL="777875" indent="-333375" algn="l">
-              <a:buSzPct val="145000"/>
-              <a:buChar char="‣"/>
-            </a:pPr>
-            <a:r>
-              <a:t>Zookeeper </a:t>
+              <a:t>Spring Framework 5.2.0.RC1 </a:t>
             </a:r>
           </a:p>
           <a:p>

--- a/presentation/SSM.pptx
+++ b/presentation/SSM.pptx
@@ -1,25 +1,25 @@
 
 <file path=ppt/presentation.xml><?xml version="1.0" encoding="utf-8"?>
-<p:presentation xmlns:a="http://schemas.openxmlformats.org/drawingml/2006/main" xmlns:r="http://schemas.openxmlformats.org/officeDocument/2006/relationships" xmlns:p="http://schemas.openxmlformats.org/presentationml/2006/main" xmlns:m="http://schemas.openxmlformats.org/officeDocument/2006/math" xmlns:a14="http://schemas.microsoft.com/office/drawing/2010/main">
+<p:presentation xmlns:a="http://schemas.openxmlformats.org/drawingml/2006/main" xmlns:r="http://schemas.openxmlformats.org/officeDocument/2006/relationships" xmlns:p="http://schemas.openxmlformats.org/presentationml/2006/main">
   <p:sldMasterIdLst>
-    <p:sldMasterId id="2147483648" r:id="rId5"/>
+    <p:sldMasterId id="2147483648" r:id="rId1"/>
   </p:sldMasterIdLst>
   <p:notesMasterIdLst>
-    <p:notesMasterId r:id="rId7"/>
+    <p:notesMasterId r:id="rId14"/>
   </p:notesMasterIdLst>
   <p:sldIdLst>
-    <p:sldId id="256" r:id="rId8"/>
-    <p:sldId id="257" r:id="rId9"/>
-    <p:sldId id="258" r:id="rId10"/>
-    <p:sldId id="259" r:id="rId11"/>
-    <p:sldId id="260" r:id="rId12"/>
-    <p:sldId id="261" r:id="rId13"/>
-    <p:sldId id="262" r:id="rId14"/>
-    <p:sldId id="263" r:id="rId15"/>
-    <p:sldId id="264" r:id="rId16"/>
-    <p:sldId id="265" r:id="rId17"/>
-    <p:sldId id="266" r:id="rId18"/>
-    <p:sldId id="267" r:id="rId19"/>
+    <p:sldId id="256" r:id="rId2"/>
+    <p:sldId id="257" r:id="rId3"/>
+    <p:sldId id="258" r:id="rId4"/>
+    <p:sldId id="259" r:id="rId5"/>
+    <p:sldId id="260" r:id="rId6"/>
+    <p:sldId id="261" r:id="rId7"/>
+    <p:sldId id="262" r:id="rId8"/>
+    <p:sldId id="263" r:id="rId9"/>
+    <p:sldId id="264" r:id="rId10"/>
+    <p:sldId id="265" r:id="rId11"/>
+    <p:sldId id="266" r:id="rId12"/>
+    <p:sldId id="267" r:id="rId13"/>
   </p:sldIdLst>
   <p:sldSz cx="13004800" cy="9753600"/>
   <p:notesSz cx="6858000" cy="9144000"/>
@@ -39,7 +39,7 @@
       <a:buFontTx/>
       <a:buNone/>
       <a:tabLst/>
-      <a:defRPr b="0" baseline="0" cap="none" i="0" spc="0" strike="noStrike" sz="1800" u="none" kumimoji="0" normalizeH="0">
+      <a:defRPr kumimoji="0" sz="1800" b="0" i="0" u="none" strike="noStrike" cap="none" spc="0" normalizeH="0" baseline="0">
         <a:ln>
           <a:noFill/>
         </a:ln>
@@ -65,7 +65,7 @@
       <a:buFontTx/>
       <a:buNone/>
       <a:tabLst/>
-      <a:defRPr b="1" baseline="0" cap="none" i="0" spc="0" strike="noStrike" sz="2400" u="none" kumimoji="0" normalizeH="0">
+      <a:defRPr kumimoji="0" sz="2400" b="1" i="0" u="none" strike="noStrike" cap="none" spc="0" normalizeH="0" baseline="0">
         <a:ln>
           <a:noFill/>
         </a:ln>
@@ -95,7 +95,7 @@
       <a:buFontTx/>
       <a:buNone/>
       <a:tabLst/>
-      <a:defRPr b="1" baseline="0" cap="none" i="0" spc="0" strike="noStrike" sz="2400" u="none" kumimoji="0" normalizeH="0">
+      <a:defRPr kumimoji="0" sz="2400" b="1" i="0" u="none" strike="noStrike" cap="none" spc="0" normalizeH="0" baseline="0">
         <a:ln>
           <a:noFill/>
         </a:ln>
@@ -125,7 +125,7 @@
       <a:buFontTx/>
       <a:buNone/>
       <a:tabLst/>
-      <a:defRPr b="1" baseline="0" cap="none" i="0" spc="0" strike="noStrike" sz="2400" u="none" kumimoji="0" normalizeH="0">
+      <a:defRPr kumimoji="0" sz="2400" b="1" i="0" u="none" strike="noStrike" cap="none" spc="0" normalizeH="0" baseline="0">
         <a:ln>
           <a:noFill/>
         </a:ln>
@@ -155,7 +155,7 @@
       <a:buFontTx/>
       <a:buNone/>
       <a:tabLst/>
-      <a:defRPr b="1" baseline="0" cap="none" i="0" spc="0" strike="noStrike" sz="2400" u="none" kumimoji="0" normalizeH="0">
+      <a:defRPr kumimoji="0" sz="2400" b="1" i="0" u="none" strike="noStrike" cap="none" spc="0" normalizeH="0" baseline="0">
         <a:ln>
           <a:noFill/>
         </a:ln>
@@ -185,7 +185,7 @@
       <a:buFontTx/>
       <a:buNone/>
       <a:tabLst/>
-      <a:defRPr b="1" baseline="0" cap="none" i="0" spc="0" strike="noStrike" sz="2400" u="none" kumimoji="0" normalizeH="0">
+      <a:defRPr kumimoji="0" sz="2400" b="1" i="0" u="none" strike="noStrike" cap="none" spc="0" normalizeH="0" baseline="0">
         <a:ln>
           <a:noFill/>
         </a:ln>
@@ -215,7 +215,7 @@
       <a:buFontTx/>
       <a:buNone/>
       <a:tabLst/>
-      <a:defRPr b="1" baseline="0" cap="none" i="0" spc="0" strike="noStrike" sz="2400" u="none" kumimoji="0" normalizeH="0">
+      <a:defRPr kumimoji="0" sz="2400" b="1" i="0" u="none" strike="noStrike" cap="none" spc="0" normalizeH="0" baseline="0">
         <a:ln>
           <a:noFill/>
         </a:ln>
@@ -245,7 +245,7 @@
       <a:buFontTx/>
       <a:buNone/>
       <a:tabLst/>
-      <a:defRPr b="1" baseline="0" cap="none" i="0" spc="0" strike="noStrike" sz="2400" u="none" kumimoji="0" normalizeH="0">
+      <a:defRPr kumimoji="0" sz="2400" b="1" i="0" u="none" strike="noStrike" cap="none" spc="0" normalizeH="0" baseline="0">
         <a:ln>
           <a:noFill/>
         </a:ln>
@@ -275,7 +275,7 @@
       <a:buFontTx/>
       <a:buNone/>
       <a:tabLst/>
-      <a:defRPr b="1" baseline="0" cap="none" i="0" spc="0" strike="noStrike" sz="2400" u="none" kumimoji="0" normalizeH="0">
+      <a:defRPr kumimoji="0" sz="2400" b="1" i="0" u="none" strike="noStrike" cap="none" spc="0" normalizeH="0" baseline="0">
         <a:ln>
           <a:noFill/>
         </a:ln>
@@ -305,7 +305,7 @@
       <a:buFontTx/>
       <a:buNone/>
       <a:tabLst/>
-      <a:defRPr b="1" baseline="0" cap="none" i="0" spc="0" strike="noStrike" sz="2400" u="none" kumimoji="0" normalizeH="0">
+      <a:defRPr kumimoji="0" sz="2400" b="1" i="0" u="none" strike="noStrike" cap="none" spc="0" normalizeH="0" baseline="0">
         <a:ln>
           <a:noFill/>
         </a:ln>
@@ -324,13 +324,14 @@
 </p:presentation>
 </file>
 
-<file path=ppt/commentAuthors.xml><?xml version="1.0" encoding="utf-8"?>
-<p:cmAuthorLst xmlns:a="http://schemas.openxmlformats.org/drawingml/2006/main" xmlns:r="http://schemas.openxmlformats.org/officeDocument/2006/relationships" xmlns:p="http://schemas.openxmlformats.org/presentationml/2006/main" xmlns:m="http://schemas.openxmlformats.org/officeDocument/2006/math" xmlns:a14="http://schemas.microsoft.com/office/drawing/2010/main"/>
-</file>
-
 <file path=ppt/notesMasters/notesMaster1.xml><?xml version="1.0" encoding="utf-8"?>
-<p:notesMaster xmlns:a="http://schemas.openxmlformats.org/drawingml/2006/main" xmlns:r="http://schemas.openxmlformats.org/officeDocument/2006/relationships" xmlns:p="http://schemas.openxmlformats.org/presentationml/2006/main" xmlns:m="http://schemas.openxmlformats.org/officeDocument/2006/math" xmlns:a14="http://schemas.microsoft.com/office/drawing/2010/main">
+<p:notesMaster xmlns:a="http://schemas.openxmlformats.org/drawingml/2006/main" xmlns:r="http://schemas.openxmlformats.org/officeDocument/2006/relationships" xmlns:p="http://schemas.openxmlformats.org/presentationml/2006/main">
   <p:cSld>
+    <p:bg>
+      <p:bgRef idx="1001">
+        <a:schemeClr val="bg1"/>
+      </p:bgRef>
+    </p:bg>
     <p:spTree>
       <p:nvGrpSpPr>
         <p:cNvPr id="1" name=""/>
@@ -348,7 +349,9 @@
       <p:sp>
         <p:nvSpPr>
           <p:cNvPr id="116" name="Shape 116"/>
-          <p:cNvSpPr/>
+          <p:cNvSpPr>
+            <a:spLocks noGrp="1" noRot="1" noChangeAspect="1"/>
+          </p:cNvSpPr>
           <p:nvPr>
             <p:ph type="sldImg"/>
           </p:nvPr>
@@ -366,14 +369,16 @@
           <a:bodyPr/>
           <a:lstStyle/>
           <a:p>
-            <a:pPr/>
+            <a:endParaRPr/>
           </a:p>
         </p:txBody>
       </p:sp>
       <p:sp>
         <p:nvSpPr>
           <p:cNvPr id="117" name="Shape 117"/>
-          <p:cNvSpPr/>
+          <p:cNvSpPr>
+            <a:spLocks noGrp="1"/>
+          </p:cNvSpPr>
           <p:nvPr>
             <p:ph type="body" sz="quarter" idx="1"/>
           </p:nvPr>
@@ -391,11 +396,16 @@
           <a:bodyPr/>
           <a:lstStyle/>
           <a:p>
-            <a:pPr/>
+            <a:endParaRPr/>
           </a:p>
         </p:txBody>
       </p:sp>
     </p:spTree>
+    <p:extLst>
+      <p:ext uri="{BB962C8B-B14F-4D97-AF65-F5344CB8AC3E}">
+        <p14:creationId xmlns:p14="http://schemas.microsoft.com/office/powerpoint/2010/main" val="4035419587"/>
+      </p:ext>
+    </p:extLst>
   </p:cSld>
   <p:clrMap bg1="lt1" tx1="dk1" bg2="lt2" tx2="dk2" accent1="accent1" accent2="accent2" accent3="accent3" accent4="accent4" accent5="accent5" accent6="accent6" hlink="hlink" folHlink="folHlink"/>
   <p:notesStyle>
@@ -503,7 +513,7 @@
 </file>
 
 <file path=ppt/slideLayouts/slideLayout1.xml><?xml version="1.0" encoding="utf-8"?>
-<p:sldLayout xmlns:a="http://schemas.openxmlformats.org/drawingml/2006/main" xmlns:r="http://schemas.openxmlformats.org/officeDocument/2006/relationships" xmlns:p="http://schemas.openxmlformats.org/presentationml/2006/main" xmlns:m="http://schemas.openxmlformats.org/officeDocument/2006/math" xmlns:a14="http://schemas.microsoft.com/office/drawing/2010/main" type="title" showMasterSp="1" showMasterPhAnim="1">
+<p:sldLayout xmlns:a="http://schemas.openxmlformats.org/drawingml/2006/main" xmlns:r="http://schemas.openxmlformats.org/officeDocument/2006/relationships" xmlns:p="http://schemas.openxmlformats.org/presentationml/2006/main" type="title">
   <p:cSld name="Title &amp; Subtitle">
     <p:spTree>
       <p:nvGrpSpPr>
@@ -522,7 +532,9 @@
       <p:sp>
         <p:nvSpPr>
           <p:cNvPr id="11" name="Title Text"/>
-          <p:cNvSpPr txBox="1"/>
+          <p:cNvSpPr txBox="1">
+            <a:spLocks noGrp="1"/>
+          </p:cNvSpPr>
           <p:nvPr>
             <p:ph type="title"/>
           </p:nvPr>
@@ -540,7 +552,6 @@
           <a:bodyPr anchor="b"/>
           <a:lstStyle/>
           <a:p>
-            <a:pPr/>
             <a:r>
               <a:t>Title Text</a:t>
             </a:r>
@@ -550,7 +561,9 @@
       <p:sp>
         <p:nvSpPr>
           <p:cNvPr id="12" name="Body Level One…"/>
-          <p:cNvSpPr txBox="1"/>
+          <p:cNvSpPr txBox="1">
+            <a:spLocks noGrp="1"/>
+          </p:cNvSpPr>
           <p:nvPr>
             <p:ph type="body" sz="quarter" idx="1"/>
           </p:nvPr>
@@ -609,7 +622,6 @@
             </a:lvl5pPr>
           </a:lstStyle>
           <a:p>
-            <a:pPr/>
             <a:r>
               <a:t>Body Level One</a:t>
             </a:r>
@@ -643,7 +655,9 @@
       <p:sp>
         <p:nvSpPr>
           <p:cNvPr id="13" name="Slide Number"/>
-          <p:cNvSpPr txBox="1"/>
+          <p:cNvSpPr txBox="1">
+            <a:spLocks noGrp="1"/>
+          </p:cNvSpPr>
           <p:nvPr>
             <p:ph type="sldNum" sz="quarter" idx="2"/>
           </p:nvPr>
@@ -666,8 +680,10 @@
             </a:lvl1pPr>
           </a:lstStyle>
           <a:p>
-            <a:pPr/>
-            <a:fld id="{86CB4B4D-7CA3-9044-876B-883B54F8677D}" type="slidenum"/>
+            <a:fld id="{86CB4B4D-7CA3-9044-876B-883B54F8677D}" type="slidenum">
+              <a:t>‹#›</a:t>
+            </a:fld>
+            <a:endParaRPr/>
           </a:p>
         </p:txBody>
       </p:sp>
@@ -676,12 +692,12 @@
   <p:clrMapOvr>
     <a:masterClrMapping/>
   </p:clrMapOvr>
-  <p:transition xmlns:p14="http://schemas.microsoft.com/office/powerpoint/2010/main" spd="med" advClick="1"/>
+  <p:transition spd="med"/>
 </p:sldLayout>
 </file>
 
 <file path=ppt/slideLayouts/slideLayout10.xml><?xml version="1.0" encoding="utf-8"?>
-<p:sldLayout xmlns:a="http://schemas.openxmlformats.org/drawingml/2006/main" xmlns:r="http://schemas.openxmlformats.org/officeDocument/2006/relationships" xmlns:p="http://schemas.openxmlformats.org/presentationml/2006/main" xmlns:m="http://schemas.openxmlformats.org/officeDocument/2006/math" xmlns:a14="http://schemas.microsoft.com/office/drawing/2010/main" type="tx" showMasterSp="1" showMasterPhAnim="1">
+<p:sldLayout xmlns:a="http://schemas.openxmlformats.org/drawingml/2006/main" xmlns:r="http://schemas.openxmlformats.org/officeDocument/2006/relationships" xmlns:p="http://schemas.openxmlformats.org/presentationml/2006/main" type="tx">
   <p:cSld name="Quote">
     <p:spTree>
       <p:nvGrpSpPr>
@@ -700,7 +716,9 @@
       <p:sp>
         <p:nvSpPr>
           <p:cNvPr id="93" name="–Johnny Appleseed"/>
-          <p:cNvSpPr txBox="1"/>
+          <p:cNvSpPr txBox="1">
+            <a:spLocks noGrp="1"/>
+          </p:cNvSpPr>
           <p:nvPr>
             <p:ph type="body" sz="quarter" idx="13"/>
           </p:nvPr>
@@ -725,11 +743,10 @@
               </a:spcBef>
               <a:buSzTx/>
               <a:buNone/>
-              <a:defRPr i="1" sz="2400"/>
+              <a:defRPr sz="2400" i="1"/>
             </a:lvl1pPr>
           </a:lstStyle>
           <a:p>
-            <a:pPr/>
             <a:r>
               <a:t>–Johnny Appleseed</a:t>
             </a:r>
@@ -739,7 +756,9 @@
       <p:sp>
         <p:nvSpPr>
           <p:cNvPr id="94" name="“Type a quote here.”"/>
-          <p:cNvSpPr txBox="1"/>
+          <p:cNvSpPr txBox="1">
+            <a:spLocks noGrp="1"/>
+          </p:cNvSpPr>
           <p:nvPr>
             <p:ph type="body" sz="quarter" idx="14"/>
           </p:nvPr>
@@ -773,7 +792,6 @@
             </a:lvl1pPr>
           </a:lstStyle>
           <a:p>
-            <a:pPr/>
             <a:r>
               <a:t>“Type a quote here.” </a:t>
             </a:r>
@@ -783,7 +801,9 @@
       <p:sp>
         <p:nvSpPr>
           <p:cNvPr id="95" name="Slide Number"/>
-          <p:cNvSpPr txBox="1"/>
+          <p:cNvSpPr txBox="1">
+            <a:spLocks noGrp="1"/>
+          </p:cNvSpPr>
           <p:nvPr>
             <p:ph type="sldNum" sz="quarter" idx="2"/>
           </p:nvPr>
@@ -797,8 +817,10 @@
           <a:bodyPr/>
           <a:lstStyle/>
           <a:p>
-            <a:pPr/>
-            <a:fld id="{86CB4B4D-7CA3-9044-876B-883B54F8677D}" type="slidenum"/>
+            <a:fld id="{86CB4B4D-7CA3-9044-876B-883B54F8677D}" type="slidenum">
+              <a:t>‹#›</a:t>
+            </a:fld>
+            <a:endParaRPr/>
           </a:p>
         </p:txBody>
       </p:sp>
@@ -807,12 +829,12 @@
   <p:clrMapOvr>
     <a:masterClrMapping/>
   </p:clrMapOvr>
-  <p:transition xmlns:p14="http://schemas.microsoft.com/office/powerpoint/2010/main" spd="med" advClick="1"/>
+  <p:transition spd="med"/>
 </p:sldLayout>
 </file>
 
 <file path=ppt/slideLayouts/slideLayout11.xml><?xml version="1.0" encoding="utf-8"?>
-<p:sldLayout xmlns:a="http://schemas.openxmlformats.org/drawingml/2006/main" xmlns:r="http://schemas.openxmlformats.org/officeDocument/2006/relationships" xmlns:p="http://schemas.openxmlformats.org/presentationml/2006/main" xmlns:m="http://schemas.openxmlformats.org/officeDocument/2006/math" xmlns:a14="http://schemas.microsoft.com/office/drawing/2010/main" type="tx" showMasterSp="1" showMasterPhAnim="1">
+<p:sldLayout xmlns:a="http://schemas.openxmlformats.org/drawingml/2006/main" xmlns:r="http://schemas.openxmlformats.org/officeDocument/2006/relationships" xmlns:p="http://schemas.openxmlformats.org/presentationml/2006/main" type="tx">
   <p:cSld name="Photo">
     <p:spTree>
       <p:nvGrpSpPr>
@@ -831,7 +853,9 @@
       <p:sp>
         <p:nvSpPr>
           <p:cNvPr id="102" name="Image"/>
-          <p:cNvSpPr/>
+          <p:cNvSpPr>
+            <a:spLocks noGrp="1"/>
+          </p:cNvSpPr>
           <p:nvPr>
             <p:ph type="pic" idx="13"/>
           </p:nvPr>
@@ -851,14 +875,16 @@
           </a:bodyPr>
           <a:lstStyle/>
           <a:p>
-            <a:pPr/>
+            <a:endParaRPr/>
           </a:p>
         </p:txBody>
       </p:sp>
       <p:sp>
         <p:nvSpPr>
           <p:cNvPr id="103" name="Slide Number"/>
-          <p:cNvSpPr txBox="1"/>
+          <p:cNvSpPr txBox="1">
+            <a:spLocks noGrp="1"/>
+          </p:cNvSpPr>
           <p:nvPr>
             <p:ph type="sldNum" sz="quarter" idx="2"/>
           </p:nvPr>
@@ -872,8 +898,10 @@
           <a:bodyPr/>
           <a:lstStyle/>
           <a:p>
-            <a:pPr/>
-            <a:fld id="{86CB4B4D-7CA3-9044-876B-883B54F8677D}" type="slidenum"/>
+            <a:fld id="{86CB4B4D-7CA3-9044-876B-883B54F8677D}" type="slidenum">
+              <a:t>‹#›</a:t>
+            </a:fld>
+            <a:endParaRPr/>
           </a:p>
         </p:txBody>
       </p:sp>
@@ -882,12 +910,12 @@
   <p:clrMapOvr>
     <a:masterClrMapping/>
   </p:clrMapOvr>
-  <p:transition xmlns:p14="http://schemas.microsoft.com/office/powerpoint/2010/main" spd="med" advClick="1"/>
+  <p:transition spd="med"/>
 </p:sldLayout>
 </file>
 
 <file path=ppt/slideLayouts/slideLayout12.xml><?xml version="1.0" encoding="utf-8"?>
-<p:sldLayout xmlns:a="http://schemas.openxmlformats.org/drawingml/2006/main" xmlns:r="http://schemas.openxmlformats.org/officeDocument/2006/relationships" xmlns:p="http://schemas.openxmlformats.org/presentationml/2006/main" xmlns:m="http://schemas.openxmlformats.org/officeDocument/2006/math" xmlns:a14="http://schemas.microsoft.com/office/drawing/2010/main" type="tx" showMasterSp="1" showMasterPhAnim="1">
+<p:sldLayout xmlns:a="http://schemas.openxmlformats.org/drawingml/2006/main" xmlns:r="http://schemas.openxmlformats.org/officeDocument/2006/relationships" xmlns:p="http://schemas.openxmlformats.org/presentationml/2006/main" type="tx">
   <p:cSld name="Blank">
     <p:spTree>
       <p:nvGrpSpPr>
@@ -906,7 +934,9 @@
       <p:sp>
         <p:nvSpPr>
           <p:cNvPr id="110" name="Slide Number"/>
-          <p:cNvSpPr txBox="1"/>
+          <p:cNvSpPr txBox="1">
+            <a:spLocks noGrp="1"/>
+          </p:cNvSpPr>
           <p:nvPr>
             <p:ph type="sldNum" sz="quarter" idx="2"/>
           </p:nvPr>
@@ -920,8 +950,10 @@
           <a:bodyPr/>
           <a:lstStyle/>
           <a:p>
-            <a:pPr/>
-            <a:fld id="{86CB4B4D-7CA3-9044-876B-883B54F8677D}" type="slidenum"/>
+            <a:fld id="{86CB4B4D-7CA3-9044-876B-883B54F8677D}" type="slidenum">
+              <a:t>‹#›</a:t>
+            </a:fld>
+            <a:endParaRPr/>
           </a:p>
         </p:txBody>
       </p:sp>
@@ -930,12 +962,12 @@
   <p:clrMapOvr>
     <a:masterClrMapping/>
   </p:clrMapOvr>
-  <p:transition xmlns:p14="http://schemas.microsoft.com/office/powerpoint/2010/main" spd="med" advClick="1"/>
+  <p:transition spd="med"/>
 </p:sldLayout>
 </file>
 
 <file path=ppt/slideLayouts/slideLayout2.xml><?xml version="1.0" encoding="utf-8"?>
-<p:sldLayout xmlns:a="http://schemas.openxmlformats.org/drawingml/2006/main" xmlns:r="http://schemas.openxmlformats.org/officeDocument/2006/relationships" xmlns:p="http://schemas.openxmlformats.org/presentationml/2006/main" xmlns:m="http://schemas.openxmlformats.org/officeDocument/2006/math" xmlns:a14="http://schemas.microsoft.com/office/drawing/2010/main" type="tx" showMasterSp="1" showMasterPhAnim="1">
+<p:sldLayout xmlns:a="http://schemas.openxmlformats.org/drawingml/2006/main" xmlns:r="http://schemas.openxmlformats.org/officeDocument/2006/relationships" xmlns:p="http://schemas.openxmlformats.org/presentationml/2006/main" type="tx">
   <p:cSld name="Photo - Horizontal">
     <p:spTree>
       <p:nvGrpSpPr>
@@ -954,7 +986,9 @@
       <p:sp>
         <p:nvSpPr>
           <p:cNvPr id="20" name="Image"/>
-          <p:cNvSpPr/>
+          <p:cNvSpPr>
+            <a:spLocks noGrp="1"/>
+          </p:cNvSpPr>
           <p:nvPr>
             <p:ph type="pic" idx="13"/>
           </p:nvPr>
@@ -974,14 +1008,16 @@
           </a:bodyPr>
           <a:lstStyle/>
           <a:p>
-            <a:pPr/>
+            <a:endParaRPr/>
           </a:p>
         </p:txBody>
       </p:sp>
       <p:sp>
         <p:nvSpPr>
           <p:cNvPr id="21" name="Title Text"/>
-          <p:cNvSpPr txBox="1"/>
+          <p:cNvSpPr txBox="1">
+            <a:spLocks noGrp="1"/>
+          </p:cNvSpPr>
           <p:nvPr>
             <p:ph type="title"/>
           </p:nvPr>
@@ -999,7 +1035,6 @@
           <a:bodyPr anchor="b"/>
           <a:lstStyle/>
           <a:p>
-            <a:pPr/>
             <a:r>
               <a:t>Title Text</a:t>
             </a:r>
@@ -1009,7 +1044,9 @@
       <p:sp>
         <p:nvSpPr>
           <p:cNvPr id="22" name="Body Level One…"/>
-          <p:cNvSpPr txBox="1"/>
+          <p:cNvSpPr txBox="1">
+            <a:spLocks noGrp="1"/>
+          </p:cNvSpPr>
           <p:nvPr>
             <p:ph type="body" sz="quarter" idx="1"/>
           </p:nvPr>
@@ -1068,7 +1105,6 @@
             </a:lvl5pPr>
           </a:lstStyle>
           <a:p>
-            <a:pPr/>
             <a:r>
               <a:t>Body Level One</a:t>
             </a:r>
@@ -1102,7 +1138,9 @@
       <p:sp>
         <p:nvSpPr>
           <p:cNvPr id="23" name="Slide Number"/>
-          <p:cNvSpPr txBox="1"/>
+          <p:cNvSpPr txBox="1">
+            <a:spLocks noGrp="1"/>
+          </p:cNvSpPr>
           <p:nvPr>
             <p:ph type="sldNum" sz="quarter" idx="2"/>
           </p:nvPr>
@@ -1116,8 +1154,10 @@
           <a:bodyPr/>
           <a:lstStyle/>
           <a:p>
-            <a:pPr/>
-            <a:fld id="{86CB4B4D-7CA3-9044-876B-883B54F8677D}" type="slidenum"/>
+            <a:fld id="{86CB4B4D-7CA3-9044-876B-883B54F8677D}" type="slidenum">
+              <a:t>‹#›</a:t>
+            </a:fld>
+            <a:endParaRPr/>
           </a:p>
         </p:txBody>
       </p:sp>
@@ -1126,12 +1166,12 @@
   <p:clrMapOvr>
     <a:masterClrMapping/>
   </p:clrMapOvr>
-  <p:transition xmlns:p14="http://schemas.microsoft.com/office/powerpoint/2010/main" spd="med" advClick="1"/>
+  <p:transition spd="med"/>
 </p:sldLayout>
 </file>
 
 <file path=ppt/slideLayouts/slideLayout3.xml><?xml version="1.0" encoding="utf-8"?>
-<p:sldLayout xmlns:a="http://schemas.openxmlformats.org/drawingml/2006/main" xmlns:r="http://schemas.openxmlformats.org/officeDocument/2006/relationships" xmlns:p="http://schemas.openxmlformats.org/presentationml/2006/main" xmlns:m="http://schemas.openxmlformats.org/officeDocument/2006/math" xmlns:a14="http://schemas.microsoft.com/office/drawing/2010/main" type="tx" showMasterSp="1" showMasterPhAnim="1">
+<p:sldLayout xmlns:a="http://schemas.openxmlformats.org/drawingml/2006/main" xmlns:r="http://schemas.openxmlformats.org/officeDocument/2006/relationships" xmlns:p="http://schemas.openxmlformats.org/presentationml/2006/main" type="tx">
   <p:cSld name="Title - Center">
     <p:spTree>
       <p:nvGrpSpPr>
@@ -1150,7 +1190,9 @@
       <p:sp>
         <p:nvSpPr>
           <p:cNvPr id="30" name="Title Text"/>
-          <p:cNvSpPr txBox="1"/>
+          <p:cNvSpPr txBox="1">
+            <a:spLocks noGrp="1"/>
+          </p:cNvSpPr>
           <p:nvPr>
             <p:ph type="title"/>
           </p:nvPr>
@@ -1168,7 +1210,6 @@
           <a:bodyPr/>
           <a:lstStyle/>
           <a:p>
-            <a:pPr/>
             <a:r>
               <a:t>Title Text</a:t>
             </a:r>
@@ -1178,7 +1219,9 @@
       <p:sp>
         <p:nvSpPr>
           <p:cNvPr id="31" name="Slide Number"/>
-          <p:cNvSpPr txBox="1"/>
+          <p:cNvSpPr txBox="1">
+            <a:spLocks noGrp="1"/>
+          </p:cNvSpPr>
           <p:nvPr>
             <p:ph type="sldNum" sz="quarter" idx="2"/>
           </p:nvPr>
@@ -1192,8 +1235,10 @@
           <a:bodyPr/>
           <a:lstStyle/>
           <a:p>
-            <a:pPr/>
-            <a:fld id="{86CB4B4D-7CA3-9044-876B-883B54F8677D}" type="slidenum"/>
+            <a:fld id="{86CB4B4D-7CA3-9044-876B-883B54F8677D}" type="slidenum">
+              <a:t>‹#›</a:t>
+            </a:fld>
+            <a:endParaRPr/>
           </a:p>
         </p:txBody>
       </p:sp>
@@ -1202,12 +1247,12 @@
   <p:clrMapOvr>
     <a:masterClrMapping/>
   </p:clrMapOvr>
-  <p:transition xmlns:p14="http://schemas.microsoft.com/office/powerpoint/2010/main" spd="med" advClick="1"/>
+  <p:transition spd="med"/>
 </p:sldLayout>
 </file>
 
 <file path=ppt/slideLayouts/slideLayout4.xml><?xml version="1.0" encoding="utf-8"?>
-<p:sldLayout xmlns:a="http://schemas.openxmlformats.org/drawingml/2006/main" xmlns:r="http://schemas.openxmlformats.org/officeDocument/2006/relationships" xmlns:p="http://schemas.openxmlformats.org/presentationml/2006/main" xmlns:m="http://schemas.openxmlformats.org/officeDocument/2006/math" xmlns:a14="http://schemas.microsoft.com/office/drawing/2010/main" type="tx" showMasterSp="1" showMasterPhAnim="1">
+<p:sldLayout xmlns:a="http://schemas.openxmlformats.org/drawingml/2006/main" xmlns:r="http://schemas.openxmlformats.org/officeDocument/2006/relationships" xmlns:p="http://schemas.openxmlformats.org/presentationml/2006/main" type="tx">
   <p:cSld name="Photo - Vertical">
     <p:spTree>
       <p:nvGrpSpPr>
@@ -1226,7 +1271,9 @@
       <p:sp>
         <p:nvSpPr>
           <p:cNvPr id="38" name="Image"/>
-          <p:cNvSpPr/>
+          <p:cNvSpPr>
+            <a:spLocks noGrp="1"/>
+          </p:cNvSpPr>
           <p:nvPr>
             <p:ph type="pic" idx="13"/>
           </p:nvPr>
@@ -1246,14 +1293,16 @@
           </a:bodyPr>
           <a:lstStyle/>
           <a:p>
-            <a:pPr/>
+            <a:endParaRPr/>
           </a:p>
         </p:txBody>
       </p:sp>
       <p:sp>
         <p:nvSpPr>
           <p:cNvPr id="39" name="Title Text"/>
-          <p:cNvSpPr txBox="1"/>
+          <p:cNvSpPr txBox="1">
+            <a:spLocks noGrp="1"/>
+          </p:cNvSpPr>
           <p:nvPr>
             <p:ph type="title"/>
           </p:nvPr>
@@ -1275,7 +1324,6 @@
             </a:lvl1pPr>
           </a:lstStyle>
           <a:p>
-            <a:pPr/>
             <a:r>
               <a:t>Title Text</a:t>
             </a:r>
@@ -1285,7 +1333,9 @@
       <p:sp>
         <p:nvSpPr>
           <p:cNvPr id="40" name="Body Level One…"/>
-          <p:cNvSpPr txBox="1"/>
+          <p:cNvSpPr txBox="1">
+            <a:spLocks noGrp="1"/>
+          </p:cNvSpPr>
           <p:nvPr>
             <p:ph type="body" sz="quarter" idx="1"/>
           </p:nvPr>
@@ -1344,7 +1394,6 @@
             </a:lvl5pPr>
           </a:lstStyle>
           <a:p>
-            <a:pPr/>
             <a:r>
               <a:t>Body Level One</a:t>
             </a:r>
@@ -1378,7 +1427,9 @@
       <p:sp>
         <p:nvSpPr>
           <p:cNvPr id="41" name="Slide Number"/>
-          <p:cNvSpPr txBox="1"/>
+          <p:cNvSpPr txBox="1">
+            <a:spLocks noGrp="1"/>
+          </p:cNvSpPr>
           <p:nvPr>
             <p:ph type="sldNum" sz="quarter" idx="2"/>
           </p:nvPr>
@@ -1392,8 +1443,10 @@
           <a:bodyPr/>
           <a:lstStyle/>
           <a:p>
-            <a:pPr/>
-            <a:fld id="{86CB4B4D-7CA3-9044-876B-883B54F8677D}" type="slidenum"/>
+            <a:fld id="{86CB4B4D-7CA3-9044-876B-883B54F8677D}" type="slidenum">
+              <a:t>‹#›</a:t>
+            </a:fld>
+            <a:endParaRPr/>
           </a:p>
         </p:txBody>
       </p:sp>
@@ -1402,12 +1455,12 @@
   <p:clrMapOvr>
     <a:masterClrMapping/>
   </p:clrMapOvr>
-  <p:transition xmlns:p14="http://schemas.microsoft.com/office/powerpoint/2010/main" spd="med" advClick="1"/>
+  <p:transition spd="med"/>
 </p:sldLayout>
 </file>
 
 <file path=ppt/slideLayouts/slideLayout5.xml><?xml version="1.0" encoding="utf-8"?>
-<p:sldLayout xmlns:a="http://schemas.openxmlformats.org/drawingml/2006/main" xmlns:r="http://schemas.openxmlformats.org/officeDocument/2006/relationships" xmlns:p="http://schemas.openxmlformats.org/presentationml/2006/main" xmlns:m="http://schemas.openxmlformats.org/officeDocument/2006/math" xmlns:a14="http://schemas.microsoft.com/office/drawing/2010/main" type="tx" showMasterSp="1" showMasterPhAnim="1">
+<p:sldLayout xmlns:a="http://schemas.openxmlformats.org/drawingml/2006/main" xmlns:r="http://schemas.openxmlformats.org/officeDocument/2006/relationships" xmlns:p="http://schemas.openxmlformats.org/presentationml/2006/main" type="tx">
   <p:cSld name="Title - Top">
     <p:spTree>
       <p:nvGrpSpPr>
@@ -1426,7 +1479,9 @@
       <p:sp>
         <p:nvSpPr>
           <p:cNvPr id="48" name="Title Text"/>
-          <p:cNvSpPr txBox="1"/>
+          <p:cNvSpPr txBox="1">
+            <a:spLocks noGrp="1"/>
+          </p:cNvSpPr>
           <p:nvPr>
             <p:ph type="title"/>
           </p:nvPr>
@@ -1440,7 +1495,6 @@
           <a:bodyPr/>
           <a:lstStyle/>
           <a:p>
-            <a:pPr/>
             <a:r>
               <a:t>Title Text</a:t>
             </a:r>
@@ -1450,7 +1504,9 @@
       <p:sp>
         <p:nvSpPr>
           <p:cNvPr id="49" name="Slide Number"/>
-          <p:cNvSpPr txBox="1"/>
+          <p:cNvSpPr txBox="1">
+            <a:spLocks noGrp="1"/>
+          </p:cNvSpPr>
           <p:nvPr>
             <p:ph type="sldNum" sz="quarter" idx="2"/>
           </p:nvPr>
@@ -1464,8 +1520,10 @@
           <a:bodyPr/>
           <a:lstStyle/>
           <a:p>
-            <a:pPr/>
-            <a:fld id="{86CB4B4D-7CA3-9044-876B-883B54F8677D}" type="slidenum"/>
+            <a:fld id="{86CB4B4D-7CA3-9044-876B-883B54F8677D}" type="slidenum">
+              <a:t>‹#›</a:t>
+            </a:fld>
+            <a:endParaRPr/>
           </a:p>
         </p:txBody>
       </p:sp>
@@ -1474,12 +1532,12 @@
   <p:clrMapOvr>
     <a:masterClrMapping/>
   </p:clrMapOvr>
-  <p:transition xmlns:p14="http://schemas.microsoft.com/office/powerpoint/2010/main" spd="med" advClick="1"/>
+  <p:transition spd="med"/>
 </p:sldLayout>
 </file>
 
 <file path=ppt/slideLayouts/slideLayout6.xml><?xml version="1.0" encoding="utf-8"?>
-<p:sldLayout xmlns:a="http://schemas.openxmlformats.org/drawingml/2006/main" xmlns:r="http://schemas.openxmlformats.org/officeDocument/2006/relationships" xmlns:p="http://schemas.openxmlformats.org/presentationml/2006/main" xmlns:m="http://schemas.openxmlformats.org/officeDocument/2006/math" xmlns:a14="http://schemas.microsoft.com/office/drawing/2010/main" type="tx" showMasterSp="1" showMasterPhAnim="1">
+<p:sldLayout xmlns:a="http://schemas.openxmlformats.org/drawingml/2006/main" xmlns:r="http://schemas.openxmlformats.org/officeDocument/2006/relationships" xmlns:p="http://schemas.openxmlformats.org/presentationml/2006/main" type="tx">
   <p:cSld name="Title &amp; Bullets">
     <p:spTree>
       <p:nvGrpSpPr>
@@ -1498,7 +1556,9 @@
       <p:sp>
         <p:nvSpPr>
           <p:cNvPr id="56" name="Title Text"/>
-          <p:cNvSpPr txBox="1"/>
+          <p:cNvSpPr txBox="1">
+            <a:spLocks noGrp="1"/>
+          </p:cNvSpPr>
           <p:nvPr>
             <p:ph type="title"/>
           </p:nvPr>
@@ -1512,7 +1572,6 @@
           <a:bodyPr/>
           <a:lstStyle/>
           <a:p>
-            <a:pPr/>
             <a:r>
               <a:t>Title Text</a:t>
             </a:r>
@@ -1522,7 +1581,9 @@
       <p:sp>
         <p:nvSpPr>
           <p:cNvPr id="57" name="Body Level One…"/>
-          <p:cNvSpPr txBox="1"/>
+          <p:cNvSpPr txBox="1">
+            <a:spLocks noGrp="1"/>
+          </p:cNvSpPr>
           <p:nvPr>
             <p:ph type="body" idx="1"/>
           </p:nvPr>
@@ -1536,7 +1597,6 @@
           <a:bodyPr/>
           <a:lstStyle/>
           <a:p>
-            <a:pPr/>
             <a:r>
               <a:t>Body Level One</a:t>
             </a:r>
@@ -1570,7 +1630,9 @@
       <p:sp>
         <p:nvSpPr>
           <p:cNvPr id="58" name="Slide Number"/>
-          <p:cNvSpPr txBox="1"/>
+          <p:cNvSpPr txBox="1">
+            <a:spLocks noGrp="1"/>
+          </p:cNvSpPr>
           <p:nvPr>
             <p:ph type="sldNum" sz="quarter" idx="2"/>
           </p:nvPr>
@@ -1584,8 +1646,10 @@
           <a:bodyPr/>
           <a:lstStyle/>
           <a:p>
-            <a:pPr/>
-            <a:fld id="{86CB4B4D-7CA3-9044-876B-883B54F8677D}" type="slidenum"/>
+            <a:fld id="{86CB4B4D-7CA3-9044-876B-883B54F8677D}" type="slidenum">
+              <a:t>‹#›</a:t>
+            </a:fld>
+            <a:endParaRPr/>
           </a:p>
         </p:txBody>
       </p:sp>
@@ -1594,12 +1658,12 @@
   <p:clrMapOvr>
     <a:masterClrMapping/>
   </p:clrMapOvr>
-  <p:transition xmlns:p14="http://schemas.microsoft.com/office/powerpoint/2010/main" spd="med" advClick="1"/>
+  <p:transition spd="med"/>
 </p:sldLayout>
 </file>
 
 <file path=ppt/slideLayouts/slideLayout7.xml><?xml version="1.0" encoding="utf-8"?>
-<p:sldLayout xmlns:a="http://schemas.openxmlformats.org/drawingml/2006/main" xmlns:r="http://schemas.openxmlformats.org/officeDocument/2006/relationships" xmlns:p="http://schemas.openxmlformats.org/presentationml/2006/main" xmlns:m="http://schemas.openxmlformats.org/officeDocument/2006/math" xmlns:a14="http://schemas.microsoft.com/office/drawing/2010/main" type="tx" showMasterSp="1" showMasterPhAnim="1">
+<p:sldLayout xmlns:a="http://schemas.openxmlformats.org/drawingml/2006/main" xmlns:r="http://schemas.openxmlformats.org/officeDocument/2006/relationships" xmlns:p="http://schemas.openxmlformats.org/presentationml/2006/main" type="tx">
   <p:cSld name="Title, Bullets &amp; Photo">
     <p:spTree>
       <p:nvGrpSpPr>
@@ -1618,7 +1682,9 @@
       <p:sp>
         <p:nvSpPr>
           <p:cNvPr id="65" name="Image"/>
-          <p:cNvSpPr/>
+          <p:cNvSpPr>
+            <a:spLocks noGrp="1"/>
+          </p:cNvSpPr>
           <p:nvPr>
             <p:ph type="pic" idx="13"/>
           </p:nvPr>
@@ -1638,14 +1704,16 @@
           </a:bodyPr>
           <a:lstStyle/>
           <a:p>
-            <a:pPr/>
+            <a:endParaRPr/>
           </a:p>
         </p:txBody>
       </p:sp>
       <p:sp>
         <p:nvSpPr>
           <p:cNvPr id="66" name="Title Text"/>
-          <p:cNvSpPr txBox="1"/>
+          <p:cNvSpPr txBox="1">
+            <a:spLocks noGrp="1"/>
+          </p:cNvSpPr>
           <p:nvPr>
             <p:ph type="title"/>
           </p:nvPr>
@@ -1659,7 +1727,6 @@
           <a:bodyPr/>
           <a:lstStyle/>
           <a:p>
-            <a:pPr/>
             <a:r>
               <a:t>Title Text</a:t>
             </a:r>
@@ -1669,7 +1736,9 @@
       <p:sp>
         <p:nvSpPr>
           <p:cNvPr id="67" name="Body Level One…"/>
-          <p:cNvSpPr txBox="1"/>
+          <p:cNvSpPr txBox="1">
+            <a:spLocks noGrp="1"/>
+          </p:cNvSpPr>
           <p:nvPr>
             <p:ph type="body" sz="half" idx="1"/>
           </p:nvPr>
@@ -1718,7 +1787,6 @@
             </a:lvl5pPr>
           </a:lstStyle>
           <a:p>
-            <a:pPr/>
             <a:r>
               <a:t>Body Level One</a:t>
             </a:r>
@@ -1752,7 +1820,9 @@
       <p:sp>
         <p:nvSpPr>
           <p:cNvPr id="68" name="Slide Number"/>
-          <p:cNvSpPr txBox="1"/>
+          <p:cNvSpPr txBox="1">
+            <a:spLocks noGrp="1"/>
+          </p:cNvSpPr>
           <p:nvPr>
             <p:ph type="sldNum" sz="quarter" idx="2"/>
           </p:nvPr>
@@ -1779,8 +1849,10 @@
             </a:lvl1pPr>
           </a:lstStyle>
           <a:p>
-            <a:pPr/>
-            <a:fld id="{86CB4B4D-7CA3-9044-876B-883B54F8677D}" type="slidenum"/>
+            <a:fld id="{86CB4B4D-7CA3-9044-876B-883B54F8677D}" type="slidenum">
+              <a:t>‹#›</a:t>
+            </a:fld>
+            <a:endParaRPr/>
           </a:p>
         </p:txBody>
       </p:sp>
@@ -1789,12 +1861,12 @@
   <p:clrMapOvr>
     <a:masterClrMapping/>
   </p:clrMapOvr>
-  <p:transition xmlns:p14="http://schemas.microsoft.com/office/powerpoint/2010/main" spd="med" advClick="1"/>
+  <p:transition spd="med"/>
 </p:sldLayout>
 </file>
 
 <file path=ppt/slideLayouts/slideLayout8.xml><?xml version="1.0" encoding="utf-8"?>
-<p:sldLayout xmlns:a="http://schemas.openxmlformats.org/drawingml/2006/main" xmlns:r="http://schemas.openxmlformats.org/officeDocument/2006/relationships" xmlns:p="http://schemas.openxmlformats.org/presentationml/2006/main" xmlns:m="http://schemas.openxmlformats.org/officeDocument/2006/math" xmlns:a14="http://schemas.microsoft.com/office/drawing/2010/main" type="tx" showMasterSp="1" showMasterPhAnim="1">
+<p:sldLayout xmlns:a="http://schemas.openxmlformats.org/drawingml/2006/main" xmlns:r="http://schemas.openxmlformats.org/officeDocument/2006/relationships" xmlns:p="http://schemas.openxmlformats.org/presentationml/2006/main" type="tx">
   <p:cSld name="Bullets">
     <p:spTree>
       <p:nvGrpSpPr>
@@ -1813,7 +1885,9 @@
       <p:sp>
         <p:nvSpPr>
           <p:cNvPr id="75" name="Body Level One…"/>
-          <p:cNvSpPr txBox="1"/>
+          <p:cNvSpPr txBox="1">
+            <a:spLocks noGrp="1"/>
+          </p:cNvSpPr>
           <p:nvPr>
             <p:ph type="body" idx="1"/>
           </p:nvPr>
@@ -1831,7 +1905,6 @@
           <a:bodyPr/>
           <a:lstStyle/>
           <a:p>
-            <a:pPr/>
             <a:r>
               <a:t>Body Level One</a:t>
             </a:r>
@@ -1865,7 +1938,9 @@
       <p:sp>
         <p:nvSpPr>
           <p:cNvPr id="76" name="Slide Number"/>
-          <p:cNvSpPr txBox="1"/>
+          <p:cNvSpPr txBox="1">
+            <a:spLocks noGrp="1"/>
+          </p:cNvSpPr>
           <p:nvPr>
             <p:ph type="sldNum" sz="quarter" idx="2"/>
           </p:nvPr>
@@ -1879,8 +1954,10 @@
           <a:bodyPr/>
           <a:lstStyle/>
           <a:p>
-            <a:pPr/>
-            <a:fld id="{86CB4B4D-7CA3-9044-876B-883B54F8677D}" type="slidenum"/>
+            <a:fld id="{86CB4B4D-7CA3-9044-876B-883B54F8677D}" type="slidenum">
+              <a:t>‹#›</a:t>
+            </a:fld>
+            <a:endParaRPr/>
           </a:p>
         </p:txBody>
       </p:sp>
@@ -1889,12 +1966,12 @@
   <p:clrMapOvr>
     <a:masterClrMapping/>
   </p:clrMapOvr>
-  <p:transition xmlns:p14="http://schemas.microsoft.com/office/powerpoint/2010/main" spd="med" advClick="1"/>
+  <p:transition spd="med"/>
 </p:sldLayout>
 </file>
 
 <file path=ppt/slideLayouts/slideLayout9.xml><?xml version="1.0" encoding="utf-8"?>
-<p:sldLayout xmlns:a="http://schemas.openxmlformats.org/drawingml/2006/main" xmlns:r="http://schemas.openxmlformats.org/officeDocument/2006/relationships" xmlns:p="http://schemas.openxmlformats.org/presentationml/2006/main" xmlns:m="http://schemas.openxmlformats.org/officeDocument/2006/math" xmlns:a14="http://schemas.microsoft.com/office/drawing/2010/main" type="tx" showMasterSp="1" showMasterPhAnim="1">
+<p:sldLayout xmlns:a="http://schemas.openxmlformats.org/drawingml/2006/main" xmlns:r="http://schemas.openxmlformats.org/officeDocument/2006/relationships" xmlns:p="http://schemas.openxmlformats.org/presentationml/2006/main" type="tx">
   <p:cSld name="Photo - 3 Up">
     <p:spTree>
       <p:nvGrpSpPr>
@@ -1913,7 +1990,9 @@
       <p:sp>
         <p:nvSpPr>
           <p:cNvPr id="83" name="Image"/>
-          <p:cNvSpPr/>
+          <p:cNvSpPr>
+            <a:spLocks noGrp="1"/>
+          </p:cNvSpPr>
           <p:nvPr>
             <p:ph type="pic" sz="quarter" idx="13"/>
           </p:nvPr>
@@ -1933,14 +2012,16 @@
           </a:bodyPr>
           <a:lstStyle/>
           <a:p>
-            <a:pPr/>
+            <a:endParaRPr/>
           </a:p>
         </p:txBody>
       </p:sp>
       <p:sp>
         <p:nvSpPr>
           <p:cNvPr id="84" name="Image"/>
-          <p:cNvSpPr/>
+          <p:cNvSpPr>
+            <a:spLocks noGrp="1"/>
+          </p:cNvSpPr>
           <p:nvPr>
             <p:ph type="pic" sz="quarter" idx="14"/>
           </p:nvPr>
@@ -1960,14 +2041,16 @@
           </a:bodyPr>
           <a:lstStyle/>
           <a:p>
-            <a:pPr/>
+            <a:endParaRPr/>
           </a:p>
         </p:txBody>
       </p:sp>
       <p:sp>
         <p:nvSpPr>
           <p:cNvPr id="85" name="Image"/>
-          <p:cNvSpPr/>
+          <p:cNvSpPr>
+            <a:spLocks noGrp="1"/>
+          </p:cNvSpPr>
           <p:nvPr>
             <p:ph type="pic" idx="15"/>
           </p:nvPr>
@@ -1987,14 +2070,16 @@
           </a:bodyPr>
           <a:lstStyle/>
           <a:p>
-            <a:pPr/>
+            <a:endParaRPr/>
           </a:p>
         </p:txBody>
       </p:sp>
       <p:sp>
         <p:nvSpPr>
           <p:cNvPr id="86" name="Slide Number"/>
-          <p:cNvSpPr txBox="1"/>
+          <p:cNvSpPr txBox="1">
+            <a:spLocks noGrp="1"/>
+          </p:cNvSpPr>
           <p:nvPr>
             <p:ph type="sldNum" sz="quarter" idx="2"/>
           </p:nvPr>
@@ -2008,8 +2093,10 @@
           <a:bodyPr/>
           <a:lstStyle/>
           <a:p>
-            <a:pPr/>
-            <a:fld id="{86CB4B4D-7CA3-9044-876B-883B54F8677D}" type="slidenum"/>
+            <a:fld id="{86CB4B4D-7CA3-9044-876B-883B54F8677D}" type="slidenum">
+              <a:t>‹#›</a:t>
+            </a:fld>
+            <a:endParaRPr/>
           </a:p>
         </p:txBody>
       </p:sp>
@@ -2018,18 +2105,19 @@
   <p:clrMapOvr>
     <a:masterClrMapping/>
   </p:clrMapOvr>
-  <p:transition xmlns:p14="http://schemas.microsoft.com/office/powerpoint/2010/main" spd="med" advClick="1"/>
+  <p:transition spd="med"/>
 </p:sldLayout>
 </file>
 
 <file path=ppt/slideMasters/slideMaster1.xml><?xml version="1.0" encoding="utf-8"?>
-<p:sldMaster xmlns:a="http://schemas.openxmlformats.org/drawingml/2006/main" xmlns:r="http://schemas.openxmlformats.org/officeDocument/2006/relationships" xmlns:p="http://schemas.openxmlformats.org/presentationml/2006/main" xmlns:m="http://schemas.openxmlformats.org/officeDocument/2006/math" xmlns:a14="http://schemas.microsoft.com/office/drawing/2010/main">
+<p:sldMaster xmlns:a="http://schemas.openxmlformats.org/drawingml/2006/main" xmlns:r="http://schemas.openxmlformats.org/officeDocument/2006/relationships" xmlns:p="http://schemas.openxmlformats.org/presentationml/2006/main">
   <p:cSld>
     <p:bg>
       <p:bgPr>
         <a:solidFill>
           <a:srgbClr val="FFFFFF"/>
         </a:solidFill>
+        <a:effectLst/>
       </p:bgPr>
     </p:bg>
     <p:spTree>
@@ -2049,7 +2137,9 @@
       <p:sp>
         <p:nvSpPr>
           <p:cNvPr id="2" name="Title Text"/>
-          <p:cNvSpPr txBox="1"/>
+          <p:cNvSpPr txBox="1">
+            <a:spLocks noGrp="1"/>
+          </p:cNvSpPr>
           <p:nvPr>
             <p:ph type="title"/>
           </p:nvPr>
@@ -2067,17 +2157,16 @@
           </a:ln>
           <a:extLst>
             <a:ext uri="{C572A759-6A51-4108-AA02-DFA0A04FC94B}">
-              <ma14:wrappingTextBoxFlag xmlns:ma14="http://schemas.microsoft.com/office/mac/drawingml/2011/main" val="1"/>
+              <ma14:wrappingTextBoxFlag xmlns:ma14="http://schemas.microsoft.com/office/mac/drawingml/2011/main" xmlns:a14="http://schemas.microsoft.com/office/drawing/2010/main" xmlns:m="http://schemas.openxmlformats.org/officeDocument/2006/math" xmlns="" val="1"/>
             </a:ext>
           </a:extLst>
         </p:spPr>
         <p:txBody>
           <a:bodyPr lIns="50800" tIns="50800" rIns="50800" bIns="50800" anchor="ctr">
-            <a:normAutofit fontScale="100000" lnSpcReduction="0"/>
+            <a:normAutofit/>
           </a:bodyPr>
           <a:lstStyle/>
           <a:p>
-            <a:pPr/>
             <a:r>
               <a:t>Title Text</a:t>
             </a:r>
@@ -2087,7 +2176,9 @@
       <p:sp>
         <p:nvSpPr>
           <p:cNvPr id="3" name="Slide Number"/>
-          <p:cNvSpPr txBox="1"/>
+          <p:cNvSpPr txBox="1">
+            <a:spLocks noGrp="1"/>
+          </p:cNvSpPr>
           <p:nvPr>
             <p:ph type="sldNum" sz="quarter" idx="2"/>
           </p:nvPr>
@@ -2110,7 +2201,7 @@
           </a:bodyPr>
           <a:lstStyle>
             <a:lvl1pPr>
-              <a:defRPr b="0" sz="1600">
+              <a:defRPr sz="1600" b="0">
                 <a:latin typeface="Helvetica Neue Light"/>
                 <a:ea typeface="Helvetica Neue Light"/>
                 <a:cs typeface="Helvetica Neue Light"/>
@@ -2119,15 +2210,19 @@
             </a:lvl1pPr>
           </a:lstStyle>
           <a:p>
-            <a:pPr/>
-            <a:fld id="{86CB4B4D-7CA3-9044-876B-883B54F8677D}" type="slidenum"/>
+            <a:fld id="{86CB4B4D-7CA3-9044-876B-883B54F8677D}" type="slidenum">
+              <a:t>‹#›</a:t>
+            </a:fld>
+            <a:endParaRPr/>
           </a:p>
         </p:txBody>
       </p:sp>
       <p:sp>
         <p:nvSpPr>
           <p:cNvPr id="4" name="Body Level One…"/>
-          <p:cNvSpPr txBox="1"/>
+          <p:cNvSpPr txBox="1">
+            <a:spLocks noGrp="1"/>
+          </p:cNvSpPr>
           <p:nvPr>
             <p:ph type="body" idx="1"/>
           </p:nvPr>
@@ -2145,17 +2240,16 @@
           </a:ln>
           <a:extLst>
             <a:ext uri="{C572A759-6A51-4108-AA02-DFA0A04FC94B}">
-              <ma14:wrappingTextBoxFlag xmlns:ma14="http://schemas.microsoft.com/office/mac/drawingml/2011/main" val="1"/>
+              <ma14:wrappingTextBoxFlag xmlns:ma14="http://schemas.microsoft.com/office/mac/drawingml/2011/main" xmlns:a14="http://schemas.microsoft.com/office/drawing/2010/main" xmlns:m="http://schemas.openxmlformats.org/officeDocument/2006/math" xmlns="" val="1"/>
             </a:ext>
           </a:extLst>
         </p:spPr>
         <p:txBody>
           <a:bodyPr lIns="50800" tIns="50800" rIns="50800" bIns="50800" anchor="ctr">
-            <a:normAutofit fontScale="100000" lnSpcReduction="0"/>
+            <a:normAutofit/>
           </a:bodyPr>
           <a:lstStyle/>
           <a:p>
-            <a:pPr/>
             <a:r>
               <a:t>Body Level One</a:t>
             </a:r>
@@ -2190,20 +2284,20 @@
   </p:cSld>
   <p:clrMap bg1="lt1" tx1="dk1" bg2="lt2" tx2="dk2" accent1="accent1" accent2="accent2" accent3="accent3" accent4="accent4" accent5="accent5" accent6="accent6" hlink="hlink" folHlink="folHlink"/>
   <p:sldLayoutIdLst>
-    <p:sldLayoutId id="2147483649" r:id="rId2"/>
-    <p:sldLayoutId id="2147483650" r:id="rId3"/>
-    <p:sldLayoutId id="2147483651" r:id="rId4"/>
-    <p:sldLayoutId id="2147483652" r:id="rId5"/>
-    <p:sldLayoutId id="2147483653" r:id="rId6"/>
-    <p:sldLayoutId id="2147483654" r:id="rId7"/>
-    <p:sldLayoutId id="2147483655" r:id="rId8"/>
-    <p:sldLayoutId id="2147483656" r:id="rId9"/>
-    <p:sldLayoutId id="2147483657" r:id="rId10"/>
-    <p:sldLayoutId id="2147483658" r:id="rId11"/>
-    <p:sldLayoutId id="2147483659" r:id="rId12"/>
-    <p:sldLayoutId id="2147483660" r:id="rId13"/>
+    <p:sldLayoutId id="2147483649" r:id="rId1"/>
+    <p:sldLayoutId id="2147483650" r:id="rId2"/>
+    <p:sldLayoutId id="2147483651" r:id="rId3"/>
+    <p:sldLayoutId id="2147483652" r:id="rId4"/>
+    <p:sldLayoutId id="2147483653" r:id="rId5"/>
+    <p:sldLayoutId id="2147483654" r:id="rId6"/>
+    <p:sldLayoutId id="2147483655" r:id="rId7"/>
+    <p:sldLayoutId id="2147483656" r:id="rId8"/>
+    <p:sldLayoutId id="2147483657" r:id="rId9"/>
+    <p:sldLayoutId id="2147483658" r:id="rId10"/>
+    <p:sldLayoutId id="2147483659" r:id="rId11"/>
+    <p:sldLayoutId id="2147483660" r:id="rId12"/>
   </p:sldLayoutIdLst>
-  <p:transition xmlns:p14="http://schemas.microsoft.com/office/powerpoint/2010/main" spd="med" advClick="1"/>
+  <p:transition spd="med"/>
   <p:txStyles>
     <p:titleStyle>
       <a:lvl1pPr marL="0" marR="0" indent="0" algn="ctr" defTabSz="584200" rtl="0" latinLnBrk="0">
@@ -2221,7 +2315,7 @@
         <a:buFontTx/>
         <a:buNone/>
         <a:tabLst/>
-        <a:defRPr b="0" baseline="0" cap="none" i="0" spc="0" strike="noStrike" sz="8000" u="none">
+        <a:defRPr sz="8000" b="0" i="0" u="none" strike="noStrike" cap="none" spc="0" baseline="0">
           <a:solidFill>
             <a:srgbClr val="000000"/>
           </a:solidFill>
@@ -2247,7 +2341,7 @@
         <a:buFontTx/>
         <a:buNone/>
         <a:tabLst/>
-        <a:defRPr b="0" baseline="0" cap="none" i="0" spc="0" strike="noStrike" sz="8000" u="none">
+        <a:defRPr sz="8000" b="0" i="0" u="none" strike="noStrike" cap="none" spc="0" baseline="0">
           <a:solidFill>
             <a:srgbClr val="000000"/>
           </a:solidFill>
@@ -2273,7 +2367,7 @@
         <a:buFontTx/>
         <a:buNone/>
         <a:tabLst/>
-        <a:defRPr b="0" baseline="0" cap="none" i="0" spc="0" strike="noStrike" sz="8000" u="none">
+        <a:defRPr sz="8000" b="0" i="0" u="none" strike="noStrike" cap="none" spc="0" baseline="0">
           <a:solidFill>
             <a:srgbClr val="000000"/>
           </a:solidFill>
@@ -2299,7 +2393,7 @@
         <a:buFontTx/>
         <a:buNone/>
         <a:tabLst/>
-        <a:defRPr b="0" baseline="0" cap="none" i="0" spc="0" strike="noStrike" sz="8000" u="none">
+        <a:defRPr sz="8000" b="0" i="0" u="none" strike="noStrike" cap="none" spc="0" baseline="0">
           <a:solidFill>
             <a:srgbClr val="000000"/>
           </a:solidFill>
@@ -2325,7 +2419,7 @@
         <a:buFontTx/>
         <a:buNone/>
         <a:tabLst/>
-        <a:defRPr b="0" baseline="0" cap="none" i="0" spc="0" strike="noStrike" sz="8000" u="none">
+        <a:defRPr sz="8000" b="0" i="0" u="none" strike="noStrike" cap="none" spc="0" baseline="0">
           <a:solidFill>
             <a:srgbClr val="000000"/>
           </a:solidFill>
@@ -2351,7 +2445,7 @@
         <a:buFontTx/>
         <a:buNone/>
         <a:tabLst/>
-        <a:defRPr b="0" baseline="0" cap="none" i="0" spc="0" strike="noStrike" sz="8000" u="none">
+        <a:defRPr sz="8000" b="0" i="0" u="none" strike="noStrike" cap="none" spc="0" baseline="0">
           <a:solidFill>
             <a:srgbClr val="000000"/>
           </a:solidFill>
@@ -2377,7 +2471,7 @@
         <a:buFontTx/>
         <a:buNone/>
         <a:tabLst/>
-        <a:defRPr b="0" baseline="0" cap="none" i="0" spc="0" strike="noStrike" sz="8000" u="none">
+        <a:defRPr sz="8000" b="0" i="0" u="none" strike="noStrike" cap="none" spc="0" baseline="0">
           <a:solidFill>
             <a:srgbClr val="000000"/>
           </a:solidFill>
@@ -2403,7 +2497,7 @@
         <a:buFontTx/>
         <a:buNone/>
         <a:tabLst/>
-        <a:defRPr b="0" baseline="0" cap="none" i="0" spc="0" strike="noStrike" sz="8000" u="none">
+        <a:defRPr sz="8000" b="0" i="0" u="none" strike="noStrike" cap="none" spc="0" baseline="0">
           <a:solidFill>
             <a:srgbClr val="000000"/>
           </a:solidFill>
@@ -2429,7 +2523,7 @@
         <a:buFontTx/>
         <a:buNone/>
         <a:tabLst/>
-        <a:defRPr b="0" baseline="0" cap="none" i="0" spc="0" strike="noStrike" sz="8000" u="none">
+        <a:defRPr sz="8000" b="0" i="0" u="none" strike="noStrike" cap="none" spc="0" baseline="0">
           <a:solidFill>
             <a:srgbClr val="000000"/>
           </a:solidFill>
@@ -2457,7 +2551,7 @@
         <a:buFontTx/>
         <a:buChar char="•"/>
         <a:tabLst/>
-        <a:defRPr b="0" baseline="0" cap="none" i="0" spc="0" strike="noStrike" sz="3200" u="none">
+        <a:defRPr sz="3200" b="0" i="0" u="none" strike="noStrike" cap="none" spc="0" baseline="0">
           <a:solidFill>
             <a:srgbClr val="000000"/>
           </a:solidFill>
@@ -2483,7 +2577,7 @@
         <a:buFontTx/>
         <a:buChar char="•"/>
         <a:tabLst/>
-        <a:defRPr b="0" baseline="0" cap="none" i="0" spc="0" strike="noStrike" sz="3200" u="none">
+        <a:defRPr sz="3200" b="0" i="0" u="none" strike="noStrike" cap="none" spc="0" baseline="0">
           <a:solidFill>
             <a:srgbClr val="000000"/>
           </a:solidFill>
@@ -2509,7 +2603,7 @@
         <a:buFontTx/>
         <a:buChar char="•"/>
         <a:tabLst/>
-        <a:defRPr b="0" baseline="0" cap="none" i="0" spc="0" strike="noStrike" sz="3200" u="none">
+        <a:defRPr sz="3200" b="0" i="0" u="none" strike="noStrike" cap="none" spc="0" baseline="0">
           <a:solidFill>
             <a:srgbClr val="000000"/>
           </a:solidFill>
@@ -2535,7 +2629,7 @@
         <a:buFontTx/>
         <a:buChar char="•"/>
         <a:tabLst/>
-        <a:defRPr b="0" baseline="0" cap="none" i="0" spc="0" strike="noStrike" sz="3200" u="none">
+        <a:defRPr sz="3200" b="0" i="0" u="none" strike="noStrike" cap="none" spc="0" baseline="0">
           <a:solidFill>
             <a:srgbClr val="000000"/>
           </a:solidFill>
@@ -2561,7 +2655,7 @@
         <a:buFontTx/>
         <a:buChar char="•"/>
         <a:tabLst/>
-        <a:defRPr b="0" baseline="0" cap="none" i="0" spc="0" strike="noStrike" sz="3200" u="none">
+        <a:defRPr sz="3200" b="0" i="0" u="none" strike="noStrike" cap="none" spc="0" baseline="0">
           <a:solidFill>
             <a:srgbClr val="000000"/>
           </a:solidFill>
@@ -2587,7 +2681,7 @@
         <a:buFontTx/>
         <a:buChar char="•"/>
         <a:tabLst/>
-        <a:defRPr b="0" baseline="0" cap="none" i="0" spc="0" strike="noStrike" sz="3200" u="none">
+        <a:defRPr sz="3200" b="0" i="0" u="none" strike="noStrike" cap="none" spc="0" baseline="0">
           <a:solidFill>
             <a:srgbClr val="000000"/>
           </a:solidFill>
@@ -2613,7 +2707,7 @@
         <a:buFontTx/>
         <a:buChar char="•"/>
         <a:tabLst/>
-        <a:defRPr b="0" baseline="0" cap="none" i="0" spc="0" strike="noStrike" sz="3200" u="none">
+        <a:defRPr sz="3200" b="0" i="0" u="none" strike="noStrike" cap="none" spc="0" baseline="0">
           <a:solidFill>
             <a:srgbClr val="000000"/>
           </a:solidFill>
@@ -2639,7 +2733,7 @@
         <a:buFontTx/>
         <a:buChar char="•"/>
         <a:tabLst/>
-        <a:defRPr b="0" baseline="0" cap="none" i="0" spc="0" strike="noStrike" sz="3200" u="none">
+        <a:defRPr sz="3200" b="0" i="0" u="none" strike="noStrike" cap="none" spc="0" baseline="0">
           <a:solidFill>
             <a:srgbClr val="000000"/>
           </a:solidFill>
@@ -2665,7 +2759,7 @@
         <a:buFontTx/>
         <a:buChar char="•"/>
         <a:tabLst/>
-        <a:defRPr b="0" baseline="0" cap="none" i="0" spc="0" strike="noStrike" sz="3200" u="none">
+        <a:defRPr sz="3200" b="0" i="0" u="none" strike="noStrike" cap="none" spc="0" baseline="0">
           <a:solidFill>
             <a:srgbClr val="000000"/>
           </a:solidFill>
@@ -2693,7 +2787,7 @@
         <a:buFontTx/>
         <a:buNone/>
         <a:tabLst/>
-        <a:defRPr b="0" baseline="0" cap="none" i="0" spc="0" strike="noStrike" sz="1600" u="none">
+        <a:defRPr sz="1600" b="0" i="0" u="none" strike="noStrike" cap="none" spc="0" baseline="0">
           <a:solidFill>
             <a:schemeClr val="tx1"/>
           </a:solidFill>
@@ -2719,7 +2813,7 @@
         <a:buFontTx/>
         <a:buNone/>
         <a:tabLst/>
-        <a:defRPr b="0" baseline="0" cap="none" i="0" spc="0" strike="noStrike" sz="1600" u="none">
+        <a:defRPr sz="1600" b="0" i="0" u="none" strike="noStrike" cap="none" spc="0" baseline="0">
           <a:solidFill>
             <a:schemeClr val="tx1"/>
           </a:solidFill>
@@ -2745,7 +2839,7 @@
         <a:buFontTx/>
         <a:buNone/>
         <a:tabLst/>
-        <a:defRPr b="0" baseline="0" cap="none" i="0" spc="0" strike="noStrike" sz="1600" u="none">
+        <a:defRPr sz="1600" b="0" i="0" u="none" strike="noStrike" cap="none" spc="0" baseline="0">
           <a:solidFill>
             <a:schemeClr val="tx1"/>
           </a:solidFill>
@@ -2771,7 +2865,7 @@
         <a:buFontTx/>
         <a:buNone/>
         <a:tabLst/>
-        <a:defRPr b="0" baseline="0" cap="none" i="0" spc="0" strike="noStrike" sz="1600" u="none">
+        <a:defRPr sz="1600" b="0" i="0" u="none" strike="noStrike" cap="none" spc="0" baseline="0">
           <a:solidFill>
             <a:schemeClr val="tx1"/>
           </a:solidFill>
@@ -2797,7 +2891,7 @@
         <a:buFontTx/>
         <a:buNone/>
         <a:tabLst/>
-        <a:defRPr b="0" baseline="0" cap="none" i="0" spc="0" strike="noStrike" sz="1600" u="none">
+        <a:defRPr sz="1600" b="0" i="0" u="none" strike="noStrike" cap="none" spc="0" baseline="0">
           <a:solidFill>
             <a:schemeClr val="tx1"/>
           </a:solidFill>
@@ -2823,7 +2917,7 @@
         <a:buFontTx/>
         <a:buNone/>
         <a:tabLst/>
-        <a:defRPr b="0" baseline="0" cap="none" i="0" spc="0" strike="noStrike" sz="1600" u="none">
+        <a:defRPr sz="1600" b="0" i="0" u="none" strike="noStrike" cap="none" spc="0" baseline="0">
           <a:solidFill>
             <a:schemeClr val="tx1"/>
           </a:solidFill>
@@ -2849,7 +2943,7 @@
         <a:buFontTx/>
         <a:buNone/>
         <a:tabLst/>
-        <a:defRPr b="0" baseline="0" cap="none" i="0" spc="0" strike="noStrike" sz="1600" u="none">
+        <a:defRPr sz="1600" b="0" i="0" u="none" strike="noStrike" cap="none" spc="0" baseline="0">
           <a:solidFill>
             <a:schemeClr val="tx1"/>
           </a:solidFill>
@@ -2875,7 +2969,7 @@
         <a:buFontTx/>
         <a:buNone/>
         <a:tabLst/>
-        <a:defRPr b="0" baseline="0" cap="none" i="0" spc="0" strike="noStrike" sz="1600" u="none">
+        <a:defRPr sz="1600" b="0" i="0" u="none" strike="noStrike" cap="none" spc="0" baseline="0">
           <a:solidFill>
             <a:schemeClr val="tx1"/>
           </a:solidFill>
@@ -2901,7 +2995,7 @@
         <a:buFontTx/>
         <a:buNone/>
         <a:tabLst/>
-        <a:defRPr b="0" baseline="0" cap="none" i="0" spc="0" strike="noStrike" sz="1600" u="none">
+        <a:defRPr sz="1600" b="0" i="0" u="none" strike="noStrike" cap="none" spc="0" baseline="0">
           <a:solidFill>
             <a:schemeClr val="tx1"/>
           </a:solidFill>
@@ -2918,7 +3012,7 @@
 </file>
 
 <file path=ppt/slides/slide1.xml><?xml version="1.0" encoding="utf-8"?>
-<p:sld xmlns:a="http://schemas.openxmlformats.org/drawingml/2006/main" xmlns:r="http://schemas.openxmlformats.org/officeDocument/2006/relationships" xmlns:p="http://schemas.openxmlformats.org/presentationml/2006/main" xmlns:m="http://schemas.openxmlformats.org/officeDocument/2006/math" xmlns:a14="http://schemas.microsoft.com/office/drawing/2010/main" showMasterSp="1" showMasterPhAnim="1">
+<p:sld xmlns:a="http://schemas.openxmlformats.org/drawingml/2006/main" xmlns:r="http://schemas.openxmlformats.org/officeDocument/2006/relationships" xmlns:p="http://schemas.openxmlformats.org/presentationml/2006/main">
   <p:cSld>
     <p:spTree>
       <p:nvGrpSpPr>
@@ -2937,7 +3031,9 @@
       <p:sp>
         <p:nvSpPr>
           <p:cNvPr id="119" name="Host:     Popovici Gabriel…"/>
-          <p:cNvSpPr txBox="1"/>
+          <p:cNvSpPr txBox="1">
+            <a:spLocks noGrp="1"/>
+          </p:cNvSpPr>
           <p:nvPr>
             <p:ph type="body" sz="quarter" idx="1"/>
           </p:nvPr>
@@ -2952,10 +3048,12 @@
           </a:prstGeom>
         </p:spPr>
         <p:txBody>
-          <a:bodyPr/>
+          <a:bodyPr>
+            <a:normAutofit lnSpcReduction="10000"/>
+          </a:bodyPr>
           <a:lstStyle/>
           <a:p>
-            <a:pPr lvl="5" marL="0" indent="216915" algn="r" defTabSz="356362">
+            <a:pPr marL="0" lvl="5" indent="216915" algn="r" defTabSz="356362">
               <a:spcBef>
                 <a:spcPts val="0"/>
               </a:spcBef>
@@ -2968,7 +3066,7 @@
             </a:r>
           </a:p>
           <a:p>
-            <a:pPr lvl="5" marL="0" indent="216915" algn="r" defTabSz="356362">
+            <a:pPr marL="0" lvl="5" indent="216915" algn="r" defTabSz="356362">
               <a:spcBef>
                 <a:spcPts val="0"/>
               </a:spcBef>
@@ -2981,7 +3079,7 @@
             </a:r>
           </a:p>
           <a:p>
-            <a:pPr lvl="5" marL="0" indent="216915" algn="r" defTabSz="356362">
+            <a:pPr marL="0" lvl="5" indent="216915" algn="r" defTabSz="356362">
               <a:spcBef>
                 <a:spcPts val="0"/>
               </a:spcBef>
@@ -3027,7 +3125,9 @@
       <p:sp>
         <p:nvSpPr>
           <p:cNvPr id="121" name="Modeling software applications with Spring Statemachine (SSM)"/>
-          <p:cNvSpPr txBox="1"/>
+          <p:cNvSpPr txBox="1">
+            <a:spLocks noGrp="1"/>
+          </p:cNvSpPr>
           <p:nvPr>
             <p:ph type="title"/>
           </p:nvPr>
@@ -3049,7 +3149,6 @@
             </a:lvl1pPr>
           </a:lstStyle>
           <a:p>
-            <a:pPr/>
             <a:r>
               <a:t>Modeling software applications with Spring Statemachine (SSM)</a:t>
             </a:r>
@@ -3059,7 +3158,9 @@
       <p:sp>
         <p:nvSpPr>
           <p:cNvPr id="122" name="Slide Number"/>
-          <p:cNvSpPr txBox="1"/>
+          <p:cNvSpPr txBox="1">
+            <a:spLocks noGrp="1"/>
+          </p:cNvSpPr>
           <p:nvPr>
             <p:ph type="sldNum" sz="quarter" idx="2"/>
           </p:nvPr>
@@ -3074,7 +3175,7 @@
           </a:prstGeom>
           <a:extLst>
             <a:ext uri="{C572A759-6A51-4108-AA02-DFA0A04FC94B}">
-              <ma14:wrappingTextBoxFlag xmlns:ma14="http://schemas.microsoft.com/office/mac/drawingml/2011/main" val="1"/>
+              <ma14:wrappingTextBoxFlag xmlns:ma14="http://schemas.microsoft.com/office/mac/drawingml/2011/main" xmlns:a14="http://schemas.microsoft.com/office/drawing/2010/main" xmlns:m="http://schemas.openxmlformats.org/officeDocument/2006/math" xmlns="" val="1"/>
             </a:ext>
           </a:extLst>
         </p:spPr>
@@ -3082,8 +3183,10 @@
           <a:bodyPr/>
           <a:lstStyle/>
           <a:p>
-            <a:pPr/>
-            <a:fld id="{86CB4B4D-7CA3-9044-876B-883B54F8677D}" type="slidenum"/>
+            <a:fld id="{86CB4B4D-7CA3-9044-876B-883B54F8677D}" type="slidenum">
+              <a:t>1</a:t>
+            </a:fld>
+            <a:endParaRPr/>
           </a:p>
         </p:txBody>
       </p:sp>
@@ -3092,12 +3195,12 @@
   <p:clrMapOvr>
     <a:masterClrMapping/>
   </p:clrMapOvr>
-  <p:transition xmlns:p14="http://schemas.microsoft.com/office/powerpoint/2010/main" spd="med" advClick="1"/>
+  <p:transition spd="med"/>
 </p:sld>
 </file>
 
 <file path=ppt/slides/slide10.xml><?xml version="1.0" encoding="utf-8"?>
-<p:sld xmlns:a="http://schemas.openxmlformats.org/drawingml/2006/main" xmlns:r="http://schemas.openxmlformats.org/officeDocument/2006/relationships" xmlns:p="http://schemas.openxmlformats.org/presentationml/2006/main" xmlns:m="http://schemas.openxmlformats.org/officeDocument/2006/math" xmlns:a14="http://schemas.microsoft.com/office/drawing/2010/main" showMasterSp="1" showMasterPhAnim="1">
+<p:sld xmlns:a="http://schemas.openxmlformats.org/drawingml/2006/main" xmlns:r="http://schemas.openxmlformats.org/officeDocument/2006/relationships" xmlns:p="http://schemas.openxmlformats.org/presentationml/2006/main">
   <p:cSld>
     <p:spTree>
       <p:nvGrpSpPr>
@@ -3116,7 +3219,9 @@
       <p:sp>
         <p:nvSpPr>
           <p:cNvPr id="170" name="Slide Number"/>
-          <p:cNvSpPr txBox="1"/>
+          <p:cNvSpPr txBox="1">
+            <a:spLocks noGrp="1"/>
+          </p:cNvSpPr>
           <p:nvPr>
             <p:ph type="sldNum" sz="quarter" idx="2"/>
           </p:nvPr>
@@ -3127,7 +3232,7 @@
           </a:prstGeom>
           <a:extLst>
             <a:ext uri="{C572A759-6A51-4108-AA02-DFA0A04FC94B}">
-              <ma14:wrappingTextBoxFlag xmlns:ma14="http://schemas.microsoft.com/office/mac/drawingml/2011/main" val="1"/>
+              <ma14:wrappingTextBoxFlag xmlns:ma14="http://schemas.microsoft.com/office/mac/drawingml/2011/main" xmlns:a14="http://schemas.microsoft.com/office/drawing/2010/main" xmlns:m="http://schemas.openxmlformats.org/officeDocument/2006/math" xmlns="" val="1"/>
             </a:ext>
           </a:extLst>
         </p:spPr>
@@ -3135,8 +3240,10 @@
           <a:bodyPr/>
           <a:lstStyle/>
           <a:p>
-            <a:pPr/>
-            <a:fld id="{86CB4B4D-7CA3-9044-876B-883B54F8677D}" type="slidenum"/>
+            <a:fld id="{86CB4B4D-7CA3-9044-876B-883B54F8677D}" type="slidenum">
+              <a:t>10</a:t>
+            </a:fld>
+            <a:endParaRPr/>
           </a:p>
         </p:txBody>
       </p:sp>
@@ -3166,7 +3273,7 @@
             <a:blip r:embed="rId2">
               <a:extLst/>
             </a:blip>
-            <a:srcRect l="0" t="30" r="0" b="30"/>
+            <a:srcRect t="30" b="30"/>
             <a:stretch>
               <a:fillRect/>
             </a:stretch>
@@ -3208,7 +3315,7 @@
             <a:effectLst/>
             <a:extLst>
               <a:ext uri="{C572A759-6A51-4108-AA02-DFA0A04FC94B}">
-                <ma14:wrappingTextBoxFlag xmlns:ma14="http://schemas.microsoft.com/office/mac/drawingml/2011/main" val="1"/>
+                <ma14:wrappingTextBoxFlag xmlns:ma14="http://schemas.microsoft.com/office/mac/drawingml/2011/main" xmlns:a14="http://schemas.microsoft.com/office/drawing/2010/main" xmlns:m="http://schemas.openxmlformats.org/officeDocument/2006/math" xmlns="" val="1"/>
               </a:ext>
             </a:extLst>
           </p:spPr>
@@ -3222,7 +3329,6 @@
               </a:lvl1pPr>
             </a:lstStyle>
             <a:p>
-              <a:pPr/>
               <a:r>
                 <a:t>Delete Contact</a:t>
               </a:r>
@@ -3264,12 +3370,12 @@
   <p:clrMapOvr>
     <a:masterClrMapping/>
   </p:clrMapOvr>
-  <p:transition xmlns:p14="http://schemas.microsoft.com/office/powerpoint/2010/main" spd="med" advClick="1"/>
+  <p:transition spd="med"/>
 </p:sld>
 </file>
 
 <file path=ppt/slides/slide11.xml><?xml version="1.0" encoding="utf-8"?>
-<p:sld xmlns:a="http://schemas.openxmlformats.org/drawingml/2006/main" xmlns:r="http://schemas.openxmlformats.org/officeDocument/2006/relationships" xmlns:p="http://schemas.openxmlformats.org/presentationml/2006/main" xmlns:m="http://schemas.openxmlformats.org/officeDocument/2006/math" xmlns:a14="http://schemas.microsoft.com/office/drawing/2010/main" showMasterSp="1" showMasterPhAnim="1">
+<p:sld xmlns:a="http://schemas.openxmlformats.org/drawingml/2006/main" xmlns:r="http://schemas.openxmlformats.org/officeDocument/2006/relationships" xmlns:p="http://schemas.openxmlformats.org/presentationml/2006/main">
   <p:cSld>
     <p:spTree>
       <p:nvGrpSpPr>
@@ -3288,7 +3394,9 @@
       <p:sp>
         <p:nvSpPr>
           <p:cNvPr id="176" name="Slide Number"/>
-          <p:cNvSpPr txBox="1"/>
+          <p:cNvSpPr txBox="1">
+            <a:spLocks noGrp="1"/>
+          </p:cNvSpPr>
           <p:nvPr>
             <p:ph type="sldNum" sz="quarter" idx="2"/>
           </p:nvPr>
@@ -3299,7 +3407,7 @@
           </a:prstGeom>
           <a:extLst>
             <a:ext uri="{C572A759-6A51-4108-AA02-DFA0A04FC94B}">
-              <ma14:wrappingTextBoxFlag xmlns:ma14="http://schemas.microsoft.com/office/mac/drawingml/2011/main" val="1"/>
+              <ma14:wrappingTextBoxFlag xmlns:ma14="http://schemas.microsoft.com/office/mac/drawingml/2011/main" xmlns:a14="http://schemas.microsoft.com/office/drawing/2010/main" xmlns:m="http://schemas.openxmlformats.org/officeDocument/2006/math" xmlns="" val="1"/>
             </a:ext>
           </a:extLst>
         </p:spPr>
@@ -3307,8 +3415,10 @@
           <a:bodyPr/>
           <a:lstStyle/>
           <a:p>
-            <a:pPr/>
-            <a:fld id="{86CB4B4D-7CA3-9044-876B-883B54F8677D}" type="slidenum"/>
+            <a:fld id="{86CB4B4D-7CA3-9044-876B-883B54F8677D}" type="slidenum">
+              <a:t>11</a:t>
+            </a:fld>
+            <a:endParaRPr/>
           </a:p>
         </p:txBody>
       </p:sp>
@@ -3331,7 +3441,7 @@
           </a:ln>
           <a:extLst>
             <a:ext uri="{C572A759-6A51-4108-AA02-DFA0A04FC94B}">
-              <ma14:wrappingTextBoxFlag xmlns:ma14="http://schemas.microsoft.com/office/mac/drawingml/2011/main" val="1"/>
+              <ma14:wrappingTextBoxFlag xmlns:ma14="http://schemas.microsoft.com/office/mac/drawingml/2011/main" xmlns:a14="http://schemas.microsoft.com/office/drawing/2010/main" xmlns:m="http://schemas.openxmlformats.org/officeDocument/2006/math" xmlns="" val="1"/>
             </a:ext>
           </a:extLst>
         </p:spPr>
@@ -3341,7 +3451,6 @@
           </a:bodyPr>
           <a:lstStyle/>
           <a:p>
-            <a:pPr/>
             <a:r>
               <a:t>Benchmark Results</a:t>
             </a:r>
@@ -3527,12 +3636,12 @@
   <p:clrMapOvr>
     <a:masterClrMapping/>
   </p:clrMapOvr>
-  <p:transition xmlns:p14="http://schemas.microsoft.com/office/powerpoint/2010/main" spd="med" advClick="1"/>
+  <p:transition spd="med"/>
 </p:sld>
 </file>
 
 <file path=ppt/slides/slide12.xml><?xml version="1.0" encoding="utf-8"?>
-<p:sld xmlns:a="http://schemas.openxmlformats.org/drawingml/2006/main" xmlns:r="http://schemas.openxmlformats.org/officeDocument/2006/relationships" xmlns:p="http://schemas.openxmlformats.org/presentationml/2006/main" xmlns:m="http://schemas.openxmlformats.org/officeDocument/2006/math" xmlns:a14="http://schemas.microsoft.com/office/drawing/2010/main" showMasterSp="1" showMasterPhAnim="1">
+<p:sld xmlns:a="http://schemas.openxmlformats.org/drawingml/2006/main" xmlns:r="http://schemas.openxmlformats.org/officeDocument/2006/relationships" xmlns:p="http://schemas.openxmlformats.org/presentationml/2006/main">
   <p:cSld>
     <p:spTree>
       <p:nvGrpSpPr>
@@ -3551,7 +3660,9 @@
       <p:sp>
         <p:nvSpPr>
           <p:cNvPr id="185" name="Slide Number"/>
-          <p:cNvSpPr txBox="1"/>
+          <p:cNvSpPr txBox="1">
+            <a:spLocks noGrp="1"/>
+          </p:cNvSpPr>
           <p:nvPr>
             <p:ph type="sldNum" sz="quarter" idx="2"/>
           </p:nvPr>
@@ -3562,7 +3673,7 @@
           </a:prstGeom>
           <a:extLst>
             <a:ext uri="{C572A759-6A51-4108-AA02-DFA0A04FC94B}">
-              <ma14:wrappingTextBoxFlag xmlns:ma14="http://schemas.microsoft.com/office/mac/drawingml/2011/main" val="1"/>
+              <ma14:wrappingTextBoxFlag xmlns:ma14="http://schemas.microsoft.com/office/mac/drawingml/2011/main" xmlns:a14="http://schemas.microsoft.com/office/drawing/2010/main" xmlns:m="http://schemas.openxmlformats.org/officeDocument/2006/math" xmlns="" val="1"/>
             </a:ext>
           </a:extLst>
         </p:spPr>
@@ -3570,8 +3681,10 @@
           <a:bodyPr/>
           <a:lstStyle/>
           <a:p>
-            <a:pPr/>
-            <a:fld id="{86CB4B4D-7CA3-9044-876B-883B54F8677D}" type="slidenum"/>
+            <a:fld id="{86CB4B4D-7CA3-9044-876B-883B54F8677D}" type="slidenum">
+              <a:t>12</a:t>
+            </a:fld>
+            <a:endParaRPr/>
           </a:p>
         </p:txBody>
       </p:sp>
@@ -3594,7 +3707,7 @@
           </a:ln>
           <a:extLst>
             <a:ext uri="{C572A759-6A51-4108-AA02-DFA0A04FC94B}">
-              <ma14:wrappingTextBoxFlag xmlns:ma14="http://schemas.microsoft.com/office/mac/drawingml/2011/main" val="1"/>
+              <ma14:wrappingTextBoxFlag xmlns:ma14="http://schemas.microsoft.com/office/mac/drawingml/2011/main" xmlns:a14="http://schemas.microsoft.com/office/drawing/2010/main" xmlns:m="http://schemas.openxmlformats.org/officeDocument/2006/math" xmlns="" val="1"/>
             </a:ext>
           </a:extLst>
         </p:spPr>
@@ -3604,7 +3717,6 @@
           </a:bodyPr>
           <a:lstStyle/>
           <a:p>
-            <a:pPr/>
             <a:r>
               <a:t>Q&amp;A</a:t>
             </a:r>
@@ -3616,12 +3728,12 @@
   <p:clrMapOvr>
     <a:masterClrMapping/>
   </p:clrMapOvr>
-  <p:transition xmlns:p14="http://schemas.microsoft.com/office/powerpoint/2010/main" spd="med" advClick="1"/>
+  <p:transition spd="med"/>
 </p:sld>
 </file>
 
 <file path=ppt/slides/slide2.xml><?xml version="1.0" encoding="utf-8"?>
-<p:sld xmlns:a="http://schemas.openxmlformats.org/drawingml/2006/main" xmlns:r="http://schemas.openxmlformats.org/officeDocument/2006/relationships" xmlns:p="http://schemas.openxmlformats.org/presentationml/2006/main" xmlns:m="http://schemas.openxmlformats.org/officeDocument/2006/math" xmlns:a14="http://schemas.microsoft.com/office/drawing/2010/main" showMasterSp="1" showMasterPhAnim="1">
+<p:sld xmlns:a="http://schemas.openxmlformats.org/drawingml/2006/main" xmlns:r="http://schemas.openxmlformats.org/officeDocument/2006/relationships" xmlns:p="http://schemas.openxmlformats.org/presentationml/2006/main">
   <p:cSld>
     <p:spTree>
       <p:nvGrpSpPr>
@@ -3640,7 +3752,9 @@
       <p:sp>
         <p:nvSpPr>
           <p:cNvPr id="124" name="Slide Number"/>
-          <p:cNvSpPr txBox="1"/>
+          <p:cNvSpPr txBox="1">
+            <a:spLocks noGrp="1"/>
+          </p:cNvSpPr>
           <p:nvPr>
             <p:ph type="sldNum" sz="quarter" idx="2"/>
           </p:nvPr>
@@ -3655,7 +3769,7 @@
           </a:prstGeom>
           <a:extLst>
             <a:ext uri="{C572A759-6A51-4108-AA02-DFA0A04FC94B}">
-              <ma14:wrappingTextBoxFlag xmlns:ma14="http://schemas.microsoft.com/office/mac/drawingml/2011/main" val="1"/>
+              <ma14:wrappingTextBoxFlag xmlns:ma14="http://schemas.microsoft.com/office/mac/drawingml/2011/main" xmlns:a14="http://schemas.microsoft.com/office/drawing/2010/main" xmlns:m="http://schemas.openxmlformats.org/officeDocument/2006/math" xmlns="" val="1"/>
             </a:ext>
           </a:extLst>
         </p:spPr>
@@ -3663,8 +3777,10 @@
           <a:bodyPr/>
           <a:lstStyle/>
           <a:p>
-            <a:pPr/>
-            <a:fld id="{86CB4B4D-7CA3-9044-876B-883B54F8677D}" type="slidenum"/>
+            <a:fld id="{86CB4B4D-7CA3-9044-876B-883B54F8677D}" type="slidenum">
+              <a:t>2</a:t>
+            </a:fld>
+            <a:endParaRPr/>
           </a:p>
         </p:txBody>
       </p:sp>
@@ -3687,7 +3803,7 @@
           </a:ln>
           <a:extLst>
             <a:ext uri="{C572A759-6A51-4108-AA02-DFA0A04FC94B}">
-              <ma14:wrappingTextBoxFlag xmlns:ma14="http://schemas.microsoft.com/office/mac/drawingml/2011/main" val="1"/>
+              <ma14:wrappingTextBoxFlag xmlns:ma14="http://schemas.microsoft.com/office/mac/drawingml/2011/main" xmlns:a14="http://schemas.microsoft.com/office/drawing/2010/main" xmlns:m="http://schemas.openxmlformats.org/officeDocument/2006/math" xmlns="" val="1"/>
             </a:ext>
           </a:extLst>
         </p:spPr>
@@ -3697,7 +3813,6 @@
           </a:bodyPr>
           <a:lstStyle/>
           <a:p>
-            <a:pPr/>
             <a:r>
               <a:t>Workshop Agenda</a:t>
             </a:r>
@@ -3712,8 +3827,8 @@
         </p:nvSpPr>
         <p:spPr>
           <a:xfrm>
-            <a:off x="853184" y="1884020"/>
-            <a:ext cx="9380247" cy="5985560"/>
+            <a:off x="853184" y="1870849"/>
+            <a:ext cx="9925794" cy="6011902"/>
           </a:xfrm>
           <a:prstGeom prst="rect">
             <a:avLst/>
@@ -3723,7 +3838,7 @@
           </a:ln>
           <a:extLst>
             <a:ext uri="{C572A759-6A51-4108-AA02-DFA0A04FC94B}">
-              <ma14:wrappingTextBoxFlag xmlns:ma14="http://schemas.microsoft.com/office/mac/drawingml/2011/main" val="1"/>
+              <ma14:wrappingTextBoxFlag xmlns:ma14="http://schemas.microsoft.com/office/mac/drawingml/2011/main" xmlns:a14="http://schemas.microsoft.com/office/drawing/2010/main" xmlns:m="http://schemas.openxmlformats.org/officeDocument/2006/math" xmlns="" val="1"/>
             </a:ext>
           </a:extLst>
         </p:spPr>
@@ -3738,68 +3853,108 @@
               <a:buChar char="‣"/>
             </a:pPr>
             <a:r>
+              <a:rPr dirty="0"/>
               <a:t>Prerequisites</a:t>
             </a:r>
           </a:p>
           <a:p>
-            <a:pPr lvl="1" marL="777875" indent="-333375" algn="l">
+            <a:pPr marL="777875" lvl="1" indent="-333375" algn="l">
               <a:buSzPct val="145000"/>
               <a:buChar char="‣"/>
             </a:pPr>
             <a:r>
+              <a:rPr dirty="0"/>
               <a:t>Using SSM 3.0.0.M1 </a:t>
             </a:r>
           </a:p>
           <a:p>
-            <a:pPr lvl="1" marL="777875" indent="-333375" algn="l">
+            <a:pPr marL="777875" lvl="1" indent="-333375" algn="l">
               <a:buSzPct val="145000"/>
               <a:buChar char="‣"/>
             </a:pPr>
             <a:r>
+              <a:rPr dirty="0"/>
               <a:t>Java with JDK 8 </a:t>
             </a:r>
           </a:p>
           <a:p>
-            <a:pPr lvl="1" marL="777875" indent="-333375" algn="l">
+            <a:pPr marL="777875" lvl="1" indent="-333375" algn="l">
               <a:buSzPct val="145000"/>
               <a:buChar char="‣"/>
             </a:pPr>
             <a:r>
+              <a:rPr dirty="0"/>
               <a:t>Spring Framework 5.2.0.RC1 </a:t>
             </a:r>
           </a:p>
           <a:p>
-            <a:pPr lvl="1" marL="777875" indent="-333375" algn="l">
+            <a:pPr marL="777875" lvl="1" indent="-333375" algn="l">
               <a:buSzPct val="145000"/>
               <a:buChar char="‣"/>
             </a:pPr>
             <a:r>
+              <a:rPr dirty="0"/>
               <a:t>Toolchain: Maven 3.5.x</a:t>
             </a:r>
           </a:p>
           <a:p>
-            <a:pPr lvl="1" marL="777875" indent="-333375" algn="l">
+            <a:pPr marL="777875" lvl="1" indent="-333375" algn="l">
               <a:buSzPct val="145000"/>
               <a:buChar char="‣"/>
             </a:pPr>
             <a:r>
+              <a:rPr dirty="0"/>
               <a:t>Clone </a:t>
             </a:r>
             <a:r>
-              <a:rPr u="sng">
-                <a:hlinkClick r:id="rId2" invalidUrl="" action="" tgtFrame="" tooltip="" history="1" highlightClick="0" endSnd="0"/>
+              <a:rPr u="sng" dirty="0">
+                <a:hlinkClick r:id="rId2"/>
               </a:rPr>
               <a:t>https://github.com/popovici-gabriel/contact-service</a:t>
             </a:r>
           </a:p>
           <a:p>
-            <a:pPr lvl="1" marL="777875" indent="-333375" algn="l">
+            <a:pPr marL="777875" lvl="1" indent="-333375" algn="l">
               <a:buSzPct val="145000"/>
               <a:buChar char="‣"/>
             </a:pPr>
             <a:r>
-              <a:t>IDE plugins: lombok, java micro harness(jmh)  </a:t>
-            </a:r>
+              <a:rPr dirty="0"/>
+              <a:t>IDE plugins: </a:t>
+            </a:r>
+            <a:r>
+              <a:rPr dirty="0" err="1"/>
+              <a:t>lombok</a:t>
+            </a:r>
+            <a:r>
+              <a:rPr dirty="0"/>
+              <a:t>, java micro harness(</a:t>
+            </a:r>
+            <a:r>
+              <a:rPr dirty="0" err="1"/>
+              <a:t>jmh</a:t>
+            </a:r>
+            <a:r>
+              <a:rPr dirty="0" smtClean="0"/>
+              <a:t>)</a:t>
+            </a:r>
+            <a:r>
+              <a:rPr lang="en-US" dirty="0" smtClean="0"/>
+              <a:t>, </a:t>
+            </a:r>
+            <a:r>
+              <a:rPr lang="en-US" dirty="0" err="1" smtClean="0"/>
+              <a:t>visualVM</a:t>
+            </a:r>
+            <a:r>
+              <a:rPr lang="en-US" dirty="0" smtClean="0"/>
+              <a:t>(opt.)</a:t>
+            </a:r>
+            <a:r>
+              <a:rPr dirty="0" smtClean="0"/>
+              <a:t>  </a:t>
+            </a:r>
+            <a:endParaRPr dirty="0"/>
           </a:p>
           <a:p>
             <a:pPr marL="333375" indent="-333375" algn="l">
@@ -3807,35 +3962,52 @@
               <a:buChar char="‣"/>
             </a:pPr>
             <a:r>
+              <a:rPr dirty="0"/>
               <a:t>Context</a:t>
             </a:r>
           </a:p>
           <a:p>
-            <a:pPr lvl="1" marL="777875" indent="-333375" algn="l">
+            <a:pPr marL="777875" lvl="1" indent="-333375" algn="l">
               <a:buSzPct val="145000"/>
               <a:buChar char="‣"/>
             </a:pPr>
             <a:r>
+              <a:rPr dirty="0"/>
               <a:t>Types of systems modeling</a:t>
             </a:r>
           </a:p>
           <a:p>
-            <a:pPr lvl="1" marL="777875" indent="-333375" algn="l">
+            <a:pPr marL="777875" lvl="1" indent="-333375" algn="l">
               <a:buSzPct val="145000"/>
               <a:buChar char="‣"/>
             </a:pPr>
             <a:r>
-              <a:t>Workflow engine vs Statemachine </a:t>
-            </a:r>
-          </a:p>
-          <a:p>
-            <a:pPr lvl="1" marL="777875" indent="-333375" algn="l">
+              <a:rPr dirty="0"/>
+              <a:t>Workflow engine vs </a:t>
+            </a:r>
+            <a:r>
+              <a:rPr dirty="0" err="1"/>
+              <a:t>Statemachine</a:t>
+            </a:r>
+            <a:r>
+              <a:rPr dirty="0"/>
+              <a:t> </a:t>
+            </a:r>
+          </a:p>
+          <a:p>
+            <a:pPr marL="777875" lvl="1" indent="-333375" algn="l">
               <a:buSzPct val="145000"/>
               <a:buChar char="‣"/>
             </a:pPr>
             <a:r>
-              <a:t>Building blocks of Statemachine</a:t>
-            </a:r>
+              <a:rPr dirty="0"/>
+              <a:t>Building blocks of </a:t>
+            </a:r>
+            <a:r>
+              <a:rPr dirty="0" err="1"/>
+              <a:t>Statemachine</a:t>
+            </a:r>
+            <a:endParaRPr dirty="0"/>
           </a:p>
           <a:p>
             <a:pPr marL="333375" indent="-333375" algn="l">
@@ -3843,42 +4015,55 @@
               <a:buChar char="‣"/>
             </a:pPr>
             <a:r>
+              <a:rPr dirty="0"/>
               <a:t>SSM Concepts</a:t>
             </a:r>
           </a:p>
           <a:p>
-            <a:pPr lvl="1" marL="777875" indent="-333375" algn="l">
+            <a:pPr marL="777875" lvl="1" indent="-333375" algn="l">
               <a:buSzPct val="145000"/>
               <a:buChar char="‣"/>
             </a:pPr>
             <a:r>
+              <a:rPr dirty="0"/>
               <a:t>What?</a:t>
             </a:r>
           </a:p>
           <a:p>
-            <a:pPr lvl="1" marL="777875" indent="-333375" algn="l">
+            <a:pPr marL="777875" lvl="1" indent="-333375" algn="l">
               <a:buSzPct val="145000"/>
               <a:buChar char="‣"/>
             </a:pPr>
             <a:r>
+              <a:rPr dirty="0"/>
               <a:t>Why? </a:t>
             </a:r>
           </a:p>
           <a:p>
-            <a:pPr lvl="1" marL="777875" indent="-333375" algn="l">
+            <a:pPr marL="777875" lvl="1" indent="-333375" algn="l">
               <a:buSzPct val="145000"/>
               <a:buChar char="‣"/>
             </a:pPr>
             <a:r>
-              <a:t>Hands-on: Modeling RESTfull APIs using SSM</a:t>
-            </a:r>
-          </a:p>
-          <a:p>
-            <a:pPr lvl="1" marL="777875" indent="-333375" algn="l">
+              <a:rPr dirty="0"/>
+              <a:t>Hands-on: Modeling </a:t>
+            </a:r>
+            <a:r>
+              <a:rPr dirty="0" err="1"/>
+              <a:t>RESTfull</a:t>
+            </a:r>
+            <a:r>
+              <a:rPr dirty="0"/>
+              <a:t> APIs using SSM</a:t>
+            </a:r>
+          </a:p>
+          <a:p>
+            <a:pPr marL="777875" lvl="1" indent="-333375" algn="l">
               <a:buSzPct val="145000"/>
               <a:buChar char="‣"/>
             </a:pPr>
             <a:r>
+              <a:rPr dirty="0"/>
               <a:t>Benchmark</a:t>
             </a:r>
           </a:p>
@@ -3889,12 +4074,12 @@
   <p:clrMapOvr>
     <a:masterClrMapping/>
   </p:clrMapOvr>
-  <p:transition xmlns:p14="http://schemas.microsoft.com/office/powerpoint/2010/main" spd="med" advClick="1"/>
+  <p:transition spd="med"/>
 </p:sld>
 </file>
 
 <file path=ppt/slides/slide3.xml><?xml version="1.0" encoding="utf-8"?>
-<p:sld xmlns:a="http://schemas.openxmlformats.org/drawingml/2006/main" xmlns:r="http://schemas.openxmlformats.org/officeDocument/2006/relationships" xmlns:p="http://schemas.openxmlformats.org/presentationml/2006/main" xmlns:m="http://schemas.openxmlformats.org/officeDocument/2006/math" xmlns:a14="http://schemas.microsoft.com/office/drawing/2010/main" showMasterSp="1" showMasterPhAnim="1">
+<p:sld xmlns:a="http://schemas.openxmlformats.org/drawingml/2006/main" xmlns:r="http://schemas.openxmlformats.org/officeDocument/2006/relationships" xmlns:p="http://schemas.openxmlformats.org/presentationml/2006/main">
   <p:cSld>
     <p:spTree>
       <p:nvGrpSpPr>
@@ -3913,7 +4098,9 @@
       <p:sp>
         <p:nvSpPr>
           <p:cNvPr id="128" name="Slide Number"/>
-          <p:cNvSpPr txBox="1"/>
+          <p:cNvSpPr txBox="1">
+            <a:spLocks noGrp="1"/>
+          </p:cNvSpPr>
           <p:nvPr>
             <p:ph type="sldNum" sz="quarter" idx="2"/>
           </p:nvPr>
@@ -3928,7 +4115,7 @@
           </a:prstGeom>
           <a:extLst>
             <a:ext uri="{C572A759-6A51-4108-AA02-DFA0A04FC94B}">
-              <ma14:wrappingTextBoxFlag xmlns:ma14="http://schemas.microsoft.com/office/mac/drawingml/2011/main" val="1"/>
+              <ma14:wrappingTextBoxFlag xmlns:ma14="http://schemas.microsoft.com/office/mac/drawingml/2011/main" xmlns:a14="http://schemas.microsoft.com/office/drawing/2010/main" xmlns:m="http://schemas.openxmlformats.org/officeDocument/2006/math" xmlns="" val="1"/>
             </a:ext>
           </a:extLst>
         </p:spPr>
@@ -3936,8 +4123,10 @@
           <a:bodyPr/>
           <a:lstStyle/>
           <a:p>
-            <a:pPr/>
-            <a:fld id="{86CB4B4D-7CA3-9044-876B-883B54F8677D}" type="slidenum"/>
+            <a:fld id="{86CB4B4D-7CA3-9044-876B-883B54F8677D}" type="slidenum">
+              <a:t>3</a:t>
+            </a:fld>
+            <a:endParaRPr/>
           </a:p>
         </p:txBody>
       </p:sp>
@@ -3949,7 +4138,7 @@
         </p:nvSpPr>
         <p:spPr>
           <a:xfrm>
-            <a:off x="4338421" y="517806"/>
+            <a:off x="6234344" y="310330"/>
             <a:ext cx="3883458" cy="461059"/>
           </a:xfrm>
           <a:prstGeom prst="rect">
@@ -3960,7 +4149,7 @@
           </a:ln>
           <a:extLst>
             <a:ext uri="{C572A759-6A51-4108-AA02-DFA0A04FC94B}">
-              <ma14:wrappingTextBoxFlag xmlns:ma14="http://schemas.microsoft.com/office/mac/drawingml/2011/main" val="1"/>
+              <ma14:wrappingTextBoxFlag xmlns:ma14="http://schemas.microsoft.com/office/mac/drawingml/2011/main" xmlns:a14="http://schemas.microsoft.com/office/drawing/2010/main" xmlns:m="http://schemas.openxmlformats.org/officeDocument/2006/math" xmlns="" val="1"/>
             </a:ext>
           </a:extLst>
         </p:spPr>
@@ -3970,8 +4159,8 @@
           </a:bodyPr>
           <a:lstStyle/>
           <a:p>
-            <a:pPr/>
-            <a:r>
+            <a:r>
+              <a:rPr dirty="0"/>
               <a:t>Types of system modeling</a:t>
             </a:r>
           </a:p>
@@ -3985,7 +4174,7 @@
         </p:nvSpPr>
         <p:spPr>
           <a:xfrm>
-            <a:off x="713060" y="1708149"/>
+            <a:off x="580274" y="1272692"/>
             <a:ext cx="5128618" cy="2006601"/>
           </a:xfrm>
           <a:prstGeom prst="rect">
@@ -3996,7 +4185,7 @@
           </a:ln>
           <a:extLst>
             <a:ext uri="{C572A759-6A51-4108-AA02-DFA0A04FC94B}">
-              <ma14:wrappingTextBoxFlag xmlns:ma14="http://schemas.microsoft.com/office/mac/drawingml/2011/main" val="1"/>
+              <ma14:wrappingTextBoxFlag xmlns:ma14="http://schemas.microsoft.com/office/mac/drawingml/2011/main" xmlns:a14="http://schemas.microsoft.com/office/drawing/2010/main" xmlns:m="http://schemas.openxmlformats.org/officeDocument/2006/math" xmlns="" val="1"/>
             </a:ext>
           </a:extLst>
         </p:spPr>
@@ -4013,7 +4202,7 @@
               <a:spcBef>
                 <a:spcPts val="700"/>
               </a:spcBef>
-              <a:defRPr b="0" sz="1400">
+              <a:defRPr sz="1400" b="0">
                 <a:solidFill>
                   <a:srgbClr val="222222"/>
                 </a:solidFill>
@@ -4024,6 +4213,7 @@
               </a:defRPr>
             </a:pPr>
             <a:r>
+              <a:rPr dirty="0"/>
               <a:t>In business and IT development systems are modeled with different scopes and scales of complexity, such as:</a:t>
             </a:r>
           </a:p>
@@ -4041,7 +4231,7 @@
               <a:buSzPct val="75000"/>
               <a:buFont typeface="Helvetica"/>
               <a:buChar char="•"/>
-              <a:defRPr b="0" sz="1400">
+              <a:defRPr sz="1400" b="0">
                 <a:solidFill>
                   <a:srgbClr val="0B0080"/>
                 </a:solidFill>
@@ -4052,12 +4242,12 @@
               </a:defRPr>
             </a:pPr>
             <a:r>
-              <a:rPr u="sng">
-                <a:hlinkClick r:id="rId2" invalidUrl="" action="" tgtFrame="" tooltip="" history="1" highlightClick="0" endSnd="0"/>
+              <a:rPr u="sng" dirty="0">
+                <a:hlinkClick r:id="rId2"/>
               </a:rPr>
               <a:t>Functional modeling</a:t>
             </a:r>
-            <a:endParaRPr>
+            <a:endParaRPr dirty="0">
               <a:solidFill>
                 <a:srgbClr val="222222"/>
               </a:solidFill>
@@ -4077,7 +4267,7 @@
               <a:buSzPct val="75000"/>
               <a:buFont typeface="Helvetica"/>
               <a:buChar char="•"/>
-              <a:defRPr b="0" sz="1400">
+              <a:defRPr sz="1400" b="0">
                 <a:solidFill>
                   <a:srgbClr val="0B0080"/>
                 </a:solidFill>
@@ -4088,12 +4278,12 @@
               </a:defRPr>
             </a:pPr>
             <a:r>
-              <a:rPr u="sng">
-                <a:hlinkClick r:id="rId3" invalidUrl="" action="" tgtFrame="" tooltip="" history="1" highlightClick="0" endSnd="0"/>
+              <a:rPr u="sng" dirty="0">
+                <a:hlinkClick r:id="rId3"/>
               </a:rPr>
               <a:t>Systems architecture</a:t>
             </a:r>
-            <a:endParaRPr>
+            <a:endParaRPr dirty="0">
               <a:solidFill>
                 <a:srgbClr val="222222"/>
               </a:solidFill>
@@ -4113,7 +4303,7 @@
               <a:buSzPct val="75000"/>
               <a:buFont typeface="Helvetica"/>
               <a:buChar char="•"/>
-              <a:defRPr b="0" sz="1400">
+              <a:defRPr sz="1400" b="0">
                 <a:solidFill>
                   <a:srgbClr val="0B0080"/>
                 </a:solidFill>
@@ -4124,12 +4314,12 @@
               </a:defRPr>
             </a:pPr>
             <a:r>
-              <a:rPr u="sng">
-                <a:hlinkClick r:id="rId4" invalidUrl="" action="" tgtFrame="" tooltip="" history="1" highlightClick="0" endSnd="0"/>
+              <a:rPr u="sng" dirty="0">
+                <a:hlinkClick r:id="rId4"/>
               </a:rPr>
               <a:t>Business process modeling</a:t>
             </a:r>
-            <a:endParaRPr>
+            <a:endParaRPr dirty="0">
               <a:solidFill>
                 <a:srgbClr val="222222"/>
               </a:solidFill>
@@ -4149,7 +4339,7 @@
               <a:buSzPct val="75000"/>
               <a:buFont typeface="Helvetica"/>
               <a:buChar char="•"/>
-              <a:defRPr b="0" sz="1400">
+              <a:defRPr sz="1400" b="0">
                 <a:solidFill>
                   <a:srgbClr val="0B0080"/>
                 </a:solidFill>
@@ -4160,12 +4350,12 @@
               </a:defRPr>
             </a:pPr>
             <a:r>
-              <a:rPr u="sng">
-                <a:hlinkClick r:id="rId5" invalidUrl="" action="" tgtFrame="" tooltip="" history="1" highlightClick="0" endSnd="0"/>
+              <a:rPr u="sng" dirty="0">
+                <a:hlinkClick r:id="rId5"/>
               </a:rPr>
               <a:t>Enterprise modeling</a:t>
             </a:r>
-            <a:endParaRPr>
+            <a:endParaRPr dirty="0">
               <a:solidFill>
                 <a:srgbClr val="222222"/>
               </a:solidFill>
@@ -4183,7 +4373,7 @@
                 <a:tab pos="139700" algn="l"/>
                 <a:tab pos="457200" algn="l"/>
               </a:tabLst>
-              <a:defRPr b="0" sz="1400">
+              <a:defRPr sz="1400" b="0">
                 <a:solidFill>
                   <a:srgbClr val="0B0080"/>
                 </a:solidFill>
@@ -4193,7 +4383,7 @@
                 <a:sym typeface="Helvetica"/>
               </a:defRPr>
             </a:pPr>
-            <a:endParaRPr>
+            <a:endParaRPr dirty="0">
               <a:solidFill>
                 <a:srgbClr val="222222"/>
               </a:solidFill>
@@ -4211,7 +4401,7 @@
                 <a:tab pos="139700" algn="l"/>
                 <a:tab pos="457200" algn="l"/>
               </a:tabLst>
-              <a:defRPr b="0" sz="1400">
+              <a:defRPr sz="1400" b="0">
                 <a:solidFill>
                   <a:srgbClr val="0B0080"/>
                 </a:solidFill>
@@ -4222,7 +4412,7 @@
               </a:defRPr>
             </a:pPr>
             <a:r>
-              <a:rPr>
+              <a:rPr dirty="0">
                 <a:solidFill>
                   <a:srgbClr val="222222"/>
                 </a:solidFill>
@@ -4230,13 +4420,13 @@
               <a:t>(Source: </a:t>
             </a:r>
             <a:r>
-              <a:rPr u="sng">
-                <a:hlinkClick r:id="rId6" invalidUrl="" action="" tgtFrame="" tooltip="" history="1" highlightClick="0" endSnd="0"/>
+              <a:rPr u="sng" dirty="0">
+                <a:hlinkClick r:id="rId6"/>
               </a:rPr>
               <a:t>https://en.wikipedia.org/wiki/Systems_modeling</a:t>
             </a:r>
             <a:r>
-              <a:rPr>
+              <a:rPr dirty="0">
                 <a:solidFill>
                   <a:srgbClr val="222222"/>
                 </a:solidFill>
@@ -4264,7 +4454,7 @@
         </p:blipFill>
         <p:spPr>
           <a:xfrm>
-            <a:off x="580274" y="6354420"/>
+            <a:off x="580274" y="6787014"/>
             <a:ext cx="5394190" cy="2509386"/>
           </a:xfrm>
           <a:prstGeom prst="rect">
@@ -4294,7 +4484,7 @@
           </a:ln>
           <a:extLst>
             <a:ext uri="{C572A759-6A51-4108-AA02-DFA0A04FC94B}">
-              <ma14:wrappingTextBoxFlag xmlns:ma14="http://schemas.microsoft.com/office/mac/drawingml/2011/main" val="1"/>
+              <ma14:wrappingTextBoxFlag xmlns:ma14="http://schemas.microsoft.com/office/mac/drawingml/2011/main" xmlns:a14="http://schemas.microsoft.com/office/drawing/2010/main" xmlns:m="http://schemas.openxmlformats.org/officeDocument/2006/math" xmlns="" val="1"/>
             </a:ext>
           </a:extLst>
         </p:spPr>
@@ -4308,7 +4498,7 @@
               <a:lnSpc>
                 <a:spcPts val="3200"/>
               </a:lnSpc>
-              <a:defRPr b="0" sz="1400">
+              <a:defRPr sz="1400" b="0">
                 <a:solidFill>
                   <a:srgbClr val="222222"/>
                 </a:solidFill>
@@ -4319,83 +4509,89 @@
               </a:defRPr>
             </a:pPr>
             <a:r>
-              <a:rPr>
+              <a:rPr dirty="0">
                 <a:solidFill>
                   <a:srgbClr val="0B0080"/>
                 </a:solidFill>
-                <a:hlinkClick r:id="rId8" invalidUrl="" action="" tgtFrame="" tooltip="" history="1" highlightClick="0" endSnd="0"/>
+                <a:hlinkClick r:id="rId8"/>
               </a:rPr>
               <a:t>Business Process Model and Notation</a:t>
             </a:r>
             <a:r>
+              <a:rPr dirty="0"/>
               <a:t> (BPMN) is a </a:t>
             </a:r>
             <a:r>
-              <a:rPr>
+              <a:rPr dirty="0">
                 <a:solidFill>
                   <a:srgbClr val="0B0080"/>
                 </a:solidFill>
-                <a:hlinkClick r:id="rId9" invalidUrl="" action="" tgtFrame="" tooltip="" history="1" highlightClick="0" endSnd="0"/>
+                <a:hlinkClick r:id="rId9"/>
               </a:rPr>
               <a:t>graphical representation</a:t>
             </a:r>
             <a:r>
+              <a:rPr dirty="0"/>
               <a:t> for specifying </a:t>
             </a:r>
             <a:r>
-              <a:rPr>
+              <a:rPr dirty="0">
                 <a:solidFill>
                   <a:srgbClr val="0B0080"/>
                 </a:solidFill>
-                <a:hlinkClick r:id="rId10" invalidUrl="" action="" tgtFrame="" tooltip="" history="1" highlightClick="0" endSnd="0"/>
+                <a:hlinkClick r:id="rId10"/>
               </a:rPr>
               <a:t>business processes</a:t>
             </a:r>
             <a:r>
+              <a:rPr dirty="0"/>
               <a:t> in a </a:t>
             </a:r>
             <a:r>
-              <a:rPr>
+              <a:rPr dirty="0">
                 <a:solidFill>
                   <a:srgbClr val="0B0080"/>
                 </a:solidFill>
-                <a:hlinkClick r:id="rId11" invalidUrl="" action="" tgtFrame="" tooltip="" history="1" highlightClick="0" endSnd="0"/>
+                <a:hlinkClick r:id="rId11"/>
               </a:rPr>
               <a:t>workflow</a:t>
             </a:r>
             <a:r>
+              <a:rPr dirty="0"/>
               <a:t>. BPMN was developed by </a:t>
             </a:r>
             <a:r>
-              <a:rPr>
+              <a:rPr dirty="0">
                 <a:solidFill>
                   <a:srgbClr val="0B0080"/>
                 </a:solidFill>
-                <a:hlinkClick r:id="rId12" invalidUrl="" action="" tgtFrame="" tooltip="" history="1" highlightClick="0" endSnd="0"/>
+                <a:hlinkClick r:id="rId12"/>
               </a:rPr>
               <a:t>Business Process Management Initiative</a:t>
             </a:r>
             <a:r>
+              <a:rPr dirty="0"/>
               <a:t> (BPMI), and is currently maintained by the </a:t>
             </a:r>
             <a:r>
-              <a:rPr>
+              <a:rPr dirty="0">
                 <a:solidFill>
                   <a:srgbClr val="0B0080"/>
                 </a:solidFill>
-                <a:hlinkClick r:id="rId13" invalidUrl="" action="" tgtFrame="" tooltip="" history="1" highlightClick="0" endSnd="0"/>
+                <a:hlinkClick r:id="rId13"/>
               </a:rPr>
               <a:t>Object Management Group</a:t>
             </a:r>
             <a:r>
+              <a:rPr dirty="0"/>
               <a:t> since the two organizations merged in 2005. The current version of BPMN is 2.0.</a:t>
             </a:r>
             <a:r>
-              <a:rPr baseline="31999" sz="1200">
+              <a:rPr sz="1200" baseline="31999" dirty="0">
                 <a:solidFill>
                   <a:srgbClr val="0B0080"/>
                 </a:solidFill>
-                <a:hlinkClick r:id="rId14" invalidUrl="" action="" tgtFrame="" tooltip="" history="1" highlightClick="0" endSnd="0"/>
+                <a:hlinkClick r:id="rId14"/>
               </a:rPr>
               <a:t>[29]</a:t>
             </a:r>
@@ -4410,7 +4606,7 @@
         </p:nvSpPr>
         <p:spPr>
           <a:xfrm>
-            <a:off x="7212428" y="1721155"/>
+            <a:off x="7420805" y="1450184"/>
             <a:ext cx="4079045" cy="1134111"/>
           </a:xfrm>
           <a:prstGeom prst="rect">
@@ -4421,7 +4617,7 @@
           </a:ln>
           <a:extLst>
             <a:ext uri="{C572A759-6A51-4108-AA02-DFA0A04FC94B}">
-              <ma14:wrappingTextBoxFlag xmlns:ma14="http://schemas.microsoft.com/office/mac/drawingml/2011/main" val="1"/>
+              <ma14:wrappingTextBoxFlag xmlns:ma14="http://schemas.microsoft.com/office/mac/drawingml/2011/main" xmlns:a14="http://schemas.microsoft.com/office/drawing/2010/main" xmlns:m="http://schemas.openxmlformats.org/officeDocument/2006/math" xmlns="" val="1"/>
             </a:ext>
           </a:extLst>
         </p:spPr>
@@ -4438,7 +4634,7 @@
               <a:spcBef>
                 <a:spcPts val="400"/>
               </a:spcBef>
-              <a:defRPr b="0" sz="1800">
+              <a:defRPr sz="1800" b="0">
                 <a:latin typeface="Georgia"/>
                 <a:ea typeface="Georgia"/>
                 <a:cs typeface="Georgia"/>
@@ -4446,10 +4642,11 @@
               </a:defRPr>
             </a:pPr>
             <a:r>
+              <a:rPr dirty="0"/>
               <a:t>Specific types of modeling languages</a:t>
             </a:r>
             <a:r>
-              <a:rPr sz="1000">
+              <a:rPr sz="1000" dirty="0">
                 <a:solidFill>
                   <a:srgbClr val="54595D"/>
                 </a:solidFill>
@@ -4461,7 +4658,7 @@
               <a:t>[</a:t>
             </a:r>
             <a:r>
-              <a:rPr sz="1000">
+              <a:rPr sz="1000" dirty="0">
                 <a:solidFill>
                   <a:srgbClr val="0B0080"/>
                 </a:solidFill>
@@ -4469,12 +4666,12 @@
                 <a:ea typeface="Helvetica"/>
                 <a:cs typeface="Helvetica"/>
                 <a:sym typeface="Helvetica"/>
-                <a:hlinkClick r:id="rId15" invalidUrl="" action="" tgtFrame="" tooltip="" history="1" highlightClick="0" endSnd="0"/>
+                <a:hlinkClick r:id="rId15"/>
               </a:rPr>
               <a:t>edit</a:t>
             </a:r>
             <a:r>
-              <a:rPr sz="1000">
+              <a:rPr sz="1000" dirty="0">
                 <a:solidFill>
                   <a:srgbClr val="54595D"/>
                 </a:solidFill>
@@ -4500,7 +4697,7 @@
               <a:buSzPct val="145000"/>
               <a:buFont typeface="Helvetica"/>
               <a:buChar char="•"/>
-              <a:defRPr b="0" sz="1400">
+              <a:defRPr sz="1400" b="0">
                 <a:solidFill>
                   <a:srgbClr val="0B0080"/>
                 </a:solidFill>
@@ -4511,12 +4708,12 @@
               </a:defRPr>
             </a:pPr>
             <a:r>
-              <a:rPr u="sng">
-                <a:hlinkClick r:id="rId16" invalidUrl="" action="" tgtFrame="" tooltip="" history="1" highlightClick="0" endSnd="0"/>
+              <a:rPr u="sng" dirty="0">
+                <a:hlinkClick r:id="rId16"/>
               </a:rPr>
               <a:t>Framework-specific modeling language</a:t>
             </a:r>
-            <a:endParaRPr>
+            <a:endParaRPr dirty="0">
               <a:solidFill>
                 <a:srgbClr val="222222"/>
               </a:solidFill>
@@ -4536,7 +4733,7 @@
               <a:buSzPct val="145000"/>
               <a:buFont typeface="Helvetica"/>
               <a:buChar char="•"/>
-              <a:defRPr b="0" sz="1400">
+              <a:defRPr sz="1400" b="0">
                 <a:solidFill>
                   <a:srgbClr val="0B0080"/>
                 </a:solidFill>
@@ -4547,12 +4744,12 @@
               </a:defRPr>
             </a:pPr>
             <a:r>
-              <a:rPr u="sng">
-                <a:hlinkClick r:id="rId17" invalidUrl="" action="" tgtFrame="" tooltip="" history="1" highlightClick="0" endSnd="0"/>
+              <a:rPr u="sng" dirty="0">
+                <a:hlinkClick r:id="rId17"/>
               </a:rPr>
               <a:t>Systems Modeling Language</a:t>
             </a:r>
-            <a:endParaRPr>
+            <a:endParaRPr dirty="0">
               <a:solidFill>
                 <a:srgbClr val="222222"/>
               </a:solidFill>
@@ -4568,7 +4765,7 @@
         </p:nvSpPr>
         <p:spPr>
           <a:xfrm>
-            <a:off x="7727763" y="2665863"/>
+            <a:off x="7113092" y="4370375"/>
             <a:ext cx="3400637" cy="2941321"/>
           </a:xfrm>
           <a:prstGeom prst="rect">
@@ -4579,7 +4776,7 @@
           </a:ln>
           <a:extLst>
             <a:ext uri="{C572A759-6A51-4108-AA02-DFA0A04FC94B}">
-              <ma14:wrappingTextBoxFlag xmlns:ma14="http://schemas.microsoft.com/office/mac/drawingml/2011/main" val="1"/>
+              <ma14:wrappingTextBoxFlag xmlns:ma14="http://schemas.microsoft.com/office/mac/drawingml/2011/main" xmlns:a14="http://schemas.microsoft.com/office/drawing/2010/main" xmlns:m="http://schemas.openxmlformats.org/officeDocument/2006/math" xmlns="" val="1"/>
             </a:ext>
           </a:extLst>
         </p:spPr>
@@ -4596,7 +4793,7 @@
               <a:spcBef>
                 <a:spcPts val="700"/>
               </a:spcBef>
-              <a:defRPr b="0" sz="1400">
+              <a:defRPr sz="1400" b="0">
                 <a:solidFill>
                   <a:srgbClr val="222222"/>
                 </a:solidFill>
@@ -4607,18 +4804,24 @@
               </a:defRPr>
             </a:pPr>
             <a:r>
-              <a:t>SysML includes 9 types of diagram, some of which are taken from </a:t>
-            </a:r>
-            <a:r>
-              <a:rPr>
+              <a:rPr dirty="0" err="1"/>
+              <a:t>SysML</a:t>
+            </a:r>
+            <a:r>
+              <a:rPr dirty="0"/>
+              <a:t> includes 9 types of diagram, some of which are taken from </a:t>
+            </a:r>
+            <a:r>
+              <a:rPr dirty="0">
                 <a:solidFill>
                   <a:srgbClr val="0B0080"/>
                 </a:solidFill>
-                <a:hlinkClick r:id="rId18" invalidUrl="" action="" tgtFrame="" tooltip="" history="1" highlightClick="0" endSnd="0"/>
+                <a:hlinkClick r:id="rId18"/>
               </a:rPr>
               <a:t>UML</a:t>
             </a:r>
             <a:r>
+              <a:rPr dirty="0"/>
               <a:t>.</a:t>
             </a:r>
           </a:p>
@@ -4636,7 +4839,7 @@
               <a:buSzPct val="75000"/>
               <a:buFont typeface="Helvetica"/>
               <a:buChar char="•"/>
-              <a:defRPr b="0" sz="1400">
+              <a:defRPr sz="1400" b="0">
                 <a:solidFill>
                   <a:srgbClr val="A55858"/>
                 </a:solidFill>
@@ -4647,12 +4850,12 @@
               </a:defRPr>
             </a:pPr>
             <a:r>
-              <a:rPr u="sng">
-                <a:hlinkClick r:id="rId19" invalidUrl="" action="" tgtFrame="" tooltip="" history="1" highlightClick="0" endSnd="0"/>
+              <a:rPr u="sng" dirty="0">
+                <a:hlinkClick r:id="rId19"/>
               </a:rPr>
               <a:t>Block definition diagram</a:t>
             </a:r>
-            <a:endParaRPr>
+            <a:endParaRPr dirty="0">
               <a:solidFill>
                 <a:srgbClr val="222222"/>
               </a:solidFill>
@@ -4672,7 +4875,7 @@
               <a:buSzPct val="75000"/>
               <a:buFont typeface="Helvetica"/>
               <a:buChar char="•"/>
-              <a:defRPr b="0" sz="1400">
+              <a:defRPr sz="1400" b="0">
                 <a:solidFill>
                   <a:srgbClr val="A55858"/>
                 </a:solidFill>
@@ -4683,12 +4886,12 @@
               </a:defRPr>
             </a:pPr>
             <a:r>
-              <a:rPr u="sng">
-                <a:hlinkClick r:id="rId20" invalidUrl="" action="" tgtFrame="" tooltip="" history="1" highlightClick="0" endSnd="0"/>
+              <a:rPr u="sng" dirty="0">
+                <a:hlinkClick r:id="rId20"/>
               </a:rPr>
               <a:t>Internal block diagram</a:t>
             </a:r>
-            <a:endParaRPr>
+            <a:endParaRPr dirty="0">
               <a:solidFill>
                 <a:srgbClr val="222222"/>
               </a:solidFill>
@@ -4708,7 +4911,7 @@
               <a:buSzPct val="75000"/>
               <a:buFont typeface="Helvetica"/>
               <a:buChar char="•"/>
-              <a:defRPr b="0" sz="1400">
+              <a:defRPr sz="1400" b="0">
                 <a:solidFill>
                   <a:srgbClr val="0B0080"/>
                 </a:solidFill>
@@ -4719,12 +4922,12 @@
               </a:defRPr>
             </a:pPr>
             <a:r>
-              <a:rPr u="sng">
-                <a:hlinkClick r:id="rId21" invalidUrl="" action="" tgtFrame="" tooltip="" history="1" highlightClick="0" endSnd="0"/>
+              <a:rPr u="sng" dirty="0">
+                <a:hlinkClick r:id="rId21"/>
               </a:rPr>
               <a:t>Package diagram</a:t>
             </a:r>
-            <a:endParaRPr>
+            <a:endParaRPr dirty="0">
               <a:solidFill>
                 <a:srgbClr val="222222"/>
               </a:solidFill>
@@ -4744,7 +4947,7 @@
               <a:buSzPct val="75000"/>
               <a:buFont typeface="Helvetica"/>
               <a:buChar char="•"/>
-              <a:defRPr b="0" sz="1400">
+              <a:defRPr sz="1400" b="0">
                 <a:solidFill>
                   <a:srgbClr val="0B0080"/>
                 </a:solidFill>
@@ -4755,12 +4958,12 @@
               </a:defRPr>
             </a:pPr>
             <a:r>
-              <a:rPr u="sng">
-                <a:hlinkClick r:id="rId22" invalidUrl="" action="" tgtFrame="" tooltip="" history="1" highlightClick="0" endSnd="0"/>
+              <a:rPr u="sng" dirty="0">
+                <a:hlinkClick r:id="rId22"/>
               </a:rPr>
               <a:t>Use case diagram</a:t>
             </a:r>
-            <a:endParaRPr>
+            <a:endParaRPr dirty="0">
               <a:solidFill>
                 <a:srgbClr val="222222"/>
               </a:solidFill>
@@ -4780,7 +4983,7 @@
               <a:buSzPct val="75000"/>
               <a:buFont typeface="Helvetica"/>
               <a:buChar char="•"/>
-              <a:defRPr b="0" sz="1400">
+              <a:defRPr sz="1400" b="0">
                 <a:solidFill>
                   <a:srgbClr val="0B0080"/>
                 </a:solidFill>
@@ -4791,12 +4994,12 @@
               </a:defRPr>
             </a:pPr>
             <a:r>
-              <a:rPr u="sng">
-                <a:hlinkClick r:id="rId23" invalidUrl="" action="" tgtFrame="" tooltip="" history="1" highlightClick="0" endSnd="0"/>
+              <a:rPr u="sng" dirty="0">
+                <a:hlinkClick r:id="rId23"/>
               </a:rPr>
               <a:t>Requirement Diagram</a:t>
             </a:r>
-            <a:endParaRPr>
+            <a:endParaRPr dirty="0">
               <a:solidFill>
                 <a:srgbClr val="222222"/>
               </a:solidFill>
@@ -4816,7 +5019,7 @@
               <a:buSzPct val="75000"/>
               <a:buFont typeface="Helvetica"/>
               <a:buChar char="•"/>
-              <a:defRPr b="0" sz="1400">
+              <a:defRPr sz="1400" b="0">
                 <a:solidFill>
                   <a:srgbClr val="0B0080"/>
                 </a:solidFill>
@@ -4827,12 +5030,12 @@
               </a:defRPr>
             </a:pPr>
             <a:r>
-              <a:rPr u="sng">
-                <a:hlinkClick r:id="rId24" invalidUrl="" action="" tgtFrame="" tooltip="" history="1" highlightClick="0" endSnd="0"/>
+              <a:rPr u="sng" dirty="0">
+                <a:hlinkClick r:id="rId24"/>
               </a:rPr>
               <a:t>Activity diagram</a:t>
             </a:r>
-            <a:endParaRPr>
+            <a:endParaRPr dirty="0">
               <a:solidFill>
                 <a:srgbClr val="222222"/>
               </a:solidFill>
@@ -4852,7 +5055,7 @@
               <a:buSzPct val="75000"/>
               <a:buFont typeface="Helvetica"/>
               <a:buChar char="•"/>
-              <a:defRPr b="0" sz="1400">
+              <a:defRPr sz="1400" b="0">
                 <a:solidFill>
                   <a:srgbClr val="0B0080"/>
                 </a:solidFill>
@@ -4863,12 +5066,12 @@
               </a:defRPr>
             </a:pPr>
             <a:r>
-              <a:rPr u="sng">
-                <a:hlinkClick r:id="rId25" invalidUrl="" action="" tgtFrame="" tooltip="" history="1" highlightClick="0" endSnd="0"/>
+              <a:rPr u="sng" dirty="0">
+                <a:hlinkClick r:id="rId25"/>
               </a:rPr>
               <a:t>Sequence diagram</a:t>
             </a:r>
-            <a:endParaRPr>
+            <a:endParaRPr dirty="0">
               <a:solidFill>
                 <a:srgbClr val="222222"/>
               </a:solidFill>
@@ -4888,7 +5091,7 @@
               <a:buSzPct val="75000"/>
               <a:buFont typeface="Helvetica"/>
               <a:buChar char="•"/>
-              <a:defRPr b="0" sz="1400">
+              <a:defRPr sz="1400" b="0">
                 <a:solidFill>
                   <a:srgbClr val="0B0080"/>
                 </a:solidFill>
@@ -4899,12 +5102,12 @@
               </a:defRPr>
             </a:pPr>
             <a:r>
-              <a:rPr u="sng">
-                <a:hlinkClick r:id="rId26" invalidUrl="" action="" tgtFrame="" tooltip="" history="1" highlightClick="0" endSnd="0"/>
+              <a:rPr u="sng" dirty="0">
+                <a:hlinkClick r:id="rId26"/>
               </a:rPr>
               <a:t>State machine diagram</a:t>
             </a:r>
-            <a:endParaRPr>
+            <a:endParaRPr dirty="0">
               <a:solidFill>
                 <a:srgbClr val="222222"/>
               </a:solidFill>
@@ -4924,7 +5127,7 @@
               <a:buSzPct val="75000"/>
               <a:buFont typeface="Helvetica"/>
               <a:buChar char="•"/>
-              <a:defRPr b="0" sz="1400">
+              <a:defRPr sz="1400" b="0">
                 <a:solidFill>
                   <a:srgbClr val="A55858"/>
                 </a:solidFill>
@@ -4935,12 +5138,12 @@
               </a:defRPr>
             </a:pPr>
             <a:r>
-              <a:rPr u="sng">
-                <a:hlinkClick r:id="rId27" invalidUrl="" action="" tgtFrame="" tooltip="" history="1" highlightClick="0" endSnd="0"/>
+              <a:rPr u="sng" dirty="0">
+                <a:hlinkClick r:id="rId27"/>
               </a:rPr>
               <a:t>Parametric diagram</a:t>
             </a:r>
-            <a:endParaRPr>
+            <a:endParaRPr dirty="0">
               <a:solidFill>
                 <a:srgbClr val="222222"/>
               </a:solidFill>
@@ -4966,7 +5169,7 @@
         </p:blipFill>
         <p:spPr>
           <a:xfrm>
-            <a:off x="8284879" y="6138452"/>
+            <a:off x="10685286" y="4697728"/>
             <a:ext cx="1934142" cy="2941322"/>
           </a:xfrm>
           <a:prstGeom prst="rect">
@@ -4982,12 +5185,12 @@
   <p:clrMapOvr>
     <a:masterClrMapping/>
   </p:clrMapOvr>
-  <p:transition xmlns:p14="http://schemas.microsoft.com/office/powerpoint/2010/main" spd="med" advClick="1"/>
+  <p:transition spd="med"/>
 </p:sld>
 </file>
 
 <file path=ppt/slides/slide4.xml><?xml version="1.0" encoding="utf-8"?>
-<p:sld xmlns:a="http://schemas.openxmlformats.org/drawingml/2006/main" xmlns:r="http://schemas.openxmlformats.org/officeDocument/2006/relationships" xmlns:p="http://schemas.openxmlformats.org/presentationml/2006/main" xmlns:m="http://schemas.openxmlformats.org/officeDocument/2006/math" xmlns:a14="http://schemas.microsoft.com/office/drawing/2010/main" showMasterSp="1" showMasterPhAnim="1">
+<p:sld xmlns:a="http://schemas.openxmlformats.org/drawingml/2006/main" xmlns:r="http://schemas.openxmlformats.org/officeDocument/2006/relationships" xmlns:p="http://schemas.openxmlformats.org/presentationml/2006/main">
   <p:cSld>
     <p:spTree>
       <p:nvGrpSpPr>
@@ -5006,7 +5209,9 @@
       <p:sp>
         <p:nvSpPr>
           <p:cNvPr id="137" name="Slide Number"/>
-          <p:cNvSpPr txBox="1"/>
+          <p:cNvSpPr txBox="1">
+            <a:spLocks noGrp="1"/>
+          </p:cNvSpPr>
           <p:nvPr>
             <p:ph type="sldNum" sz="quarter" idx="2"/>
           </p:nvPr>
@@ -5021,7 +5226,7 @@
           </a:prstGeom>
           <a:extLst>
             <a:ext uri="{C572A759-6A51-4108-AA02-DFA0A04FC94B}">
-              <ma14:wrappingTextBoxFlag xmlns:ma14="http://schemas.microsoft.com/office/mac/drawingml/2011/main" val="1"/>
+              <ma14:wrappingTextBoxFlag xmlns:ma14="http://schemas.microsoft.com/office/mac/drawingml/2011/main" xmlns:a14="http://schemas.microsoft.com/office/drawing/2010/main" xmlns:m="http://schemas.openxmlformats.org/officeDocument/2006/math" xmlns="" val="1"/>
             </a:ext>
           </a:extLst>
         </p:spPr>
@@ -5029,8 +5234,10 @@
           <a:bodyPr/>
           <a:lstStyle/>
           <a:p>
-            <a:pPr/>
-            <a:fld id="{86CB4B4D-7CA3-9044-876B-883B54F8677D}" type="slidenum"/>
+            <a:fld id="{86CB4B4D-7CA3-9044-876B-883B54F8677D}" type="slidenum">
+              <a:t>4</a:t>
+            </a:fld>
+            <a:endParaRPr/>
           </a:p>
         </p:txBody>
       </p:sp>
@@ -5053,7 +5260,7 @@
           </a:ln>
           <a:extLst>
             <a:ext uri="{C572A759-6A51-4108-AA02-DFA0A04FC94B}">
-              <ma14:wrappingTextBoxFlag xmlns:ma14="http://schemas.microsoft.com/office/mac/drawingml/2011/main" val="1"/>
+              <ma14:wrappingTextBoxFlag xmlns:ma14="http://schemas.microsoft.com/office/mac/drawingml/2011/main" xmlns:a14="http://schemas.microsoft.com/office/drawing/2010/main" xmlns:m="http://schemas.openxmlformats.org/officeDocument/2006/math" xmlns="" val="1"/>
             </a:ext>
           </a:extLst>
         </p:spPr>
@@ -5063,7 +5270,6 @@
           </a:bodyPr>
           <a:lstStyle/>
           <a:p>
-            <a:pPr/>
             <a:r>
               <a:t>Workflow engine vs. Statemachine </a:t>
             </a:r>
@@ -5078,12 +5284,12 @@
         </p:nvGraphicFramePr>
         <p:xfrm>
           <a:off x="927149" y="1637582"/>
-          <a:ext cx="10911492" cy="5502554"/>
+          <a:ext cx="10898790" cy="5894524"/>
         </p:xfrm>
-        <a:graphic xmlns:a="http://schemas.openxmlformats.org/drawingml/2006/main">
+        <a:graphic>
           <a:graphicData uri="http://schemas.openxmlformats.org/drawingml/2006/table">
             <a:tbl>
-              <a:tblPr firstCol="1" firstRow="1" lastCol="0" lastRow="0" bandCol="0" bandRow="0" rtl="0">
+              <a:tblPr firstRow="1" firstCol="1">
                 <a:tableStyleId>{EEE7283C-3CF3-47DC-8721-378D4A62B228}</a:tableStyleId>
               </a:tblPr>
               <a:tblGrid>
@@ -5118,7 +5324,7 @@
                       </a:r>
                     </a:p>
                   </a:txBody>
-                  <a:tcPr marL="50800" marR="50800" marT="50800" marB="50800" anchor="ctr" anchorCtr="0" horzOverflow="overflow"/>
+                  <a:tcPr marL="50800" marR="50800" marT="50800" marB="50800" anchor="ctr" horzOverflow="overflow"/>
                 </a:tc>
                 <a:tc>
                   <a:txBody>
@@ -5147,7 +5353,7 @@
                       </a:r>
                     </a:p>
                   </a:txBody>
-                  <a:tcPr marL="50800" marR="50800" marT="50800" marB="50800" anchor="ctr" anchorCtr="0" horzOverflow="overflow"/>
+                  <a:tcPr marL="50800" marR="50800" marT="50800" marB="50800" anchor="ctr" horzOverflow="overflow"/>
                 </a:tc>
                 <a:tc>
                   <a:txBody>
@@ -5175,7 +5381,7 @@
                       </a:r>
                     </a:p>
                   </a:txBody>
-                  <a:tcPr marL="50800" marR="50800" marT="50800" marB="50800" anchor="ctr" anchorCtr="0" horzOverflow="overflow"/>
+                  <a:tcPr marL="50800" marR="50800" marT="50800" marB="50800" anchor="ctr" horzOverflow="overflow"/>
                 </a:tc>
               </a:tr>
               <a:tr h="686231">
@@ -5205,7 +5411,7 @@
                       </a:r>
                     </a:p>
                   </a:txBody>
-                  <a:tcPr marL="50800" marR="50800" marT="50800" marB="50800" anchor="ctr" anchorCtr="0" horzOverflow="overflow"/>
+                  <a:tcPr marL="50800" marR="50800" marT="50800" marB="50800" anchor="ctr" horzOverflow="overflow"/>
                 </a:tc>
                 <a:tc>
                   <a:txBody>
@@ -5221,7 +5427,7 @@
                       </a:r>
                     </a:p>
                   </a:txBody>
-                  <a:tcPr marL="50800" marR="50800" marT="50800" marB="50800" anchor="ctr" anchorCtr="0" horzOverflow="overflow"/>
+                  <a:tcPr marL="50800" marR="50800" marT="50800" marB="50800" anchor="ctr" horzOverflow="overflow"/>
                 </a:tc>
                 <a:tc>
                   <a:txBody>
@@ -5237,7 +5443,7 @@
                       </a:r>
                     </a:p>
                   </a:txBody>
-                  <a:tcPr marL="50800" marR="50800" marT="50800" marB="50800" anchor="ctr" anchorCtr="0" horzOverflow="overflow">
+                  <a:tcPr marL="50800" marR="50800" marT="50800" marB="50800" anchor="ctr" horzOverflow="overflow">
                     <a:lnR w="12700">
                       <a:solidFill>
                         <a:srgbClr val="5D5D5D"/>
@@ -5274,7 +5480,7 @@
                       </a:r>
                     </a:p>
                   </a:txBody>
-                  <a:tcPr marL="50800" marR="50800" marT="50800" marB="50800" anchor="ctr" anchorCtr="0" horzOverflow="overflow"/>
+                  <a:tcPr marL="50800" marR="50800" marT="50800" marB="50800" anchor="ctr" horzOverflow="overflow"/>
                 </a:tc>
                 <a:tc>
                   <a:txBody>
@@ -5291,7 +5497,7 @@
                       </a:r>
                     </a:p>
                   </a:txBody>
-                  <a:tcPr marL="50800" marR="50800" marT="50800" marB="50800" anchor="ctr" anchorCtr="0" horzOverflow="overflow"/>
+                  <a:tcPr marL="50800" marR="50800" marT="50800" marB="50800" anchor="ctr" horzOverflow="overflow"/>
                 </a:tc>
                 <a:tc>
                   <a:txBody>
@@ -5307,7 +5513,7 @@
                       </a:r>
                     </a:p>
                   </a:txBody>
-                  <a:tcPr marL="50800" marR="50800" marT="50800" marB="50800" anchor="ctr" anchorCtr="0" horzOverflow="overflow">
+                  <a:tcPr marL="50800" marR="50800" marT="50800" marB="50800" anchor="ctr" horzOverflow="overflow">
                     <a:lnR w="12700">
                       <a:solidFill>
                         <a:srgbClr val="5D5D5D"/>
@@ -5344,7 +5550,7 @@
                       </a:r>
                     </a:p>
                   </a:txBody>
-                  <a:tcPr marL="50800" marR="50800" marT="50800" marB="50800" anchor="ctr" anchorCtr="0" horzOverflow="overflow"/>
+                  <a:tcPr marL="50800" marR="50800" marT="50800" marB="50800" anchor="ctr" horzOverflow="overflow"/>
                 </a:tc>
                 <a:tc>
                   <a:txBody>
@@ -5360,7 +5566,7 @@
                       </a:r>
                     </a:p>
                   </a:txBody>
-                  <a:tcPr marL="50800" marR="50800" marT="50800" marB="50800" anchor="ctr" anchorCtr="0" horzOverflow="overflow"/>
+                  <a:tcPr marL="50800" marR="50800" marT="50800" marB="50800" anchor="ctr" horzOverflow="overflow"/>
                 </a:tc>
                 <a:tc>
                   <a:txBody>
@@ -5376,7 +5582,7 @@
                       </a:r>
                     </a:p>
                   </a:txBody>
-                  <a:tcPr marL="50800" marR="50800" marT="50800" marB="50800" anchor="ctr" anchorCtr="0" horzOverflow="overflow">
+                  <a:tcPr marL="50800" marR="50800" marT="50800" marB="50800" anchor="ctr" horzOverflow="overflow">
                     <a:lnR w="12700">
                       <a:solidFill>
                         <a:srgbClr val="5D5D5D"/>
@@ -5413,7 +5619,7 @@
                       </a:r>
                     </a:p>
                   </a:txBody>
-                  <a:tcPr marL="50800" marR="50800" marT="50800" marB="50800" anchor="ctr" anchorCtr="0" horzOverflow="overflow"/>
+                  <a:tcPr marL="50800" marR="50800" marT="50800" marB="50800" anchor="ctr" horzOverflow="overflow"/>
                 </a:tc>
                 <a:tc>
                   <a:txBody>
@@ -5429,7 +5635,7 @@
                       </a:r>
                     </a:p>
                   </a:txBody>
-                  <a:tcPr marL="50800" marR="50800" marT="50800" marB="50800" anchor="ctr" anchorCtr="0" horzOverflow="overflow"/>
+                  <a:tcPr marL="50800" marR="50800" marT="50800" marB="50800" anchor="ctr" horzOverflow="overflow"/>
                 </a:tc>
                 <a:tc>
                   <a:txBody>
@@ -5445,7 +5651,7 @@
                       </a:r>
                     </a:p>
                   </a:txBody>
-                  <a:tcPr marL="50800" marR="50800" marT="50800" marB="50800" anchor="ctr" anchorCtr="0" horzOverflow="overflow">
+                  <a:tcPr marL="50800" marR="50800" marT="50800" marB="50800" anchor="ctr" horzOverflow="overflow">
                     <a:lnR w="12700">
                       <a:solidFill>
                         <a:srgbClr val="5D5D5D"/>
@@ -5482,7 +5688,7 @@
                       </a:r>
                     </a:p>
                   </a:txBody>
-                  <a:tcPr marL="50800" marR="50800" marT="50800" marB="50800" anchor="ctr" anchorCtr="0" horzOverflow="overflow"/>
+                  <a:tcPr marL="50800" marR="50800" marT="50800" marB="50800" anchor="ctr" horzOverflow="overflow"/>
                 </a:tc>
                 <a:tc>
                   <a:txBody>
@@ -5498,7 +5704,7 @@
                       </a:r>
                     </a:p>
                   </a:txBody>
-                  <a:tcPr marL="50800" marR="50800" marT="50800" marB="50800" anchor="ctr" anchorCtr="0" horzOverflow="overflow"/>
+                  <a:tcPr marL="50800" marR="50800" marT="50800" marB="50800" anchor="ctr" horzOverflow="overflow"/>
                 </a:tc>
                 <a:tc>
                   <a:txBody>
@@ -5514,7 +5720,7 @@
                       </a:r>
                     </a:p>
                   </a:txBody>
-                  <a:tcPr marL="50800" marR="50800" marT="50800" marB="50800" anchor="ctr" anchorCtr="0" horzOverflow="overflow">
+                  <a:tcPr marL="50800" marR="50800" marT="50800" marB="50800" anchor="ctr" horzOverflow="overflow">
                     <a:lnR w="12700">
                       <a:solidFill>
                         <a:srgbClr val="5D5D5D"/>
@@ -5551,7 +5757,7 @@
                       </a:r>
                     </a:p>
                   </a:txBody>
-                  <a:tcPr marL="50800" marR="50800" marT="50800" marB="50800" anchor="ctr" anchorCtr="0" horzOverflow="overflow"/>
+                  <a:tcPr marL="50800" marR="50800" marT="50800" marB="50800" anchor="ctr" horzOverflow="overflow"/>
                 </a:tc>
                 <a:tc>
                   <a:txBody>
@@ -5567,7 +5773,7 @@
                       </a:r>
                     </a:p>
                   </a:txBody>
-                  <a:tcPr marL="50800" marR="50800" marT="50800" marB="50800" anchor="ctr" anchorCtr="0" horzOverflow="overflow"/>
+                  <a:tcPr marL="50800" marR="50800" marT="50800" marB="50800" anchor="ctr" horzOverflow="overflow"/>
                 </a:tc>
                 <a:tc>
                   <a:txBody>
@@ -5583,7 +5789,7 @@
                       </a:r>
                     </a:p>
                   </a:txBody>
-                  <a:tcPr marL="50800" marR="50800" marT="50800" marB="50800" anchor="ctr" anchorCtr="0" horzOverflow="overflow">
+                  <a:tcPr marL="50800" marR="50800" marT="50800" marB="50800" anchor="ctr" horzOverflow="overflow">
                     <a:lnR w="12700">
                       <a:solidFill>
                         <a:srgbClr val="5D5D5D"/>
@@ -5620,7 +5826,7 @@
                       </a:r>
                     </a:p>
                   </a:txBody>
-                  <a:tcPr marL="50800" marR="50800" marT="50800" marB="50800" anchor="ctr" anchorCtr="0" horzOverflow="overflow"/>
+                  <a:tcPr marL="50800" marR="50800" marT="50800" marB="50800" anchor="ctr" horzOverflow="overflow"/>
                 </a:tc>
                 <a:tc>
                   <a:txBody>
@@ -5636,7 +5842,7 @@
                       </a:r>
                     </a:p>
                   </a:txBody>
-                  <a:tcPr marL="50800" marR="50800" marT="50800" marB="50800" anchor="ctr" anchorCtr="0" horzOverflow="overflow">
+                  <a:tcPr marL="50800" marR="50800" marT="50800" marB="50800" anchor="ctr" horzOverflow="overflow">
                     <a:lnB w="12700">
                       <a:solidFill>
                         <a:srgbClr val="606060"/>
@@ -5659,7 +5865,7 @@
                       </a:r>
                     </a:p>
                   </a:txBody>
-                  <a:tcPr marL="50800" marR="50800" marT="50800" marB="50800" anchor="ctr" anchorCtr="0" horzOverflow="overflow">
+                  <a:tcPr marL="50800" marR="50800" marT="50800" marB="50800" anchor="ctr" horzOverflow="overflow">
                     <a:lnR w="12700">
                       <a:solidFill>
                         <a:srgbClr val="5D5D5D"/>
@@ -5698,7 +5904,7 @@
           </a:ln>
           <a:extLst>
             <a:ext uri="{C572A759-6A51-4108-AA02-DFA0A04FC94B}">
-              <ma14:wrappingTextBoxFlag xmlns:ma14="http://schemas.microsoft.com/office/mac/drawingml/2011/main" val="1"/>
+              <ma14:wrappingTextBoxFlag xmlns:ma14="http://schemas.microsoft.com/office/mac/drawingml/2011/main" xmlns:a14="http://schemas.microsoft.com/office/drawing/2010/main" xmlns:m="http://schemas.openxmlformats.org/officeDocument/2006/math" xmlns="" val="1"/>
             </a:ext>
           </a:extLst>
         </p:spPr>
@@ -5709,14 +5915,14 @@
           <a:lstStyle/>
           <a:p>
             <a:pPr>
-              <a:defRPr b="0" sz="1800"/>
+              <a:defRPr sz="1800" b="0"/>
             </a:pPr>
             <a:r>
               <a:t>Source: </a:t>
             </a:r>
             <a:r>
               <a:rPr u="sng">
-                <a:hlinkClick r:id="rId2" invalidUrl="" action="" tgtFrame="" tooltip="" history="1" highlightClick="0" endSnd="0"/>
+                <a:hlinkClick r:id="rId2"/>
               </a:rPr>
               <a:t>https://workflowengine.io/blog/workflow-engine-vs-state-machine/</a:t>
             </a:r>
@@ -5728,12 +5934,12 @@
   <p:clrMapOvr>
     <a:masterClrMapping/>
   </p:clrMapOvr>
-  <p:transition xmlns:p14="http://schemas.microsoft.com/office/powerpoint/2010/main" spd="med" advClick="1"/>
+  <p:transition spd="med"/>
 </p:sld>
 </file>
 
 <file path=ppt/slides/slide5.xml><?xml version="1.0" encoding="utf-8"?>
-<p:sld xmlns:a="http://schemas.openxmlformats.org/drawingml/2006/main" xmlns:r="http://schemas.openxmlformats.org/officeDocument/2006/relationships" xmlns:p="http://schemas.openxmlformats.org/presentationml/2006/main" xmlns:m="http://schemas.openxmlformats.org/officeDocument/2006/math" xmlns:a14="http://schemas.microsoft.com/office/drawing/2010/main" showMasterSp="1" showMasterPhAnim="1">
+<p:sld xmlns:a="http://schemas.openxmlformats.org/drawingml/2006/main" xmlns:r="http://schemas.openxmlformats.org/officeDocument/2006/relationships" xmlns:p="http://schemas.openxmlformats.org/presentationml/2006/main">
   <p:cSld>
     <p:spTree>
       <p:nvGrpSpPr>
@@ -5752,7 +5958,9 @@
       <p:sp>
         <p:nvSpPr>
           <p:cNvPr id="142" name="Slide Number"/>
-          <p:cNvSpPr txBox="1"/>
+          <p:cNvSpPr txBox="1">
+            <a:spLocks noGrp="1"/>
+          </p:cNvSpPr>
           <p:nvPr>
             <p:ph type="sldNum" sz="quarter" idx="2"/>
           </p:nvPr>
@@ -5767,7 +5975,7 @@
           </a:prstGeom>
           <a:extLst>
             <a:ext uri="{C572A759-6A51-4108-AA02-DFA0A04FC94B}">
-              <ma14:wrappingTextBoxFlag xmlns:ma14="http://schemas.microsoft.com/office/mac/drawingml/2011/main" val="1"/>
+              <ma14:wrappingTextBoxFlag xmlns:ma14="http://schemas.microsoft.com/office/mac/drawingml/2011/main" xmlns:a14="http://schemas.microsoft.com/office/drawing/2010/main" xmlns:m="http://schemas.openxmlformats.org/officeDocument/2006/math" xmlns="" val="1"/>
             </a:ext>
           </a:extLst>
         </p:spPr>
@@ -5775,8 +5983,10 @@
           <a:bodyPr/>
           <a:lstStyle/>
           <a:p>
-            <a:pPr/>
-            <a:fld id="{86CB4B4D-7CA3-9044-876B-883B54F8677D}" type="slidenum"/>
+            <a:fld id="{86CB4B4D-7CA3-9044-876B-883B54F8677D}" type="slidenum">
+              <a:t>5</a:t>
+            </a:fld>
+            <a:endParaRPr/>
           </a:p>
         </p:txBody>
       </p:sp>
@@ -5799,7 +6009,7 @@
           </a:ln>
           <a:extLst>
             <a:ext uri="{C572A759-6A51-4108-AA02-DFA0A04FC94B}">
-              <ma14:wrappingTextBoxFlag xmlns:ma14="http://schemas.microsoft.com/office/mac/drawingml/2011/main" val="1"/>
+              <ma14:wrappingTextBoxFlag xmlns:ma14="http://schemas.microsoft.com/office/mac/drawingml/2011/main" xmlns:a14="http://schemas.microsoft.com/office/drawing/2010/main" xmlns:m="http://schemas.openxmlformats.org/officeDocument/2006/math" xmlns="" val="1"/>
             </a:ext>
           </a:extLst>
         </p:spPr>
@@ -5824,12 +6034,12 @@
         </p:nvGraphicFramePr>
         <p:xfrm>
           <a:off x="958850" y="1276349"/>
-          <a:ext cx="11099800" cy="7213601"/>
+          <a:ext cx="11087100" cy="7980680"/>
         </p:xfrm>
-        <a:graphic xmlns:a="http://schemas.openxmlformats.org/drawingml/2006/main">
+        <a:graphic>
           <a:graphicData uri="http://schemas.openxmlformats.org/drawingml/2006/table">
             <a:tbl>
-              <a:tblPr firstCol="1" firstRow="1" lastCol="0" lastRow="0" bandCol="0" bandRow="0" rtl="0">
+              <a:tblPr firstRow="1" firstCol="1">
                 <a:tableStyleId>{EEE7283C-3CF3-47DC-8721-378D4A62B228}</a:tableStyleId>
               </a:tblPr>
               <a:tblGrid>
@@ -5864,7 +6074,7 @@
                       </a:r>
                     </a:p>
                   </a:txBody>
-                  <a:tcPr marL="50800" marR="50800" marT="50800" marB="50800" anchor="ctr" anchorCtr="0" horzOverflow="overflow"/>
+                  <a:tcPr marL="50800" marR="50800" marT="50800" marB="50800" anchor="ctr" horzOverflow="overflow"/>
                 </a:tc>
                 <a:tc>
                   <a:txBody>
@@ -5892,7 +6102,7 @@
                       </a:r>
                     </a:p>
                   </a:txBody>
-                  <a:tcPr marL="50800" marR="50800" marT="50800" marB="50800" anchor="ctr" anchorCtr="0" horzOverflow="overflow"/>
+                  <a:tcPr marL="50800" marR="50800" marT="50800" marB="50800" anchor="ctr" horzOverflow="overflow"/>
                 </a:tc>
                 <a:tc>
                   <a:txBody>
@@ -5920,7 +6130,7 @@
                       </a:r>
                     </a:p>
                   </a:txBody>
-                  <a:tcPr marL="50800" marR="50800" marT="50800" marB="50800" anchor="ctr" anchorCtr="0" horzOverflow="overflow"/>
+                  <a:tcPr marL="50800" marR="50800" marT="50800" marB="50800" anchor="ctr" horzOverflow="overflow"/>
                 </a:tc>
               </a:tr>
               <a:tr h="480060">
@@ -5950,7 +6160,7 @@
                       </a:r>
                     </a:p>
                   </a:txBody>
-                  <a:tcPr marL="50800" marR="50800" marT="50800" marB="50800" anchor="ctr" anchorCtr="0" horzOverflow="overflow"/>
+                  <a:tcPr marL="50800" marR="50800" marT="50800" marB="50800" anchor="ctr" horzOverflow="overflow"/>
                 </a:tc>
                 <a:tc>
                   <a:txBody>
@@ -5966,7 +6176,7 @@
                       </a:r>
                     </a:p>
                   </a:txBody>
-                  <a:tcPr marL="50800" marR="50800" marT="50800" marB="50800" anchor="ctr" anchorCtr="0" horzOverflow="overflow"/>
+                  <a:tcPr marL="50800" marR="50800" marT="50800" marB="50800" anchor="ctr" horzOverflow="overflow"/>
                 </a:tc>
                 <a:tc>
                   <a:txBody>
@@ -5976,9 +6186,10 @@
                       <a:pPr defTabSz="914400">
                         <a:defRPr sz="1500"/>
                       </a:pPr>
+                      <a:endParaRPr/>
                     </a:p>
                   </a:txBody>
-                  <a:tcPr marL="50800" marR="50800" marT="50800" marB="50800" anchor="ctr" anchorCtr="0" horzOverflow="overflow">
+                  <a:tcPr marL="50800" marR="50800" marT="50800" marB="50800" anchor="ctr" horzOverflow="overflow">
                     <a:lnR w="12700">
                       <a:solidFill>
                         <a:srgbClr val="5D5D5D"/>
@@ -5987,7 +6198,7 @@
                     </a:lnR>
                     <a:blipFill rotWithShape="1">
                       <a:blip r:embed="rId2"/>
-                      <a:srcRect l="0" t="0" r="0" b="0"/>
+                      <a:srcRect/>
                       <a:stretch>
                         <a:fillRect/>
                       </a:stretch>
@@ -6022,7 +6233,7 @@
                       </a:r>
                     </a:p>
                   </a:txBody>
-                  <a:tcPr marL="50800" marR="50800" marT="50800" marB="50800" anchor="ctr" anchorCtr="0" horzOverflow="overflow"/>
+                  <a:tcPr marL="50800" marR="50800" marT="50800" marB="50800" anchor="ctr" horzOverflow="overflow"/>
                 </a:tc>
                 <a:tc>
                   <a:txBody>
@@ -6038,7 +6249,7 @@
                       </a:r>
                     </a:p>
                   </a:txBody>
-                  <a:tcPr marL="50800" marR="50800" marT="50800" marB="50800" anchor="ctr" anchorCtr="0" horzOverflow="overflow"/>
+                  <a:tcPr marL="50800" marR="50800" marT="50800" marB="50800" anchor="ctr" horzOverflow="overflow"/>
                 </a:tc>
                 <a:tc>
                   <a:txBody>
@@ -6048,9 +6259,10 @@
                       <a:pPr defTabSz="914400">
                         <a:defRPr sz="1500"/>
                       </a:pPr>
+                      <a:endParaRPr/>
                     </a:p>
                   </a:txBody>
-                  <a:tcPr marL="50800" marR="50800" marT="50800" marB="50800" anchor="ctr" anchorCtr="0" horzOverflow="overflow">
+                  <a:tcPr marL="50800" marR="50800" marT="50800" marB="50800" anchor="ctr" horzOverflow="overflow">
                     <a:lnR w="12700">
                       <a:solidFill>
                         <a:srgbClr val="5D5D5D"/>
@@ -6059,7 +6271,7 @@
                     </a:lnR>
                     <a:blipFill rotWithShape="1">
                       <a:blip r:embed="rId3"/>
-                      <a:srcRect l="0" t="0" r="0" b="0"/>
+                      <a:srcRect/>
                       <a:stretch>
                         <a:fillRect/>
                       </a:stretch>
@@ -6094,7 +6306,7 @@
                       </a:r>
                     </a:p>
                   </a:txBody>
-                  <a:tcPr marL="50800" marR="50800" marT="50800" marB="50800" anchor="ctr" anchorCtr="0" horzOverflow="overflow"/>
+                  <a:tcPr marL="50800" marR="50800" marT="50800" marB="50800" anchor="ctr" horzOverflow="overflow"/>
                 </a:tc>
                 <a:tc>
                   <a:txBody>
@@ -6110,7 +6322,7 @@
                       </a:r>
                     </a:p>
                   </a:txBody>
-                  <a:tcPr marL="50800" marR="50800" marT="50800" marB="50800" anchor="ctr" anchorCtr="0" horzOverflow="overflow"/>
+                  <a:tcPr marL="50800" marR="50800" marT="50800" marB="50800" anchor="ctr" horzOverflow="overflow"/>
                 </a:tc>
                 <a:tc>
                   <a:txBody>
@@ -6120,9 +6332,10 @@
                       <a:pPr defTabSz="914400">
                         <a:defRPr sz="1500"/>
                       </a:pPr>
+                      <a:endParaRPr/>
                     </a:p>
                   </a:txBody>
-                  <a:tcPr marL="50800" marR="50800" marT="50800" marB="50800" anchor="ctr" anchorCtr="0" horzOverflow="overflow">
+                  <a:tcPr marL="50800" marR="50800" marT="50800" marB="50800" anchor="ctr" horzOverflow="overflow">
                     <a:lnR w="12700">
                       <a:solidFill>
                         <a:srgbClr val="5D5D5D"/>
@@ -6131,7 +6344,7 @@
                     </a:lnR>
                     <a:blipFill rotWithShape="1">
                       <a:blip r:embed="rId3"/>
-                      <a:srcRect l="0" t="0" r="0" b="0"/>
+                      <a:srcRect/>
                       <a:stretch>
                         <a:fillRect/>
                       </a:stretch>
@@ -6166,7 +6379,7 @@
                       </a:r>
                     </a:p>
                   </a:txBody>
-                  <a:tcPr marL="50800" marR="50800" marT="50800" marB="50800" anchor="ctr" anchorCtr="0" horzOverflow="overflow"/>
+                  <a:tcPr marL="50800" marR="50800" marT="50800" marB="50800" anchor="ctr" horzOverflow="overflow"/>
                 </a:tc>
                 <a:tc>
                   <a:txBody>
@@ -6182,7 +6395,7 @@
                       </a:r>
                     </a:p>
                   </a:txBody>
-                  <a:tcPr marL="50800" marR="50800" marT="50800" marB="50800" anchor="ctr" anchorCtr="0" horzOverflow="overflow"/>
+                  <a:tcPr marL="50800" marR="50800" marT="50800" marB="50800" anchor="ctr" horzOverflow="overflow"/>
                 </a:tc>
                 <a:tc>
                   <a:txBody>
@@ -6192,9 +6405,10 @@
                       <a:pPr defTabSz="914400">
                         <a:defRPr sz="1500"/>
                       </a:pPr>
+                      <a:endParaRPr/>
                     </a:p>
                   </a:txBody>
-                  <a:tcPr marL="50800" marR="50800" marT="50800" marB="50800" anchor="ctr" anchorCtr="0" horzOverflow="overflow">
+                  <a:tcPr marL="50800" marR="50800" marT="50800" marB="50800" anchor="ctr" horzOverflow="overflow">
                     <a:lnR w="12700">
                       <a:solidFill>
                         <a:srgbClr val="5D5D5D"/>
@@ -6231,7 +6445,7 @@
                       </a:r>
                     </a:p>
                   </a:txBody>
-                  <a:tcPr marL="50800" marR="50800" marT="50800" marB="50800" anchor="ctr" anchorCtr="0" horzOverflow="overflow"/>
+                  <a:tcPr marL="50800" marR="50800" marT="50800" marB="50800" anchor="ctr" horzOverflow="overflow"/>
                 </a:tc>
                 <a:tc>
                   <a:txBody>
@@ -6247,7 +6461,7 @@
                       </a:r>
                     </a:p>
                   </a:txBody>
-                  <a:tcPr marL="50800" marR="50800" marT="50800" marB="50800" anchor="ctr" anchorCtr="0" horzOverflow="overflow"/>
+                  <a:tcPr marL="50800" marR="50800" marT="50800" marB="50800" anchor="ctr" horzOverflow="overflow"/>
                 </a:tc>
                 <a:tc>
                   <a:txBody>
@@ -6257,9 +6471,10 @@
                       <a:pPr defTabSz="914400">
                         <a:defRPr sz="1500"/>
                       </a:pPr>
+                      <a:endParaRPr/>
                     </a:p>
                   </a:txBody>
-                  <a:tcPr marL="50800" marR="50800" marT="50800" marB="50800" anchor="ctr" anchorCtr="0" horzOverflow="overflow">
+                  <a:tcPr marL="50800" marR="50800" marT="50800" marB="50800" anchor="ctr" horzOverflow="overflow">
                     <a:lnR w="12700">
                       <a:solidFill>
                         <a:srgbClr val="5D5D5D"/>
@@ -6268,7 +6483,7 @@
                     </a:lnR>
                     <a:blipFill rotWithShape="1">
                       <a:blip r:embed="rId4"/>
-                      <a:srcRect l="0" t="0" r="0" b="0"/>
+                      <a:srcRect/>
                       <a:stretch>
                         <a:fillRect/>
                       </a:stretch>
@@ -6303,7 +6518,7 @@
                       </a:r>
                     </a:p>
                   </a:txBody>
-                  <a:tcPr marL="50800" marR="50800" marT="50800" marB="50800" anchor="ctr" anchorCtr="0" horzOverflow="overflow"/>
+                  <a:tcPr marL="50800" marR="50800" marT="50800" marB="50800" anchor="ctr" horzOverflow="overflow"/>
                 </a:tc>
                 <a:tc>
                   <a:txBody>
@@ -6319,7 +6534,7 @@
                       </a:r>
                     </a:p>
                   </a:txBody>
-                  <a:tcPr marL="50800" marR="50800" marT="50800" marB="50800" anchor="ctr" anchorCtr="0" horzOverflow="overflow"/>
+                  <a:tcPr marL="50800" marR="50800" marT="50800" marB="50800" anchor="ctr" horzOverflow="overflow"/>
                 </a:tc>
                 <a:tc>
                   <a:txBody>
@@ -6329,9 +6544,10 @@
                       <a:pPr defTabSz="914400">
                         <a:defRPr sz="1500"/>
                       </a:pPr>
+                      <a:endParaRPr/>
                     </a:p>
                   </a:txBody>
-                  <a:tcPr marL="50800" marR="50800" marT="50800" marB="50800" anchor="ctr" anchorCtr="0" horzOverflow="overflow">
+                  <a:tcPr marL="50800" marR="50800" marT="50800" marB="50800" anchor="ctr" horzOverflow="overflow">
                     <a:lnR w="12700">
                       <a:solidFill>
                         <a:srgbClr val="5D5D5D"/>
@@ -6340,7 +6556,7 @@
                     </a:lnR>
                     <a:blipFill rotWithShape="1">
                       <a:blip r:embed="rId5"/>
-                      <a:srcRect l="0" t="0" r="0" b="0"/>
+                      <a:srcRect/>
                       <a:stretch>
                         <a:fillRect/>
                       </a:stretch>
@@ -6375,7 +6591,7 @@
                       </a:r>
                     </a:p>
                   </a:txBody>
-                  <a:tcPr marL="50800" marR="50800" marT="50800" marB="50800" anchor="ctr" anchorCtr="0" horzOverflow="overflow"/>
+                  <a:tcPr marL="50800" marR="50800" marT="50800" marB="50800" anchor="ctr" horzOverflow="overflow"/>
                 </a:tc>
                 <a:tc>
                   <a:txBody>
@@ -6391,7 +6607,7 @@
                       </a:r>
                     </a:p>
                   </a:txBody>
-                  <a:tcPr marL="50800" marR="50800" marT="50800" marB="50800" anchor="ctr" anchorCtr="0" horzOverflow="overflow"/>
+                  <a:tcPr marL="50800" marR="50800" marT="50800" marB="50800" anchor="ctr" horzOverflow="overflow"/>
                 </a:tc>
                 <a:tc>
                   <a:txBody>
@@ -6401,9 +6617,10 @@
                       <a:pPr defTabSz="914400">
                         <a:defRPr sz="1500"/>
                       </a:pPr>
+                      <a:endParaRPr/>
                     </a:p>
                   </a:txBody>
-                  <a:tcPr marL="50800" marR="50800" marT="50800" marB="50800" anchor="ctr" anchorCtr="0" horzOverflow="overflow">
+                  <a:tcPr marL="50800" marR="50800" marT="50800" marB="50800" anchor="ctr" horzOverflow="overflow">
                     <a:lnR w="12700">
                       <a:solidFill>
                         <a:srgbClr val="5D5D5D"/>
@@ -6412,7 +6629,7 @@
                     </a:lnR>
                     <a:blipFill rotWithShape="1">
                       <a:blip r:embed="rId6"/>
-                      <a:srcRect l="0" t="0" r="0" b="0"/>
+                      <a:srcRect/>
                       <a:stretch>
                         <a:fillRect/>
                       </a:stretch>
@@ -6447,7 +6664,7 @@
                       </a:r>
                     </a:p>
                   </a:txBody>
-                  <a:tcPr marL="50800" marR="50800" marT="50800" marB="50800" anchor="ctr" anchorCtr="0" horzOverflow="overflow"/>
+                  <a:tcPr marL="50800" marR="50800" marT="50800" marB="50800" anchor="ctr" horzOverflow="overflow"/>
                 </a:tc>
                 <a:tc>
                   <a:txBody>
@@ -6463,7 +6680,7 @@
                       </a:r>
                     </a:p>
                   </a:txBody>
-                  <a:tcPr marL="50800" marR="50800" marT="50800" marB="50800" anchor="ctr" anchorCtr="0" horzOverflow="overflow"/>
+                  <a:tcPr marL="50800" marR="50800" marT="50800" marB="50800" anchor="ctr" horzOverflow="overflow"/>
                 </a:tc>
                 <a:tc>
                   <a:txBody>
@@ -6473,9 +6690,10 @@
                       <a:pPr defTabSz="914400">
                         <a:defRPr sz="1500"/>
                       </a:pPr>
+                      <a:endParaRPr/>
                     </a:p>
                   </a:txBody>
-                  <a:tcPr marL="50800" marR="50800" marT="50800" marB="50800" anchor="ctr" anchorCtr="0" horzOverflow="overflow">
+                  <a:tcPr marL="50800" marR="50800" marT="50800" marB="50800" anchor="ctr" horzOverflow="overflow">
                     <a:lnR w="12700">
                       <a:solidFill>
                         <a:srgbClr val="5D5D5D"/>
@@ -6484,7 +6702,7 @@
                     </a:lnR>
                     <a:blipFill rotWithShape="1">
                       <a:blip r:embed="rId7"/>
-                      <a:srcRect l="0" t="0" r="0" b="0"/>
+                      <a:srcRect/>
                       <a:stretch>
                         <a:fillRect/>
                       </a:stretch>
@@ -6519,7 +6737,7 @@
                       </a:r>
                     </a:p>
                   </a:txBody>
-                  <a:tcPr marL="50800" marR="50800" marT="50800" marB="50800" anchor="ctr" anchorCtr="0" horzOverflow="overflow"/>
+                  <a:tcPr marL="50800" marR="50800" marT="50800" marB="50800" anchor="ctr" horzOverflow="overflow"/>
                 </a:tc>
                 <a:tc>
                   <a:txBody>
@@ -6535,7 +6753,7 @@
                       </a:r>
                     </a:p>
                   </a:txBody>
-                  <a:tcPr marL="50800" marR="50800" marT="50800" marB="50800" anchor="ctr" anchorCtr="0" horzOverflow="overflow"/>
+                  <a:tcPr marL="50800" marR="50800" marT="50800" marB="50800" anchor="ctr" horzOverflow="overflow"/>
                 </a:tc>
                 <a:tc>
                   <a:txBody>
@@ -6545,9 +6763,10 @@
                       <a:pPr defTabSz="914400">
                         <a:defRPr sz="1500"/>
                       </a:pPr>
+                      <a:endParaRPr/>
                     </a:p>
                   </a:txBody>
-                  <a:tcPr marL="50800" marR="50800" marT="50800" marB="50800" anchor="ctr" anchorCtr="0" horzOverflow="overflow">
+                  <a:tcPr marL="50800" marR="50800" marT="50800" marB="50800" anchor="ctr" horzOverflow="overflow">
                     <a:lnR w="12700">
                       <a:solidFill>
                         <a:srgbClr val="5D5D5D"/>
@@ -6556,7 +6775,7 @@
                     </a:lnR>
                     <a:blipFill rotWithShape="1">
                       <a:blip r:embed="rId8"/>
-                      <a:srcRect l="0" t="0" r="0" b="0"/>
+                      <a:srcRect/>
                       <a:stretch>
                         <a:fillRect/>
                       </a:stretch>
@@ -6591,7 +6810,7 @@
                       </a:r>
                     </a:p>
                   </a:txBody>
-                  <a:tcPr marL="50800" marR="50800" marT="50800" marB="50800" anchor="ctr" anchorCtr="0" horzOverflow="overflow"/>
+                  <a:tcPr marL="50800" marR="50800" marT="50800" marB="50800" anchor="ctr" horzOverflow="overflow"/>
                 </a:tc>
                 <a:tc>
                   <a:txBody>
@@ -6607,7 +6826,7 @@
                       </a:r>
                     </a:p>
                   </a:txBody>
-                  <a:tcPr marL="50800" marR="50800" marT="50800" marB="50800" anchor="ctr" anchorCtr="0" horzOverflow="overflow"/>
+                  <a:tcPr marL="50800" marR="50800" marT="50800" marB="50800" anchor="ctr" horzOverflow="overflow"/>
                 </a:tc>
                 <a:tc>
                   <a:txBody>
@@ -6617,9 +6836,10 @@
                       <a:pPr defTabSz="914400">
                         <a:defRPr sz="1500"/>
                       </a:pPr>
+                      <a:endParaRPr/>
                     </a:p>
                   </a:txBody>
-                  <a:tcPr marL="50800" marR="50800" marT="50800" marB="50800" anchor="ctr" anchorCtr="0" horzOverflow="overflow">
+                  <a:tcPr marL="50800" marR="50800" marT="50800" marB="50800" anchor="ctr" horzOverflow="overflow">
                     <a:lnR w="12700">
                       <a:solidFill>
                         <a:srgbClr val="5D5D5D"/>
@@ -6628,7 +6848,7 @@
                     </a:lnR>
                     <a:blipFill rotWithShape="1">
                       <a:blip r:embed="rId9"/>
-                      <a:srcRect l="0" t="0" r="0" b="0"/>
+                      <a:srcRect/>
                       <a:stretch>
                         <a:fillRect/>
                       </a:stretch>
@@ -6663,7 +6883,7 @@
                       </a:r>
                     </a:p>
                   </a:txBody>
-                  <a:tcPr marL="50800" marR="50800" marT="50800" marB="50800" anchor="ctr" anchorCtr="0" horzOverflow="overflow"/>
+                  <a:tcPr marL="50800" marR="50800" marT="50800" marB="50800" anchor="ctr" horzOverflow="overflow"/>
                 </a:tc>
                 <a:tc>
                   <a:txBody>
@@ -6679,7 +6899,7 @@
                       </a:r>
                     </a:p>
                   </a:txBody>
-                  <a:tcPr marL="50800" marR="50800" marT="50800" marB="50800" anchor="ctr" anchorCtr="0" horzOverflow="overflow"/>
+                  <a:tcPr marL="50800" marR="50800" marT="50800" marB="50800" anchor="ctr" horzOverflow="overflow"/>
                 </a:tc>
                 <a:tc>
                   <a:txBody>
@@ -6695,7 +6915,7 @@
                       </a:r>
                     </a:p>
                   </a:txBody>
-                  <a:tcPr marL="50800" marR="50800" marT="50800" marB="50800" anchor="ctr" anchorCtr="0" horzOverflow="overflow">
+                  <a:tcPr marL="50800" marR="50800" marT="50800" marB="50800" anchor="ctr" horzOverflow="overflow">
                     <a:lnR w="12700">
                       <a:solidFill>
                         <a:srgbClr val="5D5D5D"/>
@@ -6732,7 +6952,7 @@
                       </a:r>
                     </a:p>
                   </a:txBody>
-                  <a:tcPr marL="50800" marR="50800" marT="50800" marB="50800" anchor="ctr" anchorCtr="0" horzOverflow="overflow"/>
+                  <a:tcPr marL="50800" marR="50800" marT="50800" marB="50800" anchor="ctr" horzOverflow="overflow"/>
                 </a:tc>
                 <a:tc>
                   <a:txBody>
@@ -6748,7 +6968,7 @@
                       </a:r>
                     </a:p>
                   </a:txBody>
-                  <a:tcPr marL="50800" marR="50800" marT="50800" marB="50800" anchor="ctr" anchorCtr="0" horzOverflow="overflow"/>
+                  <a:tcPr marL="50800" marR="50800" marT="50800" marB="50800" anchor="ctr" horzOverflow="overflow"/>
                 </a:tc>
                 <a:tc>
                   <a:txBody>
@@ -6758,9 +6978,10 @@
                       <a:pPr defTabSz="914400">
                         <a:defRPr sz="1500"/>
                       </a:pPr>
+                      <a:endParaRPr/>
                     </a:p>
                   </a:txBody>
-                  <a:tcPr marL="50800" marR="50800" marT="50800" marB="50800" anchor="ctr" anchorCtr="0" horzOverflow="overflow">
+                  <a:tcPr marL="50800" marR="50800" marT="50800" marB="50800" anchor="ctr" horzOverflow="overflow">
                     <a:lnR w="12700">
                       <a:solidFill>
                         <a:srgbClr val="5D5D5D"/>
@@ -6797,7 +7018,7 @@
                       </a:r>
                     </a:p>
                   </a:txBody>
-                  <a:tcPr marL="50800" marR="50800" marT="50800" marB="50800" anchor="ctr" anchorCtr="0" horzOverflow="overflow"/>
+                  <a:tcPr marL="50800" marR="50800" marT="50800" marB="50800" anchor="ctr" horzOverflow="overflow"/>
                 </a:tc>
                 <a:tc>
                   <a:txBody>
@@ -6813,7 +7034,7 @@
                       </a:r>
                     </a:p>
                   </a:txBody>
-                  <a:tcPr marL="50800" marR="50800" marT="50800" marB="50800" anchor="ctr" anchorCtr="0" horzOverflow="overflow"/>
+                  <a:tcPr marL="50800" marR="50800" marT="50800" marB="50800" anchor="ctr" horzOverflow="overflow"/>
                 </a:tc>
                 <a:tc>
                   <a:txBody>
@@ -6823,9 +7044,10 @@
                       <a:pPr defTabSz="914400">
                         <a:defRPr sz="1500"/>
                       </a:pPr>
+                      <a:endParaRPr/>
                     </a:p>
                   </a:txBody>
-                  <a:tcPr marL="50800" marR="50800" marT="50800" marB="50800" anchor="ctr" anchorCtr="0" horzOverflow="overflow">
+                  <a:tcPr marL="50800" marR="50800" marT="50800" marB="50800" anchor="ctr" horzOverflow="overflow">
                     <a:lnR w="12700">
                       <a:solidFill>
                         <a:srgbClr val="5D5D5D"/>
@@ -6834,7 +7056,7 @@
                     </a:lnR>
                     <a:blipFill rotWithShape="1">
                       <a:blip r:embed="rId10"/>
-                      <a:srcRect l="0" t="0" r="0" b="0"/>
+                      <a:srcRect/>
                       <a:stretch>
                         <a:fillRect/>
                       </a:stretch>
@@ -6869,7 +7091,7 @@
                       </a:r>
                     </a:p>
                   </a:txBody>
-                  <a:tcPr marL="50800" marR="50800" marT="50800" marB="50800" anchor="ctr" anchorCtr="0" horzOverflow="overflow"/>
+                  <a:tcPr marL="50800" marR="50800" marT="50800" marB="50800" anchor="ctr" horzOverflow="overflow"/>
                 </a:tc>
                 <a:tc>
                   <a:txBody>
@@ -6885,7 +7107,7 @@
                       </a:r>
                     </a:p>
                   </a:txBody>
-                  <a:tcPr marL="50800" marR="50800" marT="50800" marB="50800" anchor="ctr" anchorCtr="0" horzOverflow="overflow">
+                  <a:tcPr marL="50800" marR="50800" marT="50800" marB="50800" anchor="ctr" horzOverflow="overflow">
                     <a:lnB w="12700">
                       <a:solidFill>
                         <a:srgbClr val="606060"/>
@@ -6902,9 +7124,10 @@
                       <a:pPr defTabSz="914400">
                         <a:defRPr sz="1500"/>
                       </a:pPr>
+                      <a:endParaRPr/>
                     </a:p>
                   </a:txBody>
-                  <a:tcPr marL="50800" marR="50800" marT="50800" marB="50800" anchor="ctr" anchorCtr="0" horzOverflow="overflow">
+                  <a:tcPr marL="50800" marR="50800" marT="50800" marB="50800" anchor="ctr" horzOverflow="overflow">
                     <a:lnR w="12700">
                       <a:solidFill>
                         <a:srgbClr val="5D5D5D"/>
@@ -6919,7 +7142,7 @@
                     </a:lnB>
                     <a:blipFill rotWithShape="1">
                       <a:blip r:embed="rId11"/>
-                      <a:srcRect l="0" t="0" r="0" b="0"/>
+                      <a:srcRect/>
                       <a:stretch>
                         <a:fillRect/>
                       </a:stretch>
@@ -6936,12 +7159,12 @@
   <p:clrMapOvr>
     <a:masterClrMapping/>
   </p:clrMapOvr>
-  <p:transition xmlns:p14="http://schemas.microsoft.com/office/powerpoint/2010/main" spd="med" advClick="1"/>
+  <p:transition spd="med"/>
 </p:sld>
 </file>
 
 <file path=ppt/slides/slide6.xml><?xml version="1.0" encoding="utf-8"?>
-<p:sld xmlns:a="http://schemas.openxmlformats.org/drawingml/2006/main" xmlns:r="http://schemas.openxmlformats.org/officeDocument/2006/relationships" xmlns:p="http://schemas.openxmlformats.org/presentationml/2006/main" xmlns:m="http://schemas.openxmlformats.org/officeDocument/2006/math" xmlns:a14="http://schemas.microsoft.com/office/drawing/2010/main" showMasterSp="1" showMasterPhAnim="1">
+<p:sld xmlns:a="http://schemas.openxmlformats.org/drawingml/2006/main" xmlns:r="http://schemas.openxmlformats.org/officeDocument/2006/relationships" xmlns:p="http://schemas.openxmlformats.org/presentationml/2006/main">
   <p:cSld>
     <p:spTree>
       <p:nvGrpSpPr>
@@ -6960,7 +7183,9 @@
       <p:sp>
         <p:nvSpPr>
           <p:cNvPr id="146" name="Slide Number"/>
-          <p:cNvSpPr txBox="1"/>
+          <p:cNvSpPr txBox="1">
+            <a:spLocks noGrp="1"/>
+          </p:cNvSpPr>
           <p:nvPr>
             <p:ph type="sldNum" sz="quarter" idx="2"/>
           </p:nvPr>
@@ -6975,7 +7200,7 @@
           </a:prstGeom>
           <a:extLst>
             <a:ext uri="{C572A759-6A51-4108-AA02-DFA0A04FC94B}">
-              <ma14:wrappingTextBoxFlag xmlns:ma14="http://schemas.microsoft.com/office/mac/drawingml/2011/main" val="1"/>
+              <ma14:wrappingTextBoxFlag xmlns:ma14="http://schemas.microsoft.com/office/mac/drawingml/2011/main" xmlns:a14="http://schemas.microsoft.com/office/drawing/2010/main" xmlns:m="http://schemas.openxmlformats.org/officeDocument/2006/math" xmlns="" val="1"/>
             </a:ext>
           </a:extLst>
         </p:spPr>
@@ -6983,8 +7208,10 @@
           <a:bodyPr/>
           <a:lstStyle/>
           <a:p>
-            <a:pPr/>
-            <a:fld id="{86CB4B4D-7CA3-9044-876B-883B54F8677D}" type="slidenum"/>
+            <a:fld id="{86CB4B4D-7CA3-9044-876B-883B54F8677D}" type="slidenum">
+              <a:t>6</a:t>
+            </a:fld>
+            <a:endParaRPr/>
           </a:p>
         </p:txBody>
       </p:sp>
@@ -7007,7 +7234,7 @@
           </a:ln>
           <a:extLst>
             <a:ext uri="{C572A759-6A51-4108-AA02-DFA0A04FC94B}">
-              <ma14:wrappingTextBoxFlag xmlns:ma14="http://schemas.microsoft.com/office/mac/drawingml/2011/main" val="1"/>
+              <ma14:wrappingTextBoxFlag xmlns:ma14="http://schemas.microsoft.com/office/mac/drawingml/2011/main" xmlns:a14="http://schemas.microsoft.com/office/drawing/2010/main" xmlns:m="http://schemas.openxmlformats.org/officeDocument/2006/math" xmlns="" val="1"/>
             </a:ext>
           </a:extLst>
         </p:spPr>
@@ -7017,7 +7244,6 @@
           </a:bodyPr>
           <a:lstStyle/>
           <a:p>
-            <a:pPr/>
             <a:r>
               <a:t>What?</a:t>
             </a:r>
@@ -7043,7 +7269,7 @@
           </a:ln>
           <a:extLst>
             <a:ext uri="{C572A759-6A51-4108-AA02-DFA0A04FC94B}">
-              <ma14:wrappingTextBoxFlag xmlns:ma14="http://schemas.microsoft.com/office/mac/drawingml/2011/main" val="1"/>
+              <ma14:wrappingTextBoxFlag xmlns:ma14="http://schemas.microsoft.com/office/mac/drawingml/2011/main" xmlns:a14="http://schemas.microsoft.com/office/drawing/2010/main" xmlns:m="http://schemas.openxmlformats.org/officeDocument/2006/math" xmlns="" val="1"/>
             </a:ext>
           </a:extLst>
         </p:spPr>
@@ -7064,6 +7290,7 @@
             <a:pPr algn="l">
               <a:defRPr sz="1800"/>
             </a:pPr>
+            <a:endParaRPr/>
           </a:p>
           <a:p>
             <a:pPr marL="250031" indent="-250031" algn="l">
@@ -7146,7 +7373,7 @@
             </a:r>
             <a:r>
               <a:rPr sz="1000" u="sng">
-                <a:hlinkClick r:id="rId2" invalidUrl="" action="" tgtFrame="" tooltip="" history="1" highlightClick="0" endSnd="0"/>
+                <a:hlinkClick r:id="rId2"/>
               </a:rPr>
               <a:t>https://docs.spring.io/spring-statemachine/docs/3.0.0.M1/reference/#modules</a:t>
             </a:r>
@@ -7172,7 +7399,7 @@
           </a:ln>
           <a:extLst>
             <a:ext uri="{C572A759-6A51-4108-AA02-DFA0A04FC94B}">
-              <ma14:wrappingTextBoxFlag xmlns:ma14="http://schemas.microsoft.com/office/mac/drawingml/2011/main" val="1"/>
+              <ma14:wrappingTextBoxFlag xmlns:ma14="http://schemas.microsoft.com/office/mac/drawingml/2011/main" xmlns:a14="http://schemas.microsoft.com/office/drawing/2010/main" xmlns:m="http://schemas.openxmlformats.org/officeDocument/2006/math" xmlns="" val="1"/>
             </a:ext>
           </a:extLst>
         </p:spPr>
@@ -7185,7 +7412,7 @@
               <a:lnSpc>
                 <a:spcPts val="2800"/>
               </a:lnSpc>
-              <a:defRPr b="0" sz="1200" u="sng">
+              <a:defRPr sz="1200" b="0" u="sng">
                 <a:solidFill>
                   <a:srgbClr val="0000EE"/>
                 </a:solidFill>
@@ -7193,15 +7420,14 @@
                 <a:ea typeface="Times"/>
                 <a:cs typeface="Times"/>
                 <a:sym typeface="Times"/>
-                <a:hlinkClick r:id="rId3" invalidUrl="" action="" tgtFrame="" tooltip="" history="1" highlightClick="0" endSnd="0"/>
+                <a:hlinkClick r:id="rId3"/>
               </a:defRPr>
             </a:lvl1pPr>
           </a:lstStyle>
           <a:p>
-            <a:pPr/>
             <a:r>
               <a:rPr>
-                <a:hlinkClick r:id="rId3" invalidUrl="" action="" tgtFrame="" tooltip="" history="1" highlightClick="0" endSnd="0"/>
+                <a:hlinkClick r:id="rId3"/>
               </a:rPr>
               <a:t> </a:t>
             </a:r>
@@ -7242,12 +7468,12 @@
   <p:clrMapOvr>
     <a:masterClrMapping/>
   </p:clrMapOvr>
-  <p:transition xmlns:p14="http://schemas.microsoft.com/office/powerpoint/2010/main" spd="med" advClick="1"/>
+  <p:transition spd="med"/>
 </p:sld>
 </file>
 
 <file path=ppt/slides/slide7.xml><?xml version="1.0" encoding="utf-8"?>
-<p:sld xmlns:a="http://schemas.openxmlformats.org/drawingml/2006/main" xmlns:r="http://schemas.openxmlformats.org/officeDocument/2006/relationships" xmlns:p="http://schemas.openxmlformats.org/presentationml/2006/main" xmlns:m="http://schemas.openxmlformats.org/officeDocument/2006/math" xmlns:a14="http://schemas.microsoft.com/office/drawing/2010/main" showMasterSp="1" showMasterPhAnim="1">
+<p:sld xmlns:a="http://schemas.openxmlformats.org/drawingml/2006/main" xmlns:r="http://schemas.openxmlformats.org/officeDocument/2006/relationships" xmlns:p="http://schemas.openxmlformats.org/presentationml/2006/main">
   <p:cSld>
     <p:spTree>
       <p:nvGrpSpPr>
@@ -7266,7 +7492,9 @@
       <p:sp>
         <p:nvSpPr>
           <p:cNvPr id="152" name="Slide Number"/>
-          <p:cNvSpPr txBox="1"/>
+          <p:cNvSpPr txBox="1">
+            <a:spLocks noGrp="1"/>
+          </p:cNvSpPr>
           <p:nvPr>
             <p:ph type="sldNum" sz="quarter" idx="2"/>
           </p:nvPr>
@@ -7281,7 +7509,7 @@
           </a:prstGeom>
           <a:extLst>
             <a:ext uri="{C572A759-6A51-4108-AA02-DFA0A04FC94B}">
-              <ma14:wrappingTextBoxFlag xmlns:ma14="http://schemas.microsoft.com/office/mac/drawingml/2011/main" val="1"/>
+              <ma14:wrappingTextBoxFlag xmlns:ma14="http://schemas.microsoft.com/office/mac/drawingml/2011/main" xmlns:a14="http://schemas.microsoft.com/office/drawing/2010/main" xmlns:m="http://schemas.openxmlformats.org/officeDocument/2006/math" xmlns="" val="1"/>
             </a:ext>
           </a:extLst>
         </p:spPr>
@@ -7289,8 +7517,10 @@
           <a:bodyPr/>
           <a:lstStyle/>
           <a:p>
-            <a:pPr/>
-            <a:fld id="{86CB4B4D-7CA3-9044-876B-883B54F8677D}" type="slidenum"/>
+            <a:fld id="{86CB4B4D-7CA3-9044-876B-883B54F8677D}" type="slidenum">
+              <a:t>7</a:t>
+            </a:fld>
+            <a:endParaRPr/>
           </a:p>
         </p:txBody>
       </p:sp>
@@ -7313,7 +7543,7 @@
           </a:ln>
           <a:extLst>
             <a:ext uri="{C572A759-6A51-4108-AA02-DFA0A04FC94B}">
-              <ma14:wrappingTextBoxFlag xmlns:ma14="http://schemas.microsoft.com/office/mac/drawingml/2011/main" val="1"/>
+              <ma14:wrappingTextBoxFlag xmlns:ma14="http://schemas.microsoft.com/office/mac/drawingml/2011/main" xmlns:a14="http://schemas.microsoft.com/office/drawing/2010/main" xmlns:m="http://schemas.openxmlformats.org/officeDocument/2006/math" xmlns="" val="1"/>
             </a:ext>
           </a:extLst>
         </p:spPr>
@@ -7323,7 +7553,6 @@
           </a:bodyPr>
           <a:lstStyle/>
           <a:p>
-            <a:pPr/>
             <a:r>
               <a:t>Why?</a:t>
             </a:r>
@@ -7338,7 +7567,7 @@
         </p:nvSpPr>
         <p:spPr>
           <a:xfrm>
-            <a:off x="819624" y="2339769"/>
+            <a:off x="778211" y="1683266"/>
             <a:ext cx="11441603" cy="825501"/>
           </a:xfrm>
           <a:prstGeom prst="rect">
@@ -7349,7 +7578,7 @@
           </a:ln>
           <a:extLst>
             <a:ext uri="{C572A759-6A51-4108-AA02-DFA0A04FC94B}">
-              <ma14:wrappingTextBoxFlag xmlns:ma14="http://schemas.microsoft.com/office/mac/drawingml/2011/main" val="1"/>
+              <ma14:wrappingTextBoxFlag xmlns:ma14="http://schemas.microsoft.com/office/mac/drawingml/2011/main" xmlns:a14="http://schemas.microsoft.com/office/drawing/2010/main" xmlns:m="http://schemas.openxmlformats.org/officeDocument/2006/math" xmlns="" val="1"/>
             </a:ext>
           </a:extLst>
         </p:spPr>
@@ -7362,7 +7591,7 @@
               <a:lnSpc>
                 <a:spcPts val="3700"/>
               </a:lnSpc>
-              <a:defRPr b="0" sz="1600">
+              <a:defRPr sz="1600" b="0">
                 <a:latin typeface="Helvetica"/>
                 <a:ea typeface="Helvetica"/>
                 <a:cs typeface="Helvetica"/>
@@ -7371,8 +7600,8 @@
             </a:lvl1pPr>
           </a:lstStyle>
           <a:p>
-            <a:pPr/>
-            <a:r>
+            <a:r>
+              <a:rPr dirty="0"/>
               <a:t>Traditionally, state machines are added to an existing project when developers realize that the code base is starting to look like a plate full of spaghetti. Spaghetti code looks like a never ending, hierarchical structure of IF, ELSE, and BREAK clauses, and compilers should probably ask developers to go home when things are starting to look too complex.</a:t>
             </a:r>
           </a:p>
@@ -7386,7 +7615,7 @@
         </p:nvSpPr>
         <p:spPr>
           <a:xfrm>
-            <a:off x="869095" y="3217678"/>
+            <a:off x="778211" y="4339340"/>
             <a:ext cx="11266610" cy="3835401"/>
           </a:xfrm>
           <a:prstGeom prst="rect">
@@ -7397,7 +7626,7 @@
           </a:ln>
           <a:extLst>
             <a:ext uri="{C572A759-6A51-4108-AA02-DFA0A04FC94B}">
-              <ma14:wrappingTextBoxFlag xmlns:ma14="http://schemas.microsoft.com/office/mac/drawingml/2011/main" val="1"/>
+              <ma14:wrappingTextBoxFlag xmlns:ma14="http://schemas.microsoft.com/office/mac/drawingml/2011/main" xmlns:a14="http://schemas.microsoft.com/office/drawing/2010/main" xmlns:m="http://schemas.openxmlformats.org/officeDocument/2006/math" xmlns="" val="1"/>
             </a:ext>
           </a:extLst>
         </p:spPr>
@@ -7414,7 +7643,7 @@
               <a:spcBef>
                 <a:spcPts val="2000"/>
               </a:spcBef>
-              <a:defRPr b="0" sz="1600">
+              <a:defRPr sz="1600" b="0">
                 <a:latin typeface="Helvetica"/>
                 <a:ea typeface="Helvetica"/>
                 <a:cs typeface="Helvetica"/>
@@ -7422,6 +7651,7 @@
               </a:defRPr>
             </a:pPr>
             <a:r>
+              <a:rPr dirty="0"/>
               <a:t>You are already trying to implement a state machine when you:</a:t>
             </a:r>
           </a:p>
@@ -7439,7 +7669,7 @@
               <a:buSzPct val="75000"/>
               <a:buFont typeface="Helvetica"/>
               <a:buChar char="•"/>
-              <a:defRPr b="0" sz="1600">
+              <a:defRPr sz="1600" b="0">
                 <a:latin typeface="Helvetica"/>
                 <a:ea typeface="Helvetica"/>
                 <a:cs typeface="Helvetica"/>
@@ -7447,9 +7677,29 @@
               </a:defRPr>
             </a:pPr>
             <a:r>
-              <a:t>Use boolean flags or enums to model situations.</a:t>
-            </a:r>
-            <a:br/>
+              <a:rPr dirty="0"/>
+              <a:t>Use </a:t>
+            </a:r>
+            <a:r>
+              <a:rPr dirty="0" err="1"/>
+              <a:t>boolean</a:t>
+            </a:r>
+            <a:r>
+              <a:rPr dirty="0"/>
+              <a:t> flags or </a:t>
+            </a:r>
+            <a:r>
+              <a:rPr dirty="0" err="1"/>
+              <a:t>enums</a:t>
+            </a:r>
+            <a:r>
+              <a:rPr dirty="0"/>
+              <a:t> to model situations.</a:t>
+            </a:r>
+            <a:br>
+              <a:rPr dirty="0"/>
+            </a:br>
+            <a:endParaRPr dirty="0"/>
           </a:p>
           <a:p>
             <a:pPr marL="457200" indent="-317500" algn="l" defTabSz="457200">
@@ -7465,7 +7715,7 @@
               <a:buSzPct val="75000"/>
               <a:buFont typeface="Helvetica"/>
               <a:buChar char="•"/>
-              <a:defRPr b="0" sz="1600">
+              <a:defRPr sz="1600" b="0">
                 <a:latin typeface="Helvetica"/>
                 <a:ea typeface="Helvetica"/>
                 <a:cs typeface="Helvetica"/>
@@ -7473,9 +7723,13 @@
               </a:defRPr>
             </a:pPr>
             <a:r>
+              <a:rPr dirty="0"/>
               <a:t>Have variables that have meaning only for some part of your application lifecycle.</a:t>
             </a:r>
-            <a:br/>
+            <a:br>
+              <a:rPr dirty="0"/>
+            </a:br>
+            <a:endParaRPr dirty="0"/>
           </a:p>
           <a:p>
             <a:pPr marL="457200" indent="-317500" algn="l" defTabSz="457200">
@@ -7491,7 +7745,7 @@
               <a:buSzPct val="75000"/>
               <a:buFont typeface="Helvetica"/>
               <a:buChar char="•"/>
-              <a:defRPr b="0" sz="1600">
+              <a:defRPr sz="1600" b="0">
                 <a:latin typeface="Helvetica"/>
                 <a:ea typeface="Helvetica"/>
                 <a:cs typeface="Helvetica"/>
@@ -7499,9 +7753,29 @@
               </a:defRPr>
             </a:pPr>
             <a:r>
-              <a:t>Loop through an if-else structure (or, worse, multiple such structures), check whether a particular flag or enum is set, and then make further exceptions about what to do when certain combinations of your flags and enums exist or do not exist.</a:t>
-            </a:r>
-            <a:br/>
+              <a:rPr dirty="0"/>
+              <a:t>Loop through an if-else structure (or, worse, multiple such structures), check whether a particular flag or </a:t>
+            </a:r>
+            <a:r>
+              <a:rPr dirty="0" err="1"/>
+              <a:t>enum</a:t>
+            </a:r>
+            <a:r>
+              <a:rPr dirty="0"/>
+              <a:t> is set, and then make further exceptions about what to do when certain combinations of your flags and </a:t>
+            </a:r>
+            <a:r>
+              <a:rPr dirty="0" err="1"/>
+              <a:t>enums</a:t>
+            </a:r>
+            <a:r>
+              <a:rPr dirty="0"/>
+              <a:t> exist or do not exist.</a:t>
+            </a:r>
+            <a:br>
+              <a:rPr dirty="0"/>
+            </a:br>
+            <a:endParaRPr dirty="0"/>
           </a:p>
         </p:txBody>
       </p:sp>
@@ -7510,12 +7784,12 @@
   <p:clrMapOvr>
     <a:masterClrMapping/>
   </p:clrMapOvr>
-  <p:transition xmlns:p14="http://schemas.microsoft.com/office/powerpoint/2010/main" spd="med" advClick="1"/>
+  <p:transition spd="med"/>
 </p:sld>
 </file>
 
 <file path=ppt/slides/slide8.xml><?xml version="1.0" encoding="utf-8"?>
-<p:sld xmlns:a="http://schemas.openxmlformats.org/drawingml/2006/main" xmlns:r="http://schemas.openxmlformats.org/officeDocument/2006/relationships" xmlns:p="http://schemas.openxmlformats.org/presentationml/2006/main" xmlns:m="http://schemas.openxmlformats.org/officeDocument/2006/math" xmlns:a14="http://schemas.microsoft.com/office/drawing/2010/main" showMasterSp="1" showMasterPhAnim="1">
+<p:sld xmlns:a="http://schemas.openxmlformats.org/drawingml/2006/main" xmlns:r="http://schemas.openxmlformats.org/officeDocument/2006/relationships" xmlns:p="http://schemas.openxmlformats.org/presentationml/2006/main">
   <p:cSld>
     <p:spTree>
       <p:nvGrpSpPr>
@@ -7534,7 +7808,9 @@
       <p:sp>
         <p:nvSpPr>
           <p:cNvPr id="157" name="Slide Number"/>
-          <p:cNvSpPr txBox="1"/>
+          <p:cNvSpPr txBox="1">
+            <a:spLocks noGrp="1"/>
+          </p:cNvSpPr>
           <p:nvPr>
             <p:ph type="sldNum" sz="quarter" idx="2"/>
           </p:nvPr>
@@ -7549,7 +7825,7 @@
           </a:prstGeom>
           <a:extLst>
             <a:ext uri="{C572A759-6A51-4108-AA02-DFA0A04FC94B}">
-              <ma14:wrappingTextBoxFlag xmlns:ma14="http://schemas.microsoft.com/office/mac/drawingml/2011/main" val="1"/>
+              <ma14:wrappingTextBoxFlag xmlns:ma14="http://schemas.microsoft.com/office/mac/drawingml/2011/main" xmlns:a14="http://schemas.microsoft.com/office/drawing/2010/main" xmlns:m="http://schemas.openxmlformats.org/officeDocument/2006/math" xmlns="" val="1"/>
             </a:ext>
           </a:extLst>
         </p:spPr>
@@ -7557,8 +7833,10 @@
           <a:bodyPr/>
           <a:lstStyle/>
           <a:p>
-            <a:pPr/>
-            <a:fld id="{86CB4B4D-7CA3-9044-876B-883B54F8677D}" type="slidenum"/>
+            <a:fld id="{86CB4B4D-7CA3-9044-876B-883B54F8677D}" type="slidenum">
+              <a:t>8</a:t>
+            </a:fld>
+            <a:endParaRPr/>
           </a:p>
         </p:txBody>
       </p:sp>
@@ -7581,7 +7859,7 @@
           </a:ln>
           <a:extLst>
             <a:ext uri="{C572A759-6A51-4108-AA02-DFA0A04FC94B}">
-              <ma14:wrappingTextBoxFlag xmlns:ma14="http://schemas.microsoft.com/office/mac/drawingml/2011/main" val="1"/>
+              <ma14:wrappingTextBoxFlag xmlns:ma14="http://schemas.microsoft.com/office/mac/drawingml/2011/main" xmlns:a14="http://schemas.microsoft.com/office/drawing/2010/main" xmlns:m="http://schemas.openxmlformats.org/officeDocument/2006/math" xmlns="" val="1"/>
             </a:ext>
           </a:extLst>
         </p:spPr>
@@ -7591,7 +7869,6 @@
           </a:bodyPr>
           <a:lstStyle/>
           <a:p>
-            <a:pPr/>
             <a:r>
               <a:t>Hands-on: Modeling RESTfull APIs using SSM</a:t>
             </a:r>
@@ -7624,7 +7901,7 @@
             <a:blip r:embed="rId2">
               <a:extLst/>
             </a:blip>
-            <a:srcRect l="0" t="11" r="0" b="11"/>
+            <a:srcRect t="11" b="11"/>
             <a:stretch>
               <a:fillRect/>
             </a:stretch>
@@ -7666,7 +7943,7 @@
             <a:effectLst/>
             <a:extLst>
               <a:ext uri="{C572A759-6A51-4108-AA02-DFA0A04FC94B}">
-                <ma14:wrappingTextBoxFlag xmlns:ma14="http://schemas.microsoft.com/office/mac/drawingml/2011/main" val="1"/>
+                <ma14:wrappingTextBoxFlag xmlns:ma14="http://schemas.microsoft.com/office/mac/drawingml/2011/main" xmlns:a14="http://schemas.microsoft.com/office/drawing/2010/main" xmlns:m="http://schemas.openxmlformats.org/officeDocument/2006/math" xmlns="" val="1"/>
               </a:ext>
             </a:extLst>
           </p:spPr>
@@ -7680,7 +7957,6 @@
               </a:lvl1pPr>
             </a:lstStyle>
             <a:p>
-              <a:pPr/>
               <a:r>
                 <a:t>Create Contact</a:t>
               </a:r>
@@ -7722,12 +7998,12 @@
   <p:clrMapOvr>
     <a:masterClrMapping/>
   </p:clrMapOvr>
-  <p:transition xmlns:p14="http://schemas.microsoft.com/office/powerpoint/2010/main" spd="med" advClick="1"/>
+  <p:transition spd="med"/>
 </p:sld>
 </file>
 
 <file path=ppt/slides/slide9.xml><?xml version="1.0" encoding="utf-8"?>
-<p:sld xmlns:a="http://schemas.openxmlformats.org/drawingml/2006/main" xmlns:r="http://schemas.openxmlformats.org/officeDocument/2006/relationships" xmlns:p="http://schemas.openxmlformats.org/presentationml/2006/main" xmlns:m="http://schemas.openxmlformats.org/officeDocument/2006/math" xmlns:a14="http://schemas.microsoft.com/office/drawing/2010/main" showMasterSp="1" showMasterPhAnim="1">
+<p:sld xmlns:a="http://schemas.openxmlformats.org/drawingml/2006/main" xmlns:r="http://schemas.openxmlformats.org/officeDocument/2006/relationships" xmlns:p="http://schemas.openxmlformats.org/presentationml/2006/main">
   <p:cSld>
     <p:spTree>
       <p:nvGrpSpPr>
@@ -7746,7 +8022,9 @@
       <p:sp>
         <p:nvSpPr>
           <p:cNvPr id="164" name="Slide Number"/>
-          <p:cNvSpPr txBox="1"/>
+          <p:cNvSpPr txBox="1">
+            <a:spLocks noGrp="1"/>
+          </p:cNvSpPr>
           <p:nvPr>
             <p:ph type="sldNum" sz="quarter" idx="2"/>
           </p:nvPr>
@@ -7761,7 +8039,7 @@
           </a:prstGeom>
           <a:extLst>
             <a:ext uri="{C572A759-6A51-4108-AA02-DFA0A04FC94B}">
-              <ma14:wrappingTextBoxFlag xmlns:ma14="http://schemas.microsoft.com/office/mac/drawingml/2011/main" val="1"/>
+              <ma14:wrappingTextBoxFlag xmlns:ma14="http://schemas.microsoft.com/office/mac/drawingml/2011/main" xmlns:a14="http://schemas.microsoft.com/office/drawing/2010/main" xmlns:m="http://schemas.openxmlformats.org/officeDocument/2006/math" xmlns="" val="1"/>
             </a:ext>
           </a:extLst>
         </p:spPr>
@@ -7769,8 +8047,10 @@
           <a:bodyPr/>
           <a:lstStyle/>
           <a:p>
-            <a:pPr/>
-            <a:fld id="{86CB4B4D-7CA3-9044-876B-883B54F8677D}" type="slidenum"/>
+            <a:fld id="{86CB4B4D-7CA3-9044-876B-883B54F8677D}" type="slidenum">
+              <a:t>9</a:t>
+            </a:fld>
+            <a:endParaRPr/>
           </a:p>
         </p:txBody>
       </p:sp>
@@ -7800,7 +8080,7 @@
             <a:blip r:embed="rId2">
               <a:extLst/>
             </a:blip>
-            <a:srcRect l="26" t="0" r="26" b="0"/>
+            <a:srcRect l="26" r="26"/>
             <a:stretch>
               <a:fillRect/>
             </a:stretch>
@@ -7842,7 +8122,7 @@
             <a:effectLst/>
             <a:extLst>
               <a:ext uri="{C572A759-6A51-4108-AA02-DFA0A04FC94B}">
-                <ma14:wrappingTextBoxFlag xmlns:ma14="http://schemas.microsoft.com/office/mac/drawingml/2011/main" val="1"/>
+                <ma14:wrappingTextBoxFlag xmlns:ma14="http://schemas.microsoft.com/office/mac/drawingml/2011/main" xmlns:a14="http://schemas.microsoft.com/office/drawing/2010/main" xmlns:m="http://schemas.openxmlformats.org/officeDocument/2006/math" xmlns="" val="1"/>
               </a:ext>
             </a:extLst>
           </p:spPr>
@@ -7856,7 +8136,6 @@
               </a:lvl1pPr>
             </a:lstStyle>
             <a:p>
-              <a:pPr/>
               <a:r>
                 <a:t>Update Contact</a:t>
               </a:r>
@@ -7898,12 +8177,12 @@
   <p:clrMapOvr>
     <a:masterClrMapping/>
   </p:clrMapOvr>
-  <p:transition xmlns:p14="http://schemas.microsoft.com/office/powerpoint/2010/main" spd="med" advClick="1"/>
+  <p:transition spd="med"/>
 </p:sld>
 </file>
 
 <file path=ppt/theme/theme1.xml><?xml version="1.0" encoding="utf-8"?>
-<a:theme xmlns:a="http://schemas.openxmlformats.org/drawingml/2006/main" xmlns:r="http://schemas.openxmlformats.org/officeDocument/2006/relationships" name="White">
+<a:theme xmlns:a="http://schemas.openxmlformats.org/drawingml/2006/main" name="White">
   <a:themeElements>
     <a:clrScheme name="White">
       <a:dk1>
@@ -8102,7 +8381,7 @@
         <a:effectLst/>
         <a:sp3d/>
       </a:spPr>
-      <a:bodyPr rot="0" spcFirstLastPara="1" vertOverflow="overflow" horzOverflow="overflow" vert="horz" wrap="square" lIns="50800" tIns="50800" rIns="50800" bIns="50800" numCol="1" spcCol="38100" rtlCol="0" anchor="ctr" upright="0">
+      <a:bodyPr rot="0" spcFirstLastPara="1" vertOverflow="overflow" horzOverflow="overflow" vert="horz" wrap="square" lIns="50800" tIns="50800" rIns="50800" bIns="50800" numCol="1" spcCol="38100" rtlCol="0" anchor="ctr">
         <a:spAutoFit/>
       </a:bodyPr>
       <a:lstStyle>
@@ -8121,7 +8400,7 @@
           <a:buFontTx/>
           <a:buNone/>
           <a:tabLst/>
-          <a:defRPr b="0" baseline="0" cap="none" i="0" spc="0" strike="noStrike" sz="2200" u="none" kumimoji="0" normalizeH="0">
+          <a:defRPr kumimoji="0" sz="2200" b="0" i="0" u="none" strike="noStrike" cap="none" spc="0" normalizeH="0" baseline="0">
             <a:ln>
               <a:noFill/>
             </a:ln>
@@ -8151,7 +8430,7 @@
           <a:buFontTx/>
           <a:buNone/>
           <a:tabLst/>
-          <a:defRPr b="0" baseline="0" cap="none" i="0" spc="0" strike="noStrike" sz="1800" u="none" kumimoji="0" normalizeH="0">
+          <a:defRPr kumimoji="0" sz="1800" b="0" i="0" u="none" strike="noStrike" cap="none" spc="0" normalizeH="0" baseline="0">
             <a:ln>
               <a:noFill/>
             </a:ln>
@@ -8177,7 +8456,7 @@
           <a:buFontTx/>
           <a:buNone/>
           <a:tabLst/>
-          <a:defRPr b="0" baseline="0" cap="none" i="0" spc="0" strike="noStrike" sz="1800" u="none" kumimoji="0" normalizeH="0">
+          <a:defRPr kumimoji="0" sz="1800" b="0" i="0" u="none" strike="noStrike" cap="none" spc="0" normalizeH="0" baseline="0">
             <a:ln>
               <a:noFill/>
             </a:ln>
@@ -8203,7 +8482,7 @@
           <a:buFontTx/>
           <a:buNone/>
           <a:tabLst/>
-          <a:defRPr b="0" baseline="0" cap="none" i="0" spc="0" strike="noStrike" sz="1800" u="none" kumimoji="0" normalizeH="0">
+          <a:defRPr kumimoji="0" sz="1800" b="0" i="0" u="none" strike="noStrike" cap="none" spc="0" normalizeH="0" baseline="0">
             <a:ln>
               <a:noFill/>
             </a:ln>
@@ -8229,7 +8508,7 @@
           <a:buFontTx/>
           <a:buNone/>
           <a:tabLst/>
-          <a:defRPr b="0" baseline="0" cap="none" i="0" spc="0" strike="noStrike" sz="1800" u="none" kumimoji="0" normalizeH="0">
+          <a:defRPr kumimoji="0" sz="1800" b="0" i="0" u="none" strike="noStrike" cap="none" spc="0" normalizeH="0" baseline="0">
             <a:ln>
               <a:noFill/>
             </a:ln>
@@ -8255,7 +8534,7 @@
           <a:buFontTx/>
           <a:buNone/>
           <a:tabLst/>
-          <a:defRPr b="0" baseline="0" cap="none" i="0" spc="0" strike="noStrike" sz="1800" u="none" kumimoji="0" normalizeH="0">
+          <a:defRPr kumimoji="0" sz="1800" b="0" i="0" u="none" strike="noStrike" cap="none" spc="0" normalizeH="0" baseline="0">
             <a:ln>
               <a:noFill/>
             </a:ln>
@@ -8281,7 +8560,7 @@
           <a:buFontTx/>
           <a:buNone/>
           <a:tabLst/>
-          <a:defRPr b="0" baseline="0" cap="none" i="0" spc="0" strike="noStrike" sz="1800" u="none" kumimoji="0" normalizeH="0">
+          <a:defRPr kumimoji="0" sz="1800" b="0" i="0" u="none" strike="noStrike" cap="none" spc="0" normalizeH="0" baseline="0">
             <a:ln>
               <a:noFill/>
             </a:ln>
@@ -8307,7 +8586,7 @@
           <a:buFontTx/>
           <a:buNone/>
           <a:tabLst/>
-          <a:defRPr b="0" baseline="0" cap="none" i="0" spc="0" strike="noStrike" sz="1800" u="none" kumimoji="0" normalizeH="0">
+          <a:defRPr kumimoji="0" sz="1800" b="0" i="0" u="none" strike="noStrike" cap="none" spc="0" normalizeH="0" baseline="0">
             <a:ln>
               <a:noFill/>
             </a:ln>
@@ -8333,7 +8612,7 @@
           <a:buFontTx/>
           <a:buNone/>
           <a:tabLst/>
-          <a:defRPr b="0" baseline="0" cap="none" i="0" spc="0" strike="noStrike" sz="1800" u="none" kumimoji="0" normalizeH="0">
+          <a:defRPr kumimoji="0" sz="1800" b="0" i="0" u="none" strike="noStrike" cap="none" spc="0" normalizeH="0" baseline="0">
             <a:ln>
               <a:noFill/>
             </a:ln>
@@ -8359,7 +8638,7 @@
           <a:buFontTx/>
           <a:buNone/>
           <a:tabLst/>
-          <a:defRPr b="0" baseline="0" cap="none" i="0" spc="0" strike="noStrike" sz="1800" u="none" kumimoji="0" normalizeH="0">
+          <a:defRPr kumimoji="0" sz="1800" b="0" i="0" u="none" strike="noStrike" cap="none" spc="0" normalizeH="0" baseline="0">
             <a:ln>
               <a:noFill/>
             </a:ln>
@@ -8372,9 +8651,15 @@
         </a:lvl9pPr>
       </a:lstStyle>
       <a:style>
-        <a:lnRef idx="0"/>
-        <a:fillRef idx="0"/>
-        <a:effectRef idx="0"/>
+        <a:lnRef idx="0">
+          <a:scrgbClr r="0" g="0" b="0"/>
+        </a:lnRef>
+        <a:fillRef idx="0">
+          <a:scrgbClr r="0" g="0" b="0"/>
+        </a:fillRef>
+        <a:effectRef idx="0">
+          <a:scrgbClr r="0" g="0" b="0"/>
+        </a:effectRef>
         <a:fontRef idx="none"/>
       </a:style>
     </a:spDef>
@@ -8391,7 +8676,7 @@
         <a:effectLst/>
         <a:sp3d/>
       </a:spPr>
-      <a:bodyPr rot="0" spcFirstLastPara="1" vertOverflow="overflow" horzOverflow="overflow" vert="horz" wrap="square" lIns="91439" tIns="45719" rIns="91439" bIns="45719" numCol="1" spcCol="38100" rtlCol="0" anchor="t" upright="0">
+      <a:bodyPr rot="0" spcFirstLastPara="1" vertOverflow="overflow" horzOverflow="overflow" vert="horz" wrap="square" lIns="91439" tIns="45719" rIns="91439" bIns="45719" numCol="1" spcCol="38100" rtlCol="0" anchor="t">
         <a:noAutofit/>
       </a:bodyPr>
       <a:lstStyle>
@@ -8410,7 +8695,7 @@
           <a:buFontTx/>
           <a:buNone/>
           <a:tabLst/>
-          <a:defRPr b="0" baseline="0" cap="none" i="0" spc="0" strike="noStrike" sz="1800" u="none" kumimoji="0" normalizeH="0">
+          <a:defRPr kumimoji="0" sz="1800" b="0" i="0" u="none" strike="noStrike" cap="none" spc="0" normalizeH="0" baseline="0">
             <a:ln>
               <a:noFill/>
             </a:ln>
@@ -8436,7 +8721,7 @@
           <a:buFontTx/>
           <a:buNone/>
           <a:tabLst/>
-          <a:defRPr b="0" baseline="0" cap="none" i="0" spc="0" strike="noStrike" sz="1800" u="none" kumimoji="0" normalizeH="0">
+          <a:defRPr kumimoji="0" sz="1800" b="0" i="0" u="none" strike="noStrike" cap="none" spc="0" normalizeH="0" baseline="0">
             <a:ln>
               <a:noFill/>
             </a:ln>
@@ -8462,7 +8747,7 @@
           <a:buFontTx/>
           <a:buNone/>
           <a:tabLst/>
-          <a:defRPr b="0" baseline="0" cap="none" i="0" spc="0" strike="noStrike" sz="1800" u="none" kumimoji="0" normalizeH="0">
+          <a:defRPr kumimoji="0" sz="1800" b="0" i="0" u="none" strike="noStrike" cap="none" spc="0" normalizeH="0" baseline="0">
             <a:ln>
               <a:noFill/>
             </a:ln>
@@ -8488,7 +8773,7 @@
           <a:buFontTx/>
           <a:buNone/>
           <a:tabLst/>
-          <a:defRPr b="0" baseline="0" cap="none" i="0" spc="0" strike="noStrike" sz="1800" u="none" kumimoji="0" normalizeH="0">
+          <a:defRPr kumimoji="0" sz="1800" b="0" i="0" u="none" strike="noStrike" cap="none" spc="0" normalizeH="0" baseline="0">
             <a:ln>
               <a:noFill/>
             </a:ln>
@@ -8514,7 +8799,7 @@
           <a:buFontTx/>
           <a:buNone/>
           <a:tabLst/>
-          <a:defRPr b="0" baseline="0" cap="none" i="0" spc="0" strike="noStrike" sz="1800" u="none" kumimoji="0" normalizeH="0">
+          <a:defRPr kumimoji="0" sz="1800" b="0" i="0" u="none" strike="noStrike" cap="none" spc="0" normalizeH="0" baseline="0">
             <a:ln>
               <a:noFill/>
             </a:ln>
@@ -8540,7 +8825,7 @@
           <a:buFontTx/>
           <a:buNone/>
           <a:tabLst/>
-          <a:defRPr b="0" baseline="0" cap="none" i="0" spc="0" strike="noStrike" sz="1800" u="none" kumimoji="0" normalizeH="0">
+          <a:defRPr kumimoji="0" sz="1800" b="0" i="0" u="none" strike="noStrike" cap="none" spc="0" normalizeH="0" baseline="0">
             <a:ln>
               <a:noFill/>
             </a:ln>
@@ -8566,7 +8851,7 @@
           <a:buFontTx/>
           <a:buNone/>
           <a:tabLst/>
-          <a:defRPr b="0" baseline="0" cap="none" i="0" spc="0" strike="noStrike" sz="1800" u="none" kumimoji="0" normalizeH="0">
+          <a:defRPr kumimoji="0" sz="1800" b="0" i="0" u="none" strike="noStrike" cap="none" spc="0" normalizeH="0" baseline="0">
             <a:ln>
               <a:noFill/>
             </a:ln>
@@ -8592,7 +8877,7 @@
           <a:buFontTx/>
           <a:buNone/>
           <a:tabLst/>
-          <a:defRPr b="0" baseline="0" cap="none" i="0" spc="0" strike="noStrike" sz="1800" u="none" kumimoji="0" normalizeH="0">
+          <a:defRPr kumimoji="0" sz="1800" b="0" i="0" u="none" strike="noStrike" cap="none" spc="0" normalizeH="0" baseline="0">
             <a:ln>
               <a:noFill/>
             </a:ln>
@@ -8618,7 +8903,7 @@
           <a:buFontTx/>
           <a:buNone/>
           <a:tabLst/>
-          <a:defRPr b="0" baseline="0" cap="none" i="0" spc="0" strike="noStrike" sz="1800" u="none" kumimoji="0" normalizeH="0">
+          <a:defRPr kumimoji="0" sz="1800" b="0" i="0" u="none" strike="noStrike" cap="none" spc="0" normalizeH="0" baseline="0">
             <a:ln>
               <a:noFill/>
             </a:ln>
@@ -8644,7 +8929,7 @@
           <a:buFontTx/>
           <a:buNone/>
           <a:tabLst/>
-          <a:defRPr b="0" baseline="0" cap="none" i="0" spc="0" strike="noStrike" sz="1800" u="none" kumimoji="0" normalizeH="0">
+          <a:defRPr kumimoji="0" sz="1800" b="0" i="0" u="none" strike="noStrike" cap="none" spc="0" normalizeH="0" baseline="0">
             <a:ln>
               <a:noFill/>
             </a:ln>
@@ -8657,9 +8942,15 @@
         </a:lvl9pPr>
       </a:lstStyle>
       <a:style>
-        <a:lnRef idx="0"/>
-        <a:fillRef idx="0"/>
-        <a:effectRef idx="0"/>
+        <a:lnRef idx="0">
+          <a:scrgbClr r="0" g="0" b="0"/>
+        </a:lnRef>
+        <a:fillRef idx="0">
+          <a:scrgbClr r="0" g="0" b="0"/>
+        </a:fillRef>
+        <a:effectRef idx="0">
+          <a:scrgbClr r="0" g="0" b="0"/>
+        </a:effectRef>
         <a:fontRef idx="none"/>
       </a:style>
     </a:lnDef>
@@ -8673,7 +8964,7 @@
         <a:effectLst/>
         <a:sp3d/>
       </a:spPr>
-      <a:bodyPr rot="0" spcFirstLastPara="1" vertOverflow="overflow" horzOverflow="overflow" vert="horz" wrap="square" lIns="50800" tIns="50800" rIns="50800" bIns="50800" numCol="1" spcCol="38100" rtlCol="0" anchor="ctr" upright="0">
+      <a:bodyPr rot="0" spcFirstLastPara="1" vertOverflow="overflow" horzOverflow="overflow" vert="horz" wrap="square" lIns="50800" tIns="50800" rIns="50800" bIns="50800" numCol="1" spcCol="38100" rtlCol="0" anchor="ctr">
         <a:spAutoFit/>
       </a:bodyPr>
       <a:lstStyle>
@@ -8692,7 +8983,7 @@
           <a:buFontTx/>
           <a:buNone/>
           <a:tabLst/>
-          <a:defRPr b="1" baseline="0" cap="none" i="0" spc="0" strike="noStrike" sz="2400" u="none" kumimoji="0" normalizeH="0">
+          <a:defRPr kumimoji="0" sz="2400" b="1" i="0" u="none" strike="noStrike" cap="none" spc="0" normalizeH="0" baseline="0">
             <a:ln>
               <a:noFill/>
             </a:ln>
@@ -8722,7 +9013,7 @@
           <a:buFontTx/>
           <a:buNone/>
           <a:tabLst/>
-          <a:defRPr b="0" baseline="0" cap="none" i="0" spc="0" strike="noStrike" sz="1800" u="none" kumimoji="0" normalizeH="0">
+          <a:defRPr kumimoji="0" sz="1800" b="0" i="0" u="none" strike="noStrike" cap="none" spc="0" normalizeH="0" baseline="0">
             <a:ln>
               <a:noFill/>
             </a:ln>
@@ -8748,7 +9039,7 @@
           <a:buFontTx/>
           <a:buNone/>
           <a:tabLst/>
-          <a:defRPr b="0" baseline="0" cap="none" i="0" spc="0" strike="noStrike" sz="1800" u="none" kumimoji="0" normalizeH="0">
+          <a:defRPr kumimoji="0" sz="1800" b="0" i="0" u="none" strike="noStrike" cap="none" spc="0" normalizeH="0" baseline="0">
             <a:ln>
               <a:noFill/>
             </a:ln>
@@ -8774,7 +9065,7 @@
           <a:buFontTx/>
           <a:buNone/>
           <a:tabLst/>
-          <a:defRPr b="0" baseline="0" cap="none" i="0" spc="0" strike="noStrike" sz="1800" u="none" kumimoji="0" normalizeH="0">
+          <a:defRPr kumimoji="0" sz="1800" b="0" i="0" u="none" strike="noStrike" cap="none" spc="0" normalizeH="0" baseline="0">
             <a:ln>
               <a:noFill/>
             </a:ln>
@@ -8800,7 +9091,7 @@
           <a:buFontTx/>
           <a:buNone/>
           <a:tabLst/>
-          <a:defRPr b="0" baseline="0" cap="none" i="0" spc="0" strike="noStrike" sz="1800" u="none" kumimoji="0" normalizeH="0">
+          <a:defRPr kumimoji="0" sz="1800" b="0" i="0" u="none" strike="noStrike" cap="none" spc="0" normalizeH="0" baseline="0">
             <a:ln>
               <a:noFill/>
             </a:ln>
@@ -8826,7 +9117,7 @@
           <a:buFontTx/>
           <a:buNone/>
           <a:tabLst/>
-          <a:defRPr b="0" baseline="0" cap="none" i="0" spc="0" strike="noStrike" sz="1800" u="none" kumimoji="0" normalizeH="0">
+          <a:defRPr kumimoji="0" sz="1800" b="0" i="0" u="none" strike="noStrike" cap="none" spc="0" normalizeH="0" baseline="0">
             <a:ln>
               <a:noFill/>
             </a:ln>
@@ -8852,7 +9143,7 @@
           <a:buFontTx/>
           <a:buNone/>
           <a:tabLst/>
-          <a:defRPr b="0" baseline="0" cap="none" i="0" spc="0" strike="noStrike" sz="1800" u="none" kumimoji="0" normalizeH="0">
+          <a:defRPr kumimoji="0" sz="1800" b="0" i="0" u="none" strike="noStrike" cap="none" spc="0" normalizeH="0" baseline="0">
             <a:ln>
               <a:noFill/>
             </a:ln>
@@ -8878,7 +9169,7 @@
           <a:buFontTx/>
           <a:buNone/>
           <a:tabLst/>
-          <a:defRPr b="0" baseline="0" cap="none" i="0" spc="0" strike="noStrike" sz="1800" u="none" kumimoji="0" normalizeH="0">
+          <a:defRPr kumimoji="0" sz="1800" b="0" i="0" u="none" strike="noStrike" cap="none" spc="0" normalizeH="0" baseline="0">
             <a:ln>
               <a:noFill/>
             </a:ln>
@@ -8904,7 +9195,7 @@
           <a:buFontTx/>
           <a:buNone/>
           <a:tabLst/>
-          <a:defRPr b="0" baseline="0" cap="none" i="0" spc="0" strike="noStrike" sz="1800" u="none" kumimoji="0" normalizeH="0">
+          <a:defRPr kumimoji="0" sz="1800" b="0" i="0" u="none" strike="noStrike" cap="none" spc="0" normalizeH="0" baseline="0">
             <a:ln>
               <a:noFill/>
             </a:ln>
@@ -8930,7 +9221,7 @@
           <a:buFontTx/>
           <a:buNone/>
           <a:tabLst/>
-          <a:defRPr b="0" baseline="0" cap="none" i="0" spc="0" strike="noStrike" sz="1800" u="none" kumimoji="0" normalizeH="0">
+          <a:defRPr kumimoji="0" sz="1800" b="0" i="0" u="none" strike="noStrike" cap="none" spc="0" normalizeH="0" baseline="0">
             <a:ln>
               <a:noFill/>
             </a:ln>
@@ -8943,18 +9234,25 @@
         </a:lvl9pPr>
       </a:lstStyle>
       <a:style>
-        <a:lnRef idx="0"/>
-        <a:fillRef idx="0"/>
-        <a:effectRef idx="0"/>
+        <a:lnRef idx="0">
+          <a:scrgbClr r="0" g="0" b="0"/>
+        </a:lnRef>
+        <a:fillRef idx="0">
+          <a:scrgbClr r="0" g="0" b="0"/>
+        </a:fillRef>
+        <a:effectRef idx="0">
+          <a:scrgbClr r="0" g="0" b="0"/>
+        </a:effectRef>
         <a:fontRef idx="none"/>
       </a:style>
     </a:txDef>
   </a:objectDefaults>
+  <a:extraClrSchemeLst/>
 </a:theme>
 </file>
 
 <file path=ppt/theme/theme2.xml><?xml version="1.0" encoding="utf-8"?>
-<a:theme xmlns:a="http://schemas.openxmlformats.org/drawingml/2006/main" xmlns:r="http://schemas.openxmlformats.org/officeDocument/2006/relationships" name="White">
+<a:theme xmlns:a="http://schemas.openxmlformats.org/drawingml/2006/main" name="White">
   <a:themeElements>
     <a:clrScheme name="White">
       <a:dk1>
@@ -9153,7 +9451,7 @@
         <a:effectLst/>
         <a:sp3d/>
       </a:spPr>
-      <a:bodyPr rot="0" spcFirstLastPara="1" vertOverflow="overflow" horzOverflow="overflow" vert="horz" wrap="square" lIns="50800" tIns="50800" rIns="50800" bIns="50800" numCol="1" spcCol="38100" rtlCol="0" anchor="ctr" upright="0">
+      <a:bodyPr rot="0" spcFirstLastPara="1" vertOverflow="overflow" horzOverflow="overflow" vert="horz" wrap="square" lIns="50800" tIns="50800" rIns="50800" bIns="50800" numCol="1" spcCol="38100" rtlCol="0" anchor="ctr">
         <a:spAutoFit/>
       </a:bodyPr>
       <a:lstStyle>
@@ -9172,7 +9470,7 @@
           <a:buFontTx/>
           <a:buNone/>
           <a:tabLst/>
-          <a:defRPr b="0" baseline="0" cap="none" i="0" spc="0" strike="noStrike" sz="2200" u="none" kumimoji="0" normalizeH="0">
+          <a:defRPr kumimoji="0" sz="2200" b="0" i="0" u="none" strike="noStrike" cap="none" spc="0" normalizeH="0" baseline="0">
             <a:ln>
               <a:noFill/>
             </a:ln>
@@ -9202,7 +9500,7 @@
           <a:buFontTx/>
           <a:buNone/>
           <a:tabLst/>
-          <a:defRPr b="0" baseline="0" cap="none" i="0" spc="0" strike="noStrike" sz="1800" u="none" kumimoji="0" normalizeH="0">
+          <a:defRPr kumimoji="0" sz="1800" b="0" i="0" u="none" strike="noStrike" cap="none" spc="0" normalizeH="0" baseline="0">
             <a:ln>
               <a:noFill/>
             </a:ln>
@@ -9228,7 +9526,7 @@
           <a:buFontTx/>
           <a:buNone/>
           <a:tabLst/>
-          <a:defRPr b="0" baseline="0" cap="none" i="0" spc="0" strike="noStrike" sz="1800" u="none" kumimoji="0" normalizeH="0">
+          <a:defRPr kumimoji="0" sz="1800" b="0" i="0" u="none" strike="noStrike" cap="none" spc="0" normalizeH="0" baseline="0">
             <a:ln>
               <a:noFill/>
             </a:ln>
@@ -9254,7 +9552,7 @@
           <a:buFontTx/>
           <a:buNone/>
           <a:tabLst/>
-          <a:defRPr b="0" baseline="0" cap="none" i="0" spc="0" strike="noStrike" sz="1800" u="none" kumimoji="0" normalizeH="0">
+          <a:defRPr kumimoji="0" sz="1800" b="0" i="0" u="none" strike="noStrike" cap="none" spc="0" normalizeH="0" baseline="0">
             <a:ln>
               <a:noFill/>
             </a:ln>
@@ -9280,7 +9578,7 @@
           <a:buFontTx/>
           <a:buNone/>
           <a:tabLst/>
-          <a:defRPr b="0" baseline="0" cap="none" i="0" spc="0" strike="noStrike" sz="1800" u="none" kumimoji="0" normalizeH="0">
+          <a:defRPr kumimoji="0" sz="1800" b="0" i="0" u="none" strike="noStrike" cap="none" spc="0" normalizeH="0" baseline="0">
             <a:ln>
               <a:noFill/>
             </a:ln>
@@ -9306,7 +9604,7 @@
           <a:buFontTx/>
           <a:buNone/>
           <a:tabLst/>
-          <a:defRPr b="0" baseline="0" cap="none" i="0" spc="0" strike="noStrike" sz="1800" u="none" kumimoji="0" normalizeH="0">
+          <a:defRPr kumimoji="0" sz="1800" b="0" i="0" u="none" strike="noStrike" cap="none" spc="0" normalizeH="0" baseline="0">
             <a:ln>
               <a:noFill/>
             </a:ln>
@@ -9332,7 +9630,7 @@
           <a:buFontTx/>
           <a:buNone/>
           <a:tabLst/>
-          <a:defRPr b="0" baseline="0" cap="none" i="0" spc="0" strike="noStrike" sz="1800" u="none" kumimoji="0" normalizeH="0">
+          <a:defRPr kumimoji="0" sz="1800" b="0" i="0" u="none" strike="noStrike" cap="none" spc="0" normalizeH="0" baseline="0">
             <a:ln>
               <a:noFill/>
             </a:ln>
@@ -9358,7 +9656,7 @@
           <a:buFontTx/>
           <a:buNone/>
           <a:tabLst/>
-          <a:defRPr b="0" baseline="0" cap="none" i="0" spc="0" strike="noStrike" sz="1800" u="none" kumimoji="0" normalizeH="0">
+          <a:defRPr kumimoji="0" sz="1800" b="0" i="0" u="none" strike="noStrike" cap="none" spc="0" normalizeH="0" baseline="0">
             <a:ln>
               <a:noFill/>
             </a:ln>
@@ -9384,7 +9682,7 @@
           <a:buFontTx/>
           <a:buNone/>
           <a:tabLst/>
-          <a:defRPr b="0" baseline="0" cap="none" i="0" spc="0" strike="noStrike" sz="1800" u="none" kumimoji="0" normalizeH="0">
+          <a:defRPr kumimoji="0" sz="1800" b="0" i="0" u="none" strike="noStrike" cap="none" spc="0" normalizeH="0" baseline="0">
             <a:ln>
               <a:noFill/>
             </a:ln>
@@ -9410,7 +9708,7 @@
           <a:buFontTx/>
           <a:buNone/>
           <a:tabLst/>
-          <a:defRPr b="0" baseline="0" cap="none" i="0" spc="0" strike="noStrike" sz="1800" u="none" kumimoji="0" normalizeH="0">
+          <a:defRPr kumimoji="0" sz="1800" b="0" i="0" u="none" strike="noStrike" cap="none" spc="0" normalizeH="0" baseline="0">
             <a:ln>
               <a:noFill/>
             </a:ln>
@@ -9423,9 +9721,15 @@
         </a:lvl9pPr>
       </a:lstStyle>
       <a:style>
-        <a:lnRef idx="0"/>
-        <a:fillRef idx="0"/>
-        <a:effectRef idx="0"/>
+        <a:lnRef idx="0">
+          <a:scrgbClr r="0" g="0" b="0"/>
+        </a:lnRef>
+        <a:fillRef idx="0">
+          <a:scrgbClr r="0" g="0" b="0"/>
+        </a:fillRef>
+        <a:effectRef idx="0">
+          <a:scrgbClr r="0" g="0" b="0"/>
+        </a:effectRef>
         <a:fontRef idx="none"/>
       </a:style>
     </a:spDef>
@@ -9442,7 +9746,7 @@
         <a:effectLst/>
         <a:sp3d/>
       </a:spPr>
-      <a:bodyPr rot="0" spcFirstLastPara="1" vertOverflow="overflow" horzOverflow="overflow" vert="horz" wrap="square" lIns="91439" tIns="45719" rIns="91439" bIns="45719" numCol="1" spcCol="38100" rtlCol="0" anchor="t" upright="0">
+      <a:bodyPr rot="0" spcFirstLastPara="1" vertOverflow="overflow" horzOverflow="overflow" vert="horz" wrap="square" lIns="91439" tIns="45719" rIns="91439" bIns="45719" numCol="1" spcCol="38100" rtlCol="0" anchor="t">
         <a:noAutofit/>
       </a:bodyPr>
       <a:lstStyle>
@@ -9461,7 +9765,7 @@
           <a:buFontTx/>
           <a:buNone/>
           <a:tabLst/>
-          <a:defRPr b="0" baseline="0" cap="none" i="0" spc="0" strike="noStrike" sz="1800" u="none" kumimoji="0" normalizeH="0">
+          <a:defRPr kumimoji="0" sz="1800" b="0" i="0" u="none" strike="noStrike" cap="none" spc="0" normalizeH="0" baseline="0">
             <a:ln>
               <a:noFill/>
             </a:ln>
@@ -9487,7 +9791,7 @@
           <a:buFontTx/>
           <a:buNone/>
           <a:tabLst/>
-          <a:defRPr b="0" baseline="0" cap="none" i="0" spc="0" strike="noStrike" sz="1800" u="none" kumimoji="0" normalizeH="0">
+          <a:defRPr kumimoji="0" sz="1800" b="0" i="0" u="none" strike="noStrike" cap="none" spc="0" normalizeH="0" baseline="0">
             <a:ln>
               <a:noFill/>
             </a:ln>
@@ -9513,7 +9817,7 @@
           <a:buFontTx/>
           <a:buNone/>
           <a:tabLst/>
-          <a:defRPr b="0" baseline="0" cap="none" i="0" spc="0" strike="noStrike" sz="1800" u="none" kumimoji="0" normalizeH="0">
+          <a:defRPr kumimoji="0" sz="1800" b="0" i="0" u="none" strike="noStrike" cap="none" spc="0" normalizeH="0" baseline="0">
             <a:ln>
               <a:noFill/>
             </a:ln>
@@ -9539,7 +9843,7 @@
           <a:buFontTx/>
           <a:buNone/>
           <a:tabLst/>
-          <a:defRPr b="0" baseline="0" cap="none" i="0" spc="0" strike="noStrike" sz="1800" u="none" kumimoji="0" normalizeH="0">
+          <a:defRPr kumimoji="0" sz="1800" b="0" i="0" u="none" strike="noStrike" cap="none" spc="0" normalizeH="0" baseline="0">
             <a:ln>
               <a:noFill/>
             </a:ln>
@@ -9565,7 +9869,7 @@
           <a:buFontTx/>
           <a:buNone/>
           <a:tabLst/>
-          <a:defRPr b="0" baseline="0" cap="none" i="0" spc="0" strike="noStrike" sz="1800" u="none" kumimoji="0" normalizeH="0">
+          <a:defRPr kumimoji="0" sz="1800" b="0" i="0" u="none" strike="noStrike" cap="none" spc="0" normalizeH="0" baseline="0">
             <a:ln>
               <a:noFill/>
             </a:ln>
@@ -9591,7 +9895,7 @@
           <a:buFontTx/>
           <a:buNone/>
           <a:tabLst/>
-          <a:defRPr b="0" baseline="0" cap="none" i="0" spc="0" strike="noStrike" sz="1800" u="none" kumimoji="0" normalizeH="0">
+          <a:defRPr kumimoji="0" sz="1800" b="0" i="0" u="none" strike="noStrike" cap="none" spc="0" normalizeH="0" baseline="0">
             <a:ln>
               <a:noFill/>
             </a:ln>
@@ -9617,7 +9921,7 @@
           <a:buFontTx/>
           <a:buNone/>
           <a:tabLst/>
-          <a:defRPr b="0" baseline="0" cap="none" i="0" spc="0" strike="noStrike" sz="1800" u="none" kumimoji="0" normalizeH="0">
+          <a:defRPr kumimoji="0" sz="1800" b="0" i="0" u="none" strike="noStrike" cap="none" spc="0" normalizeH="0" baseline="0">
             <a:ln>
               <a:noFill/>
             </a:ln>
@@ -9643,7 +9947,7 @@
           <a:buFontTx/>
           <a:buNone/>
           <a:tabLst/>
-          <a:defRPr b="0" baseline="0" cap="none" i="0" spc="0" strike="noStrike" sz="1800" u="none" kumimoji="0" normalizeH="0">
+          <a:defRPr kumimoji="0" sz="1800" b="0" i="0" u="none" strike="noStrike" cap="none" spc="0" normalizeH="0" baseline="0">
             <a:ln>
               <a:noFill/>
             </a:ln>
@@ -9669,7 +9973,7 @@
           <a:buFontTx/>
           <a:buNone/>
           <a:tabLst/>
-          <a:defRPr b="0" baseline="0" cap="none" i="0" spc="0" strike="noStrike" sz="1800" u="none" kumimoji="0" normalizeH="0">
+          <a:defRPr kumimoji="0" sz="1800" b="0" i="0" u="none" strike="noStrike" cap="none" spc="0" normalizeH="0" baseline="0">
             <a:ln>
               <a:noFill/>
             </a:ln>
@@ -9695,7 +9999,7 @@
           <a:buFontTx/>
           <a:buNone/>
           <a:tabLst/>
-          <a:defRPr b="0" baseline="0" cap="none" i="0" spc="0" strike="noStrike" sz="1800" u="none" kumimoji="0" normalizeH="0">
+          <a:defRPr kumimoji="0" sz="1800" b="0" i="0" u="none" strike="noStrike" cap="none" spc="0" normalizeH="0" baseline="0">
             <a:ln>
               <a:noFill/>
             </a:ln>
@@ -9708,9 +10012,15 @@
         </a:lvl9pPr>
       </a:lstStyle>
       <a:style>
-        <a:lnRef idx="0"/>
-        <a:fillRef idx="0"/>
-        <a:effectRef idx="0"/>
+        <a:lnRef idx="0">
+          <a:scrgbClr r="0" g="0" b="0"/>
+        </a:lnRef>
+        <a:fillRef idx="0">
+          <a:scrgbClr r="0" g="0" b="0"/>
+        </a:fillRef>
+        <a:effectRef idx="0">
+          <a:scrgbClr r="0" g="0" b="0"/>
+        </a:effectRef>
         <a:fontRef idx="none"/>
       </a:style>
     </a:lnDef>
@@ -9724,7 +10034,7 @@
         <a:effectLst/>
         <a:sp3d/>
       </a:spPr>
-      <a:bodyPr rot="0" spcFirstLastPara="1" vertOverflow="overflow" horzOverflow="overflow" vert="horz" wrap="square" lIns="50800" tIns="50800" rIns="50800" bIns="50800" numCol="1" spcCol="38100" rtlCol="0" anchor="ctr" upright="0">
+      <a:bodyPr rot="0" spcFirstLastPara="1" vertOverflow="overflow" horzOverflow="overflow" vert="horz" wrap="square" lIns="50800" tIns="50800" rIns="50800" bIns="50800" numCol="1" spcCol="38100" rtlCol="0" anchor="ctr">
         <a:spAutoFit/>
       </a:bodyPr>
       <a:lstStyle>
@@ -9743,7 +10053,7 @@
           <a:buFontTx/>
           <a:buNone/>
           <a:tabLst/>
-          <a:defRPr b="1" baseline="0" cap="none" i="0" spc="0" strike="noStrike" sz="2400" u="none" kumimoji="0" normalizeH="0">
+          <a:defRPr kumimoji="0" sz="2400" b="1" i="0" u="none" strike="noStrike" cap="none" spc="0" normalizeH="0" baseline="0">
             <a:ln>
               <a:noFill/>
             </a:ln>
@@ -9773,7 +10083,7 @@
           <a:buFontTx/>
           <a:buNone/>
           <a:tabLst/>
-          <a:defRPr b="0" baseline="0" cap="none" i="0" spc="0" strike="noStrike" sz="1800" u="none" kumimoji="0" normalizeH="0">
+          <a:defRPr kumimoji="0" sz="1800" b="0" i="0" u="none" strike="noStrike" cap="none" spc="0" normalizeH="0" baseline="0">
             <a:ln>
               <a:noFill/>
             </a:ln>
@@ -9799,7 +10109,7 @@
           <a:buFontTx/>
           <a:buNone/>
           <a:tabLst/>
-          <a:defRPr b="0" baseline="0" cap="none" i="0" spc="0" strike="noStrike" sz="1800" u="none" kumimoji="0" normalizeH="0">
+          <a:defRPr kumimoji="0" sz="1800" b="0" i="0" u="none" strike="noStrike" cap="none" spc="0" normalizeH="0" baseline="0">
             <a:ln>
               <a:noFill/>
             </a:ln>
@@ -9825,7 +10135,7 @@
           <a:buFontTx/>
           <a:buNone/>
           <a:tabLst/>
-          <a:defRPr b="0" baseline="0" cap="none" i="0" spc="0" strike="noStrike" sz="1800" u="none" kumimoji="0" normalizeH="0">
+          <a:defRPr kumimoji="0" sz="1800" b="0" i="0" u="none" strike="noStrike" cap="none" spc="0" normalizeH="0" baseline="0">
             <a:ln>
               <a:noFill/>
             </a:ln>
@@ -9851,7 +10161,7 @@
           <a:buFontTx/>
           <a:buNone/>
           <a:tabLst/>
-          <a:defRPr b="0" baseline="0" cap="none" i="0" spc="0" strike="noStrike" sz="1800" u="none" kumimoji="0" normalizeH="0">
+          <a:defRPr kumimoji="0" sz="1800" b="0" i="0" u="none" strike="noStrike" cap="none" spc="0" normalizeH="0" baseline="0">
             <a:ln>
               <a:noFill/>
             </a:ln>
@@ -9877,7 +10187,7 @@
           <a:buFontTx/>
           <a:buNone/>
           <a:tabLst/>
-          <a:defRPr b="0" baseline="0" cap="none" i="0" spc="0" strike="noStrike" sz="1800" u="none" kumimoji="0" normalizeH="0">
+          <a:defRPr kumimoji="0" sz="1800" b="0" i="0" u="none" strike="noStrike" cap="none" spc="0" normalizeH="0" baseline="0">
             <a:ln>
               <a:noFill/>
             </a:ln>
@@ -9903,7 +10213,7 @@
           <a:buFontTx/>
           <a:buNone/>
           <a:tabLst/>
-          <a:defRPr b="0" baseline="0" cap="none" i="0" spc="0" strike="noStrike" sz="1800" u="none" kumimoji="0" normalizeH="0">
+          <a:defRPr kumimoji="0" sz="1800" b="0" i="0" u="none" strike="noStrike" cap="none" spc="0" normalizeH="0" baseline="0">
             <a:ln>
               <a:noFill/>
             </a:ln>
@@ -9929,7 +10239,7 @@
           <a:buFontTx/>
           <a:buNone/>
           <a:tabLst/>
-          <a:defRPr b="0" baseline="0" cap="none" i="0" spc="0" strike="noStrike" sz="1800" u="none" kumimoji="0" normalizeH="0">
+          <a:defRPr kumimoji="0" sz="1800" b="0" i="0" u="none" strike="noStrike" cap="none" spc="0" normalizeH="0" baseline="0">
             <a:ln>
               <a:noFill/>
             </a:ln>
@@ -9955,7 +10265,7 @@
           <a:buFontTx/>
           <a:buNone/>
           <a:tabLst/>
-          <a:defRPr b="0" baseline="0" cap="none" i="0" spc="0" strike="noStrike" sz="1800" u="none" kumimoji="0" normalizeH="0">
+          <a:defRPr kumimoji="0" sz="1800" b="0" i="0" u="none" strike="noStrike" cap="none" spc="0" normalizeH="0" baseline="0">
             <a:ln>
               <a:noFill/>
             </a:ln>
@@ -9981,7 +10291,7 @@
           <a:buFontTx/>
           <a:buNone/>
           <a:tabLst/>
-          <a:defRPr b="0" baseline="0" cap="none" i="0" spc="0" strike="noStrike" sz="1800" u="none" kumimoji="0" normalizeH="0">
+          <a:defRPr kumimoji="0" sz="1800" b="0" i="0" u="none" strike="noStrike" cap="none" spc="0" normalizeH="0" baseline="0">
             <a:ln>
               <a:noFill/>
             </a:ln>
@@ -9994,12 +10304,19 @@
         </a:lvl9pPr>
       </a:lstStyle>
       <a:style>
-        <a:lnRef idx="0"/>
-        <a:fillRef idx="0"/>
-        <a:effectRef idx="0"/>
+        <a:lnRef idx="0">
+          <a:scrgbClr r="0" g="0" b="0"/>
+        </a:lnRef>
+        <a:fillRef idx="0">
+          <a:scrgbClr r="0" g="0" b="0"/>
+        </a:fillRef>
+        <a:effectRef idx="0">
+          <a:scrgbClr r="0" g="0" b="0"/>
+        </a:effectRef>
         <a:fontRef idx="none"/>
       </a:style>
     </a:txDef>
   </a:objectDefaults>
+  <a:extraClrSchemeLst/>
 </a:theme>
 </file>
--- a/presentation/SSM.pptx
+++ b/presentation/SSM.pptx
@@ -321,6 +321,11 @@
       </a:defRPr>
     </a:lvl9pPr>
   </p:defaultTextStyle>
+  <p:extLst>
+    <p:ext uri="{EFAFB233-063F-42B5-8137-9DF3F51BA10A}">
+      <p15:sldGuideLst xmlns:p15="http://schemas.microsoft.com/office/powerpoint/2012/main"/>
+    </p:ext>
+  </p:extLst>
 </p:presentation>
 </file>
 
@@ -2157,7 +2162,7 @@
           </a:ln>
           <a:extLst>
             <a:ext uri="{C572A759-6A51-4108-AA02-DFA0A04FC94B}">
-              <ma14:wrappingTextBoxFlag xmlns:ma14="http://schemas.microsoft.com/office/mac/drawingml/2011/main" xmlns:a14="http://schemas.microsoft.com/office/drawing/2010/main" xmlns:m="http://schemas.openxmlformats.org/officeDocument/2006/math" xmlns="" val="1"/>
+              <ma14:wrappingTextBoxFlag xmlns="" xmlns:m="http://schemas.openxmlformats.org/officeDocument/2006/math" xmlns:a14="http://schemas.microsoft.com/office/drawing/2010/main" xmlns:ma14="http://schemas.microsoft.com/office/mac/drawingml/2011/main" val="1"/>
             </a:ext>
           </a:extLst>
         </p:spPr>
@@ -2240,7 +2245,7 @@
           </a:ln>
           <a:extLst>
             <a:ext uri="{C572A759-6A51-4108-AA02-DFA0A04FC94B}">
-              <ma14:wrappingTextBoxFlag xmlns:ma14="http://schemas.microsoft.com/office/mac/drawingml/2011/main" xmlns:a14="http://schemas.microsoft.com/office/drawing/2010/main" xmlns:m="http://schemas.openxmlformats.org/officeDocument/2006/math" xmlns="" val="1"/>
+              <ma14:wrappingTextBoxFlag xmlns="" xmlns:m="http://schemas.openxmlformats.org/officeDocument/2006/math" xmlns:a14="http://schemas.microsoft.com/office/drawing/2010/main" xmlns:ma14="http://schemas.microsoft.com/office/mac/drawingml/2011/main" val="1"/>
             </a:ext>
           </a:extLst>
         </p:spPr>
@@ -3175,7 +3180,7 @@
           </a:prstGeom>
           <a:extLst>
             <a:ext uri="{C572A759-6A51-4108-AA02-DFA0A04FC94B}">
-              <ma14:wrappingTextBoxFlag xmlns:ma14="http://schemas.microsoft.com/office/mac/drawingml/2011/main" xmlns:a14="http://schemas.microsoft.com/office/drawing/2010/main" xmlns:m="http://schemas.openxmlformats.org/officeDocument/2006/math" xmlns="" val="1"/>
+              <ma14:wrappingTextBoxFlag xmlns="" xmlns:m="http://schemas.openxmlformats.org/officeDocument/2006/math" xmlns:a14="http://schemas.microsoft.com/office/drawing/2010/main" xmlns:ma14="http://schemas.microsoft.com/office/mac/drawingml/2011/main" val="1"/>
             </a:ext>
           </a:extLst>
         </p:spPr>
@@ -3232,7 +3237,7 @@
           </a:prstGeom>
           <a:extLst>
             <a:ext uri="{C572A759-6A51-4108-AA02-DFA0A04FC94B}">
-              <ma14:wrappingTextBoxFlag xmlns:ma14="http://schemas.microsoft.com/office/mac/drawingml/2011/main" xmlns:a14="http://schemas.microsoft.com/office/drawing/2010/main" xmlns:m="http://schemas.openxmlformats.org/officeDocument/2006/math" xmlns="" val="1"/>
+              <ma14:wrappingTextBoxFlag xmlns="" xmlns:m="http://schemas.openxmlformats.org/officeDocument/2006/math" xmlns:a14="http://schemas.microsoft.com/office/drawing/2010/main" xmlns:ma14="http://schemas.microsoft.com/office/mac/drawingml/2011/main" val="1"/>
             </a:ext>
           </a:extLst>
         </p:spPr>
@@ -3315,7 +3320,7 @@
             <a:effectLst/>
             <a:extLst>
               <a:ext uri="{C572A759-6A51-4108-AA02-DFA0A04FC94B}">
-                <ma14:wrappingTextBoxFlag xmlns:ma14="http://schemas.microsoft.com/office/mac/drawingml/2011/main" xmlns:a14="http://schemas.microsoft.com/office/drawing/2010/main" xmlns:m="http://schemas.openxmlformats.org/officeDocument/2006/math" xmlns="" val="1"/>
+                <ma14:wrappingTextBoxFlag xmlns="" xmlns:m="http://schemas.openxmlformats.org/officeDocument/2006/math" xmlns:a14="http://schemas.microsoft.com/office/drawing/2010/main" xmlns:ma14="http://schemas.microsoft.com/office/mac/drawingml/2011/main" val="1"/>
               </a:ext>
             </a:extLst>
           </p:spPr>
@@ -3407,7 +3412,7 @@
           </a:prstGeom>
           <a:extLst>
             <a:ext uri="{C572A759-6A51-4108-AA02-DFA0A04FC94B}">
-              <ma14:wrappingTextBoxFlag xmlns:ma14="http://schemas.microsoft.com/office/mac/drawingml/2011/main" xmlns:a14="http://schemas.microsoft.com/office/drawing/2010/main" xmlns:m="http://schemas.openxmlformats.org/officeDocument/2006/math" xmlns="" val="1"/>
+              <ma14:wrappingTextBoxFlag xmlns="" xmlns:m="http://schemas.openxmlformats.org/officeDocument/2006/math" xmlns:a14="http://schemas.microsoft.com/office/drawing/2010/main" xmlns:ma14="http://schemas.microsoft.com/office/mac/drawingml/2011/main" val="1"/>
             </a:ext>
           </a:extLst>
         </p:spPr>
@@ -3441,7 +3446,7 @@
           </a:ln>
           <a:extLst>
             <a:ext uri="{C572A759-6A51-4108-AA02-DFA0A04FC94B}">
-              <ma14:wrappingTextBoxFlag xmlns:ma14="http://schemas.microsoft.com/office/mac/drawingml/2011/main" xmlns:a14="http://schemas.microsoft.com/office/drawing/2010/main" xmlns:m="http://schemas.openxmlformats.org/officeDocument/2006/math" xmlns="" val="1"/>
+              <ma14:wrappingTextBoxFlag xmlns="" xmlns:m="http://schemas.openxmlformats.org/officeDocument/2006/math" xmlns:a14="http://schemas.microsoft.com/office/drawing/2010/main" xmlns:ma14="http://schemas.microsoft.com/office/mac/drawingml/2011/main" val="1"/>
             </a:ext>
           </a:extLst>
         </p:spPr>
@@ -3673,7 +3678,7 @@
           </a:prstGeom>
           <a:extLst>
             <a:ext uri="{C572A759-6A51-4108-AA02-DFA0A04FC94B}">
-              <ma14:wrappingTextBoxFlag xmlns:ma14="http://schemas.microsoft.com/office/mac/drawingml/2011/main" xmlns:a14="http://schemas.microsoft.com/office/drawing/2010/main" xmlns:m="http://schemas.openxmlformats.org/officeDocument/2006/math" xmlns="" val="1"/>
+              <ma14:wrappingTextBoxFlag xmlns="" xmlns:m="http://schemas.openxmlformats.org/officeDocument/2006/math" xmlns:a14="http://schemas.microsoft.com/office/drawing/2010/main" xmlns:ma14="http://schemas.microsoft.com/office/mac/drawingml/2011/main" val="1"/>
             </a:ext>
           </a:extLst>
         </p:spPr>
@@ -3707,7 +3712,7 @@
           </a:ln>
           <a:extLst>
             <a:ext uri="{C572A759-6A51-4108-AA02-DFA0A04FC94B}">
-              <ma14:wrappingTextBoxFlag xmlns:ma14="http://schemas.microsoft.com/office/mac/drawingml/2011/main" xmlns:a14="http://schemas.microsoft.com/office/drawing/2010/main" xmlns:m="http://schemas.openxmlformats.org/officeDocument/2006/math" xmlns="" val="1"/>
+              <ma14:wrappingTextBoxFlag xmlns="" xmlns:m="http://schemas.openxmlformats.org/officeDocument/2006/math" xmlns:a14="http://schemas.microsoft.com/office/drawing/2010/main" xmlns:ma14="http://schemas.microsoft.com/office/mac/drawingml/2011/main" val="1"/>
             </a:ext>
           </a:extLst>
         </p:spPr>
@@ -3769,7 +3774,7 @@
           </a:prstGeom>
           <a:extLst>
             <a:ext uri="{C572A759-6A51-4108-AA02-DFA0A04FC94B}">
-              <ma14:wrappingTextBoxFlag xmlns:ma14="http://schemas.microsoft.com/office/mac/drawingml/2011/main" xmlns:a14="http://schemas.microsoft.com/office/drawing/2010/main" xmlns:m="http://schemas.openxmlformats.org/officeDocument/2006/math" xmlns="" val="1"/>
+              <ma14:wrappingTextBoxFlag xmlns="" xmlns:m="http://schemas.openxmlformats.org/officeDocument/2006/math" xmlns:a14="http://schemas.microsoft.com/office/drawing/2010/main" xmlns:ma14="http://schemas.microsoft.com/office/mac/drawingml/2011/main" val="1"/>
             </a:ext>
           </a:extLst>
         </p:spPr>
@@ -3803,7 +3808,7 @@
           </a:ln>
           <a:extLst>
             <a:ext uri="{C572A759-6A51-4108-AA02-DFA0A04FC94B}">
-              <ma14:wrappingTextBoxFlag xmlns:ma14="http://schemas.microsoft.com/office/mac/drawingml/2011/main" xmlns:a14="http://schemas.microsoft.com/office/drawing/2010/main" xmlns:m="http://schemas.openxmlformats.org/officeDocument/2006/math" xmlns="" val="1"/>
+              <ma14:wrappingTextBoxFlag xmlns="" xmlns:m="http://schemas.openxmlformats.org/officeDocument/2006/math" xmlns:a14="http://schemas.microsoft.com/office/drawing/2010/main" xmlns:ma14="http://schemas.microsoft.com/office/mac/drawingml/2011/main" val="1"/>
             </a:ext>
           </a:extLst>
         </p:spPr>
@@ -3827,8 +3832,8 @@
         </p:nvSpPr>
         <p:spPr>
           <a:xfrm>
-            <a:off x="853184" y="1870849"/>
-            <a:ext cx="9925794" cy="6011902"/>
+            <a:off x="853184" y="1686183"/>
+            <a:ext cx="10142200" cy="6381234"/>
           </a:xfrm>
           <a:prstGeom prst="rect">
             <a:avLst/>
@@ -3838,7 +3843,7 @@
           </a:ln>
           <a:extLst>
             <a:ext uri="{C572A759-6A51-4108-AA02-DFA0A04FC94B}">
-              <ma14:wrappingTextBoxFlag xmlns:ma14="http://schemas.microsoft.com/office/mac/drawingml/2011/main" xmlns:a14="http://schemas.microsoft.com/office/drawing/2010/main" xmlns:m="http://schemas.openxmlformats.org/officeDocument/2006/math" xmlns="" val="1"/>
+              <ma14:wrappingTextBoxFlag xmlns="" xmlns:m="http://schemas.openxmlformats.org/officeDocument/2006/math" xmlns:a14="http://schemas.microsoft.com/office/drawing/2010/main" xmlns:ma14="http://schemas.microsoft.com/office/mac/drawingml/2011/main" val="1"/>
             </a:ext>
           </a:extLst>
         </p:spPr>
@@ -3903,15 +3908,53 @@
               <a:buChar char="‣"/>
             </a:pPr>
             <a:r>
-              <a:rPr dirty="0"/>
-              <a:t>Clone </a:t>
+              <a:rPr dirty="0" smtClean="0"/>
+              <a:t>Clone</a:t>
+            </a:r>
+            <a:r>
+              <a:rPr lang="en-US" dirty="0" smtClean="0"/>
+              <a:t>: </a:t>
+            </a:r>
+            <a:r>
+              <a:rPr dirty="0" smtClean="0"/>
+              <a:t> </a:t>
             </a:r>
             <a:r>
               <a:rPr u="sng" dirty="0">
                 <a:hlinkClick r:id="rId2"/>
               </a:rPr>
-              <a:t>https://github.com/popovici-gabriel/contact-service</a:t>
-            </a:r>
+              <a:t>https://</a:t>
+            </a:r>
+            <a:r>
+              <a:rPr u="sng" dirty="0" smtClean="0">
+                <a:hlinkClick r:id="rId2"/>
+              </a:rPr>
+              <a:t>github.com/popovici-gabriel/contact-service</a:t>
+            </a:r>
+            <a:endParaRPr lang="en-US" u="sng" dirty="0" smtClean="0">
+              <a:hlinkClick r:id="rId2"/>
+            </a:endParaRPr>
+          </a:p>
+          <a:p>
+            <a:pPr marL="777875" lvl="8" indent="-333375" algn="l">
+              <a:buSzPct val="145000"/>
+              <a:buChar char="‣"/>
+            </a:pPr>
+            <a:r>
+              <a:rPr lang="en-US" u="sng" dirty="0" smtClean="0">
+                <a:hlinkClick r:id="rId2"/>
+              </a:rPr>
+              <a:t>https</a:t>
+            </a:r>
+            <a:r>
+              <a:rPr lang="en-US" u="sng" dirty="0">
+                <a:hlinkClick r:id="rId2"/>
+              </a:rPr>
+              <a:t>://bitbucket.1and1.org/scm/~gpopovici/contact-service.git</a:t>
+            </a:r>
+            <a:endParaRPr u="sng" dirty="0">
+              <a:hlinkClick r:id="rId2"/>
+            </a:endParaRPr>
           </a:p>
           <a:p>
             <a:pPr marL="777875" lvl="1" indent="-333375" algn="l">
@@ -4115,7 +4158,7 @@
           </a:prstGeom>
           <a:extLst>
             <a:ext uri="{C572A759-6A51-4108-AA02-DFA0A04FC94B}">
-              <ma14:wrappingTextBoxFlag xmlns:ma14="http://schemas.microsoft.com/office/mac/drawingml/2011/main" xmlns:a14="http://schemas.microsoft.com/office/drawing/2010/main" xmlns:m="http://schemas.openxmlformats.org/officeDocument/2006/math" xmlns="" val="1"/>
+              <ma14:wrappingTextBoxFlag xmlns="" xmlns:m="http://schemas.openxmlformats.org/officeDocument/2006/math" xmlns:a14="http://schemas.microsoft.com/office/drawing/2010/main" xmlns:ma14="http://schemas.microsoft.com/office/mac/drawingml/2011/main" val="1"/>
             </a:ext>
           </a:extLst>
         </p:spPr>
@@ -4149,7 +4192,7 @@
           </a:ln>
           <a:extLst>
             <a:ext uri="{C572A759-6A51-4108-AA02-DFA0A04FC94B}">
-              <ma14:wrappingTextBoxFlag xmlns:ma14="http://schemas.microsoft.com/office/mac/drawingml/2011/main" xmlns:a14="http://schemas.microsoft.com/office/drawing/2010/main" xmlns:m="http://schemas.openxmlformats.org/officeDocument/2006/math" xmlns="" val="1"/>
+              <ma14:wrappingTextBoxFlag xmlns="" xmlns:m="http://schemas.openxmlformats.org/officeDocument/2006/math" xmlns:a14="http://schemas.microsoft.com/office/drawing/2010/main" xmlns:ma14="http://schemas.microsoft.com/office/mac/drawingml/2011/main" val="1"/>
             </a:ext>
           </a:extLst>
         </p:spPr>
@@ -4185,7 +4228,7 @@
           </a:ln>
           <a:extLst>
             <a:ext uri="{C572A759-6A51-4108-AA02-DFA0A04FC94B}">
-              <ma14:wrappingTextBoxFlag xmlns:ma14="http://schemas.microsoft.com/office/mac/drawingml/2011/main" xmlns:a14="http://schemas.microsoft.com/office/drawing/2010/main" xmlns:m="http://schemas.openxmlformats.org/officeDocument/2006/math" xmlns="" val="1"/>
+              <ma14:wrappingTextBoxFlag xmlns="" xmlns:m="http://schemas.openxmlformats.org/officeDocument/2006/math" xmlns:a14="http://schemas.microsoft.com/office/drawing/2010/main" xmlns:ma14="http://schemas.microsoft.com/office/mac/drawingml/2011/main" val="1"/>
             </a:ext>
           </a:extLst>
         </p:spPr>
@@ -4484,7 +4527,7 @@
           </a:ln>
           <a:extLst>
             <a:ext uri="{C572A759-6A51-4108-AA02-DFA0A04FC94B}">
-              <ma14:wrappingTextBoxFlag xmlns:ma14="http://schemas.microsoft.com/office/mac/drawingml/2011/main" xmlns:a14="http://schemas.microsoft.com/office/drawing/2010/main" xmlns:m="http://schemas.openxmlformats.org/officeDocument/2006/math" xmlns="" val="1"/>
+              <ma14:wrappingTextBoxFlag xmlns="" xmlns:m="http://schemas.openxmlformats.org/officeDocument/2006/math" xmlns:a14="http://schemas.microsoft.com/office/drawing/2010/main" xmlns:ma14="http://schemas.microsoft.com/office/mac/drawingml/2011/main" val="1"/>
             </a:ext>
           </a:extLst>
         </p:spPr>
@@ -4617,7 +4660,7 @@
           </a:ln>
           <a:extLst>
             <a:ext uri="{C572A759-6A51-4108-AA02-DFA0A04FC94B}">
-              <ma14:wrappingTextBoxFlag xmlns:ma14="http://schemas.microsoft.com/office/mac/drawingml/2011/main" xmlns:a14="http://schemas.microsoft.com/office/drawing/2010/main" xmlns:m="http://schemas.openxmlformats.org/officeDocument/2006/math" xmlns="" val="1"/>
+              <ma14:wrappingTextBoxFlag xmlns="" xmlns:m="http://schemas.openxmlformats.org/officeDocument/2006/math" xmlns:a14="http://schemas.microsoft.com/office/drawing/2010/main" xmlns:ma14="http://schemas.microsoft.com/office/mac/drawingml/2011/main" val="1"/>
             </a:ext>
           </a:extLst>
         </p:spPr>
@@ -4776,7 +4819,7 @@
           </a:ln>
           <a:extLst>
             <a:ext uri="{C572A759-6A51-4108-AA02-DFA0A04FC94B}">
-              <ma14:wrappingTextBoxFlag xmlns:ma14="http://schemas.microsoft.com/office/mac/drawingml/2011/main" xmlns:a14="http://schemas.microsoft.com/office/drawing/2010/main" xmlns:m="http://schemas.openxmlformats.org/officeDocument/2006/math" xmlns="" val="1"/>
+              <ma14:wrappingTextBoxFlag xmlns="" xmlns:m="http://schemas.openxmlformats.org/officeDocument/2006/math" xmlns:a14="http://schemas.microsoft.com/office/drawing/2010/main" xmlns:ma14="http://schemas.microsoft.com/office/mac/drawingml/2011/main" val="1"/>
             </a:ext>
           </a:extLst>
         </p:spPr>
@@ -5226,7 +5269,7 @@
           </a:prstGeom>
           <a:extLst>
             <a:ext uri="{C572A759-6A51-4108-AA02-DFA0A04FC94B}">
-              <ma14:wrappingTextBoxFlag xmlns:ma14="http://schemas.microsoft.com/office/mac/drawingml/2011/main" xmlns:a14="http://schemas.microsoft.com/office/drawing/2010/main" xmlns:m="http://schemas.openxmlformats.org/officeDocument/2006/math" xmlns="" val="1"/>
+              <ma14:wrappingTextBoxFlag xmlns="" xmlns:m="http://schemas.openxmlformats.org/officeDocument/2006/math" xmlns:a14="http://schemas.microsoft.com/office/drawing/2010/main" xmlns:ma14="http://schemas.microsoft.com/office/mac/drawingml/2011/main" val="1"/>
             </a:ext>
           </a:extLst>
         </p:spPr>
@@ -5260,7 +5303,7 @@
           </a:ln>
           <a:extLst>
             <a:ext uri="{C572A759-6A51-4108-AA02-DFA0A04FC94B}">
-              <ma14:wrappingTextBoxFlag xmlns:ma14="http://schemas.microsoft.com/office/mac/drawingml/2011/main" xmlns:a14="http://schemas.microsoft.com/office/drawing/2010/main" xmlns:m="http://schemas.openxmlformats.org/officeDocument/2006/math" xmlns="" val="1"/>
+              <ma14:wrappingTextBoxFlag xmlns="" xmlns:m="http://schemas.openxmlformats.org/officeDocument/2006/math" xmlns:a14="http://schemas.microsoft.com/office/drawing/2010/main" xmlns:ma14="http://schemas.microsoft.com/office/mac/drawingml/2011/main" val="1"/>
             </a:ext>
           </a:extLst>
         </p:spPr>
@@ -5904,7 +5947,7 @@
           </a:ln>
           <a:extLst>
             <a:ext uri="{C572A759-6A51-4108-AA02-DFA0A04FC94B}">
-              <ma14:wrappingTextBoxFlag xmlns:ma14="http://schemas.microsoft.com/office/mac/drawingml/2011/main" xmlns:a14="http://schemas.microsoft.com/office/drawing/2010/main" xmlns:m="http://schemas.openxmlformats.org/officeDocument/2006/math" xmlns="" val="1"/>
+              <ma14:wrappingTextBoxFlag xmlns="" xmlns:m="http://schemas.openxmlformats.org/officeDocument/2006/math" xmlns:a14="http://schemas.microsoft.com/office/drawing/2010/main" xmlns:ma14="http://schemas.microsoft.com/office/mac/drawingml/2011/main" val="1"/>
             </a:ext>
           </a:extLst>
         </p:spPr>
@@ -5975,7 +6018,7 @@
           </a:prstGeom>
           <a:extLst>
             <a:ext uri="{C572A759-6A51-4108-AA02-DFA0A04FC94B}">
-              <ma14:wrappingTextBoxFlag xmlns:ma14="http://schemas.microsoft.com/office/mac/drawingml/2011/main" xmlns:a14="http://schemas.microsoft.com/office/drawing/2010/main" xmlns:m="http://schemas.openxmlformats.org/officeDocument/2006/math" xmlns="" val="1"/>
+              <ma14:wrappingTextBoxFlag xmlns="" xmlns:m="http://schemas.openxmlformats.org/officeDocument/2006/math" xmlns:a14="http://schemas.microsoft.com/office/drawing/2010/main" xmlns:ma14="http://schemas.microsoft.com/office/mac/drawingml/2011/main" val="1"/>
             </a:ext>
           </a:extLst>
         </p:spPr>
@@ -6009,7 +6052,7 @@
           </a:ln>
           <a:extLst>
             <a:ext uri="{C572A759-6A51-4108-AA02-DFA0A04FC94B}">
-              <ma14:wrappingTextBoxFlag xmlns:ma14="http://schemas.microsoft.com/office/mac/drawingml/2011/main" xmlns:a14="http://schemas.microsoft.com/office/drawing/2010/main" xmlns:m="http://schemas.openxmlformats.org/officeDocument/2006/math" xmlns="" val="1"/>
+              <ma14:wrappingTextBoxFlag xmlns="" xmlns:m="http://schemas.openxmlformats.org/officeDocument/2006/math" xmlns:a14="http://schemas.microsoft.com/office/drawing/2010/main" xmlns:ma14="http://schemas.microsoft.com/office/mac/drawingml/2011/main" val="1"/>
             </a:ext>
           </a:extLst>
         </p:spPr>
@@ -7200,7 +7243,7 @@
           </a:prstGeom>
           <a:extLst>
             <a:ext uri="{C572A759-6A51-4108-AA02-DFA0A04FC94B}">
-              <ma14:wrappingTextBoxFlag xmlns:ma14="http://schemas.microsoft.com/office/mac/drawingml/2011/main" xmlns:a14="http://schemas.microsoft.com/office/drawing/2010/main" xmlns:m="http://schemas.openxmlformats.org/officeDocument/2006/math" xmlns="" val="1"/>
+              <ma14:wrappingTextBoxFlag xmlns="" xmlns:m="http://schemas.openxmlformats.org/officeDocument/2006/math" xmlns:a14="http://schemas.microsoft.com/office/drawing/2010/main" xmlns:ma14="http://schemas.microsoft.com/office/mac/drawingml/2011/main" val="1"/>
             </a:ext>
           </a:extLst>
         </p:spPr>
@@ -7234,7 +7277,7 @@
           </a:ln>
           <a:extLst>
             <a:ext uri="{C572A759-6A51-4108-AA02-DFA0A04FC94B}">
-              <ma14:wrappingTextBoxFlag xmlns:ma14="http://schemas.microsoft.com/office/mac/drawingml/2011/main" xmlns:a14="http://schemas.microsoft.com/office/drawing/2010/main" xmlns:m="http://schemas.openxmlformats.org/officeDocument/2006/math" xmlns="" val="1"/>
+              <ma14:wrappingTextBoxFlag xmlns="" xmlns:m="http://schemas.openxmlformats.org/officeDocument/2006/math" xmlns:a14="http://schemas.microsoft.com/office/drawing/2010/main" xmlns:ma14="http://schemas.microsoft.com/office/mac/drawingml/2011/main" val="1"/>
             </a:ext>
           </a:extLst>
         </p:spPr>
@@ -7269,7 +7312,7 @@
           </a:ln>
           <a:extLst>
             <a:ext uri="{C572A759-6A51-4108-AA02-DFA0A04FC94B}">
-              <ma14:wrappingTextBoxFlag xmlns:ma14="http://schemas.microsoft.com/office/mac/drawingml/2011/main" xmlns:a14="http://schemas.microsoft.com/office/drawing/2010/main" xmlns:m="http://schemas.openxmlformats.org/officeDocument/2006/math" xmlns="" val="1"/>
+              <ma14:wrappingTextBoxFlag xmlns="" xmlns:m="http://schemas.openxmlformats.org/officeDocument/2006/math" xmlns:a14="http://schemas.microsoft.com/office/drawing/2010/main" xmlns:ma14="http://schemas.microsoft.com/office/mac/drawingml/2011/main" val="1"/>
             </a:ext>
           </a:extLst>
         </p:spPr>
@@ -7399,7 +7442,7 @@
           </a:ln>
           <a:extLst>
             <a:ext uri="{C572A759-6A51-4108-AA02-DFA0A04FC94B}">
-              <ma14:wrappingTextBoxFlag xmlns:ma14="http://schemas.microsoft.com/office/mac/drawingml/2011/main" xmlns:a14="http://schemas.microsoft.com/office/drawing/2010/main" xmlns:m="http://schemas.openxmlformats.org/officeDocument/2006/math" xmlns="" val="1"/>
+              <ma14:wrappingTextBoxFlag xmlns="" xmlns:m="http://schemas.openxmlformats.org/officeDocument/2006/math" xmlns:a14="http://schemas.microsoft.com/office/drawing/2010/main" xmlns:ma14="http://schemas.microsoft.com/office/mac/drawingml/2011/main" val="1"/>
             </a:ext>
           </a:extLst>
         </p:spPr>
@@ -7509,7 +7552,7 @@
           </a:prstGeom>
           <a:extLst>
             <a:ext uri="{C572A759-6A51-4108-AA02-DFA0A04FC94B}">
-              <ma14:wrappingTextBoxFlag xmlns:ma14="http://schemas.microsoft.com/office/mac/drawingml/2011/main" xmlns:a14="http://schemas.microsoft.com/office/drawing/2010/main" xmlns:m="http://schemas.openxmlformats.org/officeDocument/2006/math" xmlns="" val="1"/>
+              <ma14:wrappingTextBoxFlag xmlns="" xmlns:m="http://schemas.openxmlformats.org/officeDocument/2006/math" xmlns:a14="http://schemas.microsoft.com/office/drawing/2010/main" xmlns:ma14="http://schemas.microsoft.com/office/mac/drawingml/2011/main" val="1"/>
             </a:ext>
           </a:extLst>
         </p:spPr>
@@ -7543,7 +7586,7 @@
           </a:ln>
           <a:extLst>
             <a:ext uri="{C572A759-6A51-4108-AA02-DFA0A04FC94B}">
-              <ma14:wrappingTextBoxFlag xmlns:ma14="http://schemas.microsoft.com/office/mac/drawingml/2011/main" xmlns:a14="http://schemas.microsoft.com/office/drawing/2010/main" xmlns:m="http://schemas.openxmlformats.org/officeDocument/2006/math" xmlns="" val="1"/>
+              <ma14:wrappingTextBoxFlag xmlns="" xmlns:m="http://schemas.openxmlformats.org/officeDocument/2006/math" xmlns:a14="http://schemas.microsoft.com/office/drawing/2010/main" xmlns:ma14="http://schemas.microsoft.com/office/mac/drawingml/2011/main" val="1"/>
             </a:ext>
           </a:extLst>
         </p:spPr>
@@ -7555,54 +7598,6 @@
           <a:p>
             <a:r>
               <a:t>Why?</a:t>
-            </a:r>
-          </a:p>
-        </p:txBody>
-      </p:sp>
-      <p:sp>
-        <p:nvSpPr>
-          <p:cNvPr id="154" name="Traditionally, state machines are added to an existing project when developers realize that the code base is starting to look like a plate full of spaghetti. Spaghetti code looks like a never ending, hierarchical structure of IF, ELSE, and BREAK clauses, and compilers should probably ask developers to go home when things are starting to look too complex."/>
-          <p:cNvSpPr txBox="1"/>
-          <p:nvPr/>
-        </p:nvSpPr>
-        <p:spPr>
-          <a:xfrm>
-            <a:off x="778211" y="1683266"/>
-            <a:ext cx="11441603" cy="825501"/>
-          </a:xfrm>
-          <a:prstGeom prst="rect">
-            <a:avLst/>
-          </a:prstGeom>
-          <a:ln w="12700">
-            <a:miter lim="400000"/>
-          </a:ln>
-          <a:extLst>
-            <a:ext uri="{C572A759-6A51-4108-AA02-DFA0A04FC94B}">
-              <ma14:wrappingTextBoxFlag xmlns:ma14="http://schemas.microsoft.com/office/mac/drawingml/2011/main" xmlns:a14="http://schemas.microsoft.com/office/drawing/2010/main" xmlns:m="http://schemas.openxmlformats.org/officeDocument/2006/math" xmlns="" val="1"/>
-            </a:ext>
-          </a:extLst>
-        </p:spPr>
-        <p:txBody>
-          <a:bodyPr lIns="50800" tIns="50800" rIns="50800" bIns="50800" anchor="ctr">
-            <a:spAutoFit/>
-          </a:bodyPr>
-          <a:lstStyle>
-            <a:lvl1pPr algn="l" defTabSz="457200">
-              <a:lnSpc>
-                <a:spcPts val="3700"/>
-              </a:lnSpc>
-              <a:defRPr sz="1600" b="0">
-                <a:latin typeface="Helvetica"/>
-                <a:ea typeface="Helvetica"/>
-                <a:cs typeface="Helvetica"/>
-                <a:sym typeface="Helvetica"/>
-              </a:defRPr>
-            </a:lvl1pPr>
-          </a:lstStyle>
-          <a:p>
-            <a:r>
-              <a:rPr dirty="0"/>
-              <a:t>Traditionally, state machines are added to an existing project when developers realize that the code base is starting to look like a plate full of spaghetti. Spaghetti code looks like a never ending, hierarchical structure of IF, ELSE, and BREAK clauses, and compilers should probably ask developers to go home when things are starting to look too complex.</a:t>
             </a:r>
           </a:p>
         </p:txBody>
@@ -7615,7 +7610,7 @@
         </p:nvSpPr>
         <p:spPr>
           <a:xfrm>
-            <a:off x="778211" y="4339340"/>
+            <a:off x="979348" y="2491490"/>
             <a:ext cx="11266610" cy="3835401"/>
           </a:xfrm>
           <a:prstGeom prst="rect">
@@ -7626,7 +7621,7 @@
           </a:ln>
           <a:extLst>
             <a:ext uri="{C572A759-6A51-4108-AA02-DFA0A04FC94B}">
-              <ma14:wrappingTextBoxFlag xmlns:ma14="http://schemas.microsoft.com/office/mac/drawingml/2011/main" xmlns:a14="http://schemas.microsoft.com/office/drawing/2010/main" xmlns:m="http://schemas.openxmlformats.org/officeDocument/2006/math" xmlns="" val="1"/>
+              <ma14:wrappingTextBoxFlag xmlns="" xmlns:m="http://schemas.openxmlformats.org/officeDocument/2006/math" xmlns:a14="http://schemas.microsoft.com/office/drawing/2010/main" xmlns:ma14="http://schemas.microsoft.com/office/mac/drawingml/2011/main" val="1"/>
             </a:ext>
           </a:extLst>
         </p:spPr>
@@ -7825,7 +7820,7 @@
           </a:prstGeom>
           <a:extLst>
             <a:ext uri="{C572A759-6A51-4108-AA02-DFA0A04FC94B}">
-              <ma14:wrappingTextBoxFlag xmlns:ma14="http://schemas.microsoft.com/office/mac/drawingml/2011/main" xmlns:a14="http://schemas.microsoft.com/office/drawing/2010/main" xmlns:m="http://schemas.openxmlformats.org/officeDocument/2006/math" xmlns="" val="1"/>
+              <ma14:wrappingTextBoxFlag xmlns="" xmlns:m="http://schemas.openxmlformats.org/officeDocument/2006/math" xmlns:a14="http://schemas.microsoft.com/office/drawing/2010/main" xmlns:ma14="http://schemas.microsoft.com/office/mac/drawingml/2011/main" val="1"/>
             </a:ext>
           </a:extLst>
         </p:spPr>
@@ -7859,7 +7854,7 @@
           </a:ln>
           <a:extLst>
             <a:ext uri="{C572A759-6A51-4108-AA02-DFA0A04FC94B}">
-              <ma14:wrappingTextBoxFlag xmlns:ma14="http://schemas.microsoft.com/office/mac/drawingml/2011/main" xmlns:a14="http://schemas.microsoft.com/office/drawing/2010/main" xmlns:m="http://schemas.openxmlformats.org/officeDocument/2006/math" xmlns="" val="1"/>
+              <ma14:wrappingTextBoxFlag xmlns="" xmlns:m="http://schemas.openxmlformats.org/officeDocument/2006/math" xmlns:a14="http://schemas.microsoft.com/office/drawing/2010/main" xmlns:ma14="http://schemas.microsoft.com/office/mac/drawingml/2011/main" val="1"/>
             </a:ext>
           </a:extLst>
         </p:spPr>
@@ -7943,7 +7938,7 @@
             <a:effectLst/>
             <a:extLst>
               <a:ext uri="{C572A759-6A51-4108-AA02-DFA0A04FC94B}">
-                <ma14:wrappingTextBoxFlag xmlns:ma14="http://schemas.microsoft.com/office/mac/drawingml/2011/main" xmlns:a14="http://schemas.microsoft.com/office/drawing/2010/main" xmlns:m="http://schemas.openxmlformats.org/officeDocument/2006/math" xmlns="" val="1"/>
+                <ma14:wrappingTextBoxFlag xmlns="" xmlns:m="http://schemas.openxmlformats.org/officeDocument/2006/math" xmlns:a14="http://schemas.microsoft.com/office/drawing/2010/main" xmlns:ma14="http://schemas.microsoft.com/office/mac/drawingml/2011/main" val="1"/>
               </a:ext>
             </a:extLst>
           </p:spPr>
@@ -8039,7 +8034,7 @@
           </a:prstGeom>
           <a:extLst>
             <a:ext uri="{C572A759-6A51-4108-AA02-DFA0A04FC94B}">
-              <ma14:wrappingTextBoxFlag xmlns:ma14="http://schemas.microsoft.com/office/mac/drawingml/2011/main" xmlns:a14="http://schemas.microsoft.com/office/drawing/2010/main" xmlns:m="http://schemas.openxmlformats.org/officeDocument/2006/math" xmlns="" val="1"/>
+              <ma14:wrappingTextBoxFlag xmlns="" xmlns:m="http://schemas.openxmlformats.org/officeDocument/2006/math" xmlns:a14="http://schemas.microsoft.com/office/drawing/2010/main" xmlns:ma14="http://schemas.microsoft.com/office/mac/drawingml/2011/main" val="1"/>
             </a:ext>
           </a:extLst>
         </p:spPr>
@@ -8122,7 +8117,7 @@
             <a:effectLst/>
             <a:extLst>
               <a:ext uri="{C572A759-6A51-4108-AA02-DFA0A04FC94B}">
-                <ma14:wrappingTextBoxFlag xmlns:ma14="http://schemas.microsoft.com/office/mac/drawingml/2011/main" xmlns:a14="http://schemas.microsoft.com/office/drawing/2010/main" xmlns:m="http://schemas.openxmlformats.org/officeDocument/2006/math" xmlns="" val="1"/>
+                <ma14:wrappingTextBoxFlag xmlns="" xmlns:m="http://schemas.openxmlformats.org/officeDocument/2006/math" xmlns:a14="http://schemas.microsoft.com/office/drawing/2010/main" xmlns:ma14="http://schemas.microsoft.com/office/mac/drawingml/2011/main" val="1"/>
               </a:ext>
             </a:extLst>
           </p:spPr>
